--- a/Prezentacja_algorytmy_optymalizacja.pptx
+++ b/Prezentacja_algorytmy_optymalizacja.pptx
@@ -18,36 +18,35 @@
     <p:sldId id="276" r:id="rId13"/>
     <p:sldId id="307" r:id="rId14"/>
     <p:sldId id="263" r:id="rId15"/>
-    <p:sldId id="265" r:id="rId16"/>
-    <p:sldId id="278" r:id="rId17"/>
-    <p:sldId id="266" r:id="rId18"/>
-    <p:sldId id="268" r:id="rId19"/>
-    <p:sldId id="270" r:id="rId20"/>
-    <p:sldId id="279" r:id="rId21"/>
-    <p:sldId id="308" r:id="rId22"/>
-    <p:sldId id="264" r:id="rId23"/>
-    <p:sldId id="277" r:id="rId24"/>
-    <p:sldId id="291" r:id="rId25"/>
-    <p:sldId id="341" r:id="rId26"/>
-    <p:sldId id="303" r:id="rId27"/>
-    <p:sldId id="304" r:id="rId28"/>
-    <p:sldId id="302" r:id="rId29"/>
-    <p:sldId id="305" r:id="rId30"/>
-    <p:sldId id="306" r:id="rId31"/>
-    <p:sldId id="309" r:id="rId32"/>
-    <p:sldId id="314" r:id="rId33"/>
-    <p:sldId id="312" r:id="rId34"/>
-    <p:sldId id="293" r:id="rId35"/>
-    <p:sldId id="294" r:id="rId36"/>
-    <p:sldId id="295" r:id="rId37"/>
-    <p:sldId id="296" r:id="rId38"/>
-    <p:sldId id="298" r:id="rId39"/>
-    <p:sldId id="297" r:id="rId40"/>
-    <p:sldId id="310" r:id="rId41"/>
-    <p:sldId id="311" r:id="rId42"/>
-    <p:sldId id="313" r:id="rId43"/>
-    <p:sldId id="339" r:id="rId44"/>
-    <p:sldId id="290" r:id="rId45"/>
+    <p:sldId id="278" r:id="rId16"/>
+    <p:sldId id="266" r:id="rId17"/>
+    <p:sldId id="268" r:id="rId18"/>
+    <p:sldId id="270" r:id="rId19"/>
+    <p:sldId id="279" r:id="rId20"/>
+    <p:sldId id="308" r:id="rId21"/>
+    <p:sldId id="264" r:id="rId22"/>
+    <p:sldId id="277" r:id="rId23"/>
+    <p:sldId id="291" r:id="rId24"/>
+    <p:sldId id="341" r:id="rId25"/>
+    <p:sldId id="303" r:id="rId26"/>
+    <p:sldId id="304" r:id="rId27"/>
+    <p:sldId id="302" r:id="rId28"/>
+    <p:sldId id="305" r:id="rId29"/>
+    <p:sldId id="306" r:id="rId30"/>
+    <p:sldId id="309" r:id="rId31"/>
+    <p:sldId id="314" r:id="rId32"/>
+    <p:sldId id="312" r:id="rId33"/>
+    <p:sldId id="293" r:id="rId34"/>
+    <p:sldId id="294" r:id="rId35"/>
+    <p:sldId id="295" r:id="rId36"/>
+    <p:sldId id="296" r:id="rId37"/>
+    <p:sldId id="298" r:id="rId38"/>
+    <p:sldId id="297" r:id="rId39"/>
+    <p:sldId id="310" r:id="rId40"/>
+    <p:sldId id="311" r:id="rId41"/>
+    <p:sldId id="313" r:id="rId42"/>
+    <p:sldId id="339" r:id="rId43"/>
+    <p:sldId id="290" r:id="rId44"/>
   </p:sldIdLst>
   <p:sldSz cx="12192000" cy="6858000"/>
   <p:notesSz cx="6858000" cy="9144000"/>
@@ -3860,7 +3859,7 @@
       </p:grpSpPr>
       <p:sp>
         <p:nvSpPr>
-          <p:cNvPr id="2" name="Title 1"/>
+          <p:cNvPr id="4" name="Title 3"/>
           <p:cNvSpPr>
             <a:spLocks noGrp="1"/>
           </p:cNvSpPr>
@@ -3870,29 +3869,54 @@
         </p:nvSpPr>
         <p:spPr/>
         <p:txBody>
-          <a:bodyPr>
-            <a:normAutofit fontScale="90000"/>
-          </a:bodyPr>
+          <a:bodyPr/>
           <a:lstStyle/>
           <a:p>
+            <a:pPr algn="l"/>
             <a:r>
               <a:rPr lang="pl-PL" altLang="en-US">
-                <a:sym typeface="+mn-ea"/>
+                <a:ln w="22225">
+                  <a:solidFill>
+                    <a:schemeClr val="accent2"/>
+                  </a:solidFill>
+                  <a:prstDash val="solid"/>
+                </a:ln>
+                <a:solidFill>
+                  <a:schemeClr val="accent2">
+                    <a:lumMod val="40000"/>
+                    <a:lumOff val="60000"/>
+                  </a:schemeClr>
+                </a:solidFill>
+                <a:effectLst/>
               </a:rPr>
-              <a:t>Problem Plecakowy- programowanie zachłanne</a:t>
-            </a:r>
-            <a:endParaRPr lang="en-US"/>
+              <a:t>Przykład</a:t>
+            </a:r>
+            <a:endParaRPr lang="pl-PL" altLang="en-US">
+              <a:ln w="22225">
+                <a:solidFill>
+                  <a:schemeClr val="accent2"/>
+                </a:solidFill>
+                <a:prstDash val="solid"/>
+              </a:ln>
+              <a:solidFill>
+                <a:schemeClr val="accent2">
+                  <a:lumMod val="40000"/>
+                  <a:lumOff val="60000"/>
+                </a:schemeClr>
+              </a:solidFill>
+              <a:effectLst/>
+            </a:endParaRPr>
           </a:p>
         </p:txBody>
       </p:sp>
       <p:sp>
         <p:nvSpPr>
-          <p:cNvPr id="3" name="Content Placeholder 2"/>
+          <p:cNvPr id="5" name="Text Placeholder 4"/>
           <p:cNvSpPr>
             <a:spLocks noGrp="1"/>
           </p:cNvSpPr>
           <p:nvPr>
-            <p:ph idx="1"/>
+            <p:ph type="body" idx="1"/>
           </p:nvPr>
         </p:nvSpPr>
         <p:spPr/>
@@ -3900,22 +3924,9 @@
           <a:bodyPr/>
           <a:lstStyle/>
           <a:p>
-            <a:pPr marL="0" indent="0">
-              <a:buNone/>
-            </a:pPr>
             <a:r>
               <a:rPr lang="pl-PL" altLang="en-US" dirty="0"/>
-              <a:t>Każdemu przedmiotowi przypisujemy współczynnik</a:t>
-            </a:r>
-            <a:br>
-              <a:rPr lang="pl-PL" altLang="en-US" dirty="0"/>
-            </a:br>
-            <a:br>
-              <a:rPr lang="pl-PL" altLang="en-US" dirty="0"/>
-            </a:br>
-            <a:r>
-              <a:rPr lang="pl-PL" altLang="en-US" dirty="0"/>
-              <a:t>Następnie sortujemy obliczone współczynniki od największej do najmniejszej. Po posortowaniu wybieramy najcenniejszy przedmiot tyle razy ile zmieści się do plecaka. Po tym zabiegu wybieramy coraz mniej wartościowe przedmioty pod warunkiem, że mieszczą się w plecaku.</a:t>
+              <a:t>Dla pojemności plecaka W = 20 kg</a:t>
             </a:r>
             <a:endParaRPr lang="pl-PL" altLang="en-US" dirty="0"/>
           </a:p>
@@ -3948,7 +3959,7 @@
       </p:grpSpPr>
       <p:sp>
         <p:nvSpPr>
-          <p:cNvPr id="4" name="Title 3"/>
+          <p:cNvPr id="2" name="Title 1"/>
           <p:cNvSpPr>
             <a:spLocks noGrp="1"/>
           </p:cNvSpPr>
@@ -3958,12 +3969,923 @@
         </p:nvSpPr>
         <p:spPr/>
         <p:txBody>
-          <a:bodyPr/>
+          <a:bodyPr>
+            <a:normAutofit fontScale="90000"/>
+          </a:bodyPr>
           <a:lstStyle/>
           <a:p>
-            <a:pPr algn="l"/>
-            <a:r>
-              <a:rPr lang="pl-PL" altLang="en-US">
+            <a:pPr algn="ctr"/>
+            <a:r>
+              <a:rPr lang="pl-PL"/>
+              <a:t>Przykład</a:t>
+            </a:r>
+            <a:endParaRPr lang="pl-PL"/>
+          </a:p>
+        </p:txBody>
+      </p:sp>
+      <p:graphicFrame>
+        <p:nvGraphicFramePr>
+          <p:cNvPr id="4" name="Content Placeholder 3"/>
+          <p:cNvGraphicFramePr>
+            <a:graphicFrameLocks noGrp="1"/>
+          </p:cNvGraphicFramePr>
+          <p:nvPr>
+            <p:ph idx="1"/>
+          </p:nvPr>
+        </p:nvGraphicFramePr>
+        <p:xfrm>
+          <a:off x="838200" y="1974850"/>
+          <a:ext cx="10515600" cy="1225550"/>
+        </p:xfrm>
+        <a:graphic>
+          <a:graphicData uri="http://schemas.openxmlformats.org/drawingml/2006/table">
+            <a:tbl>
+              <a:tblPr firstRow="1" bandRow="1">
+                <a:tableStyleId>{5C22544A-7EE6-4342-B048-85BDC9FD1C3A}</a:tableStyleId>
+              </a:tblPr>
+              <a:tblGrid>
+                <a:gridCol w="2103120"/>
+                <a:gridCol w="2103120"/>
+                <a:gridCol w="2103120"/>
+                <a:gridCol w="2103120"/>
+                <a:gridCol w="2103120"/>
+              </a:tblGrid>
+              <a:tr h="397510">
+                <a:tc>
+                  <a:txBody>
+                    <a:bodyPr/>
+                    <a:lstStyle/>
+                    <a:p>
+                      <a:pPr algn="ctr">
+                        <a:buNone/>
+                      </a:pPr>
+                      <a:r>
+                        <a:rPr lang="pl-PL" altLang="en-US"/>
+                        <a:t>Waga [kg]</a:t>
+                      </a:r>
+                      <a:endParaRPr lang="pl-PL" altLang="en-US"/>
+                    </a:p>
+                  </a:txBody>
+                  <a:tcPr anchor="ctr">
+                    <a:solidFill>
+                      <a:schemeClr val="accent1">
+                        <a:lumMod val="60000"/>
+                        <a:lumOff val="40000"/>
+                      </a:schemeClr>
+                    </a:solidFill>
+                  </a:tcPr>
+                </a:tc>
+                <a:tc>
+                  <a:txBody>
+                    <a:bodyPr/>
+                    <a:lstStyle/>
+                    <a:p>
+                      <a:pPr algn="ctr">
+                        <a:buNone/>
+                      </a:pPr>
+                      <a:r>
+                        <a:rPr lang="pl-PL" altLang="en-US"/>
+                        <a:t>3</a:t>
+                      </a:r>
+                      <a:endParaRPr lang="pl-PL" altLang="en-US"/>
+                    </a:p>
+                  </a:txBody>
+                  <a:tcPr anchor="ctr">
+                    <a:solidFill>
+                      <a:schemeClr val="accent2"/>
+                    </a:solidFill>
+                  </a:tcPr>
+                </a:tc>
+                <a:tc>
+                  <a:txBody>
+                    <a:bodyPr/>
+                    <a:lstStyle/>
+                    <a:p>
+                      <a:pPr algn="ctr">
+                        <a:buNone/>
+                      </a:pPr>
+                      <a:r>
+                        <a:rPr lang="pl-PL" altLang="en-US"/>
+                        <a:t>7</a:t>
+                      </a:r>
+                      <a:endParaRPr lang="pl-PL" altLang="en-US"/>
+                    </a:p>
+                  </a:txBody>
+                  <a:tcPr anchor="ctr">
+                    <a:solidFill>
+                      <a:schemeClr val="accent2"/>
+                    </a:solidFill>
+                  </a:tcPr>
+                </a:tc>
+                <a:tc>
+                  <a:txBody>
+                    <a:bodyPr/>
+                    <a:lstStyle/>
+                    <a:p>
+                      <a:pPr algn="ctr">
+                        <a:buNone/>
+                      </a:pPr>
+                      <a:r>
+                        <a:rPr lang="pl-PL" altLang="en-US"/>
+                        <a:t>4</a:t>
+                      </a:r>
+                      <a:endParaRPr lang="pl-PL" altLang="en-US"/>
+                    </a:p>
+                  </a:txBody>
+                  <a:tcPr anchor="ctr">
+                    <a:solidFill>
+                      <a:schemeClr val="accent2"/>
+                    </a:solidFill>
+                  </a:tcPr>
+                </a:tc>
+                <a:tc>
+                  <a:txBody>
+                    <a:bodyPr/>
+                    <a:lstStyle/>
+                    <a:p>
+                      <a:pPr algn="ctr">
+                        <a:buNone/>
+                      </a:pPr>
+                      <a:r>
+                        <a:rPr lang="pl-PL" altLang="en-US"/>
+                        <a:t>2</a:t>
+                      </a:r>
+                      <a:endParaRPr lang="pl-PL" altLang="en-US"/>
+                    </a:p>
+                  </a:txBody>
+                  <a:tcPr anchor="ctr">
+                    <a:solidFill>
+                      <a:schemeClr val="accent2"/>
+                    </a:solidFill>
+                  </a:tcPr>
+                </a:tc>
+              </a:tr>
+              <a:tr h="397510">
+                <a:tc>
+                  <a:txBody>
+                    <a:bodyPr/>
+                    <a:lstStyle/>
+                    <a:p>
+                      <a:pPr algn="ctr">
+                        <a:buNone/>
+                      </a:pPr>
+                      <a:r>
+                        <a:rPr lang="pl-PL" altLang="en-US" b="1">
+                          <a:solidFill>
+                            <a:schemeClr val="bg1"/>
+                          </a:solidFill>
+                        </a:rPr>
+                        <a:t>Wartość [zł]</a:t>
+                      </a:r>
+                      <a:endParaRPr lang="pl-PL" altLang="en-US" b="1">
+                        <a:solidFill>
+                          <a:schemeClr val="bg1"/>
+                        </a:solidFill>
+                      </a:endParaRPr>
+                    </a:p>
+                  </a:txBody>
+                  <a:tcPr anchor="ctr">
+                    <a:solidFill>
+                      <a:schemeClr val="accent1">
+                        <a:lumMod val="60000"/>
+                        <a:lumOff val="40000"/>
+                      </a:schemeClr>
+                    </a:solidFill>
+                  </a:tcPr>
+                </a:tc>
+                <a:tc>
+                  <a:txBody>
+                    <a:bodyPr/>
+                    <a:lstStyle/>
+                    <a:p>
+                      <a:pPr algn="ctr">
+                        <a:buNone/>
+                      </a:pPr>
+                      <a:r>
+                        <a:rPr lang="pl-PL" altLang="en-US" b="1">
+                          <a:solidFill>
+                            <a:schemeClr val="bg1"/>
+                          </a:solidFill>
+                        </a:rPr>
+                        <a:t>2</a:t>
+                      </a:r>
+                      <a:endParaRPr lang="pl-PL" altLang="en-US" b="1">
+                        <a:solidFill>
+                          <a:schemeClr val="bg1"/>
+                        </a:solidFill>
+                      </a:endParaRPr>
+                    </a:p>
+                  </a:txBody>
+                  <a:tcPr anchor="ctr">
+                    <a:solidFill>
+                      <a:schemeClr val="accent2"/>
+                    </a:solidFill>
+                  </a:tcPr>
+                </a:tc>
+                <a:tc>
+                  <a:txBody>
+                    <a:bodyPr/>
+                    <a:lstStyle/>
+                    <a:p>
+                      <a:pPr algn="ctr">
+                        <a:buNone/>
+                      </a:pPr>
+                      <a:r>
+                        <a:rPr lang="pl-PL" altLang="en-US" b="1">
+                          <a:solidFill>
+                            <a:schemeClr val="bg1"/>
+                          </a:solidFill>
+                        </a:rPr>
+                        <a:t>7</a:t>
+                      </a:r>
+                      <a:endParaRPr lang="pl-PL" altLang="en-US" b="1">
+                        <a:solidFill>
+                          <a:schemeClr val="bg1"/>
+                        </a:solidFill>
+                      </a:endParaRPr>
+                    </a:p>
+                  </a:txBody>
+                  <a:tcPr anchor="ctr">
+                    <a:solidFill>
+                      <a:schemeClr val="accent2"/>
+                    </a:solidFill>
+                  </a:tcPr>
+                </a:tc>
+                <a:tc>
+                  <a:txBody>
+                    <a:bodyPr/>
+                    <a:lstStyle/>
+                    <a:p>
+                      <a:pPr algn="ctr">
+                        <a:buNone/>
+                      </a:pPr>
+                      <a:r>
+                        <a:rPr lang="pl-PL" altLang="en-US" b="1">
+                          <a:solidFill>
+                            <a:schemeClr val="bg1"/>
+                          </a:solidFill>
+                        </a:rPr>
+                        <a:t>2</a:t>
+                      </a:r>
+                      <a:endParaRPr lang="pl-PL" altLang="en-US" b="1">
+                        <a:solidFill>
+                          <a:schemeClr val="bg1"/>
+                        </a:solidFill>
+                      </a:endParaRPr>
+                    </a:p>
+                  </a:txBody>
+                  <a:tcPr anchor="ctr">
+                    <a:solidFill>
+                      <a:schemeClr val="accent2"/>
+                    </a:solidFill>
+                  </a:tcPr>
+                </a:tc>
+                <a:tc>
+                  <a:txBody>
+                    <a:bodyPr/>
+                    <a:lstStyle/>
+                    <a:p>
+                      <a:pPr algn="ctr">
+                        <a:buNone/>
+                      </a:pPr>
+                      <a:r>
+                        <a:rPr lang="pl-PL" altLang="en-US" b="1">
+                          <a:solidFill>
+                            <a:schemeClr val="bg1"/>
+                          </a:solidFill>
+                        </a:rPr>
+                        <a:t>1</a:t>
+                      </a:r>
+                      <a:endParaRPr lang="pl-PL" altLang="en-US" b="1">
+                        <a:solidFill>
+                          <a:schemeClr val="bg1"/>
+                        </a:solidFill>
+                      </a:endParaRPr>
+                    </a:p>
+                  </a:txBody>
+                  <a:tcPr anchor="ctr">
+                    <a:solidFill>
+                      <a:schemeClr val="accent2"/>
+                    </a:solidFill>
+                  </a:tcPr>
+                </a:tc>
+              </a:tr>
+              <a:tr h="430530">
+                <a:tc>
+                  <a:txBody>
+                    <a:bodyPr/>
+                    <a:lstStyle/>
+                    <a:p>
+                      <a:pPr algn="ctr">
+                        <a:buNone/>
+                      </a:pPr>
+                      <a:r>
+                        <a:rPr lang="pl-PL" altLang="en-US" b="1" dirty="0">
+                          <a:solidFill>
+                            <a:schemeClr val="bg1"/>
+                          </a:solidFill>
+                        </a:rPr>
+                        <a:t>Współczynnik</a:t>
+                      </a:r>
+                      <a:endParaRPr lang="pl-PL" altLang="en-US" b="1" dirty="0">
+                        <a:solidFill>
+                          <a:schemeClr val="bg1"/>
+                        </a:solidFill>
+                      </a:endParaRPr>
+                    </a:p>
+                  </a:txBody>
+                  <a:tcPr anchor="ctr">
+                    <a:solidFill>
+                      <a:schemeClr val="accent1">
+                        <a:lumMod val="60000"/>
+                        <a:lumOff val="40000"/>
+                      </a:schemeClr>
+                    </a:solidFill>
+                  </a:tcPr>
+                </a:tc>
+                <a:tc>
+                  <a:txBody>
+                    <a:bodyPr/>
+                    <a:lstStyle/>
+                    <a:p>
+                      <a:pPr algn="ctr">
+                        <a:buNone/>
+                      </a:pPr>
+                      <a:r>
+                        <a:rPr lang="pl-PL" altLang="en-US" b="1">
+                          <a:solidFill>
+                            <a:schemeClr val="bg1"/>
+                          </a:solidFill>
+                        </a:rPr>
+                        <a:t>0.667</a:t>
+                      </a:r>
+                      <a:endParaRPr lang="pl-PL" altLang="en-US" b="1">
+                        <a:solidFill>
+                          <a:schemeClr val="bg1"/>
+                        </a:solidFill>
+                      </a:endParaRPr>
+                    </a:p>
+                  </a:txBody>
+                  <a:tcPr anchor="ctr">
+                    <a:solidFill>
+                      <a:schemeClr val="accent1"/>
+                    </a:solidFill>
+                  </a:tcPr>
+                </a:tc>
+                <a:tc>
+                  <a:txBody>
+                    <a:bodyPr/>
+                    <a:lstStyle/>
+                    <a:p>
+                      <a:pPr algn="ctr">
+                        <a:buNone/>
+                      </a:pPr>
+                      <a:r>
+                        <a:rPr lang="pl-PL" altLang="en-US" b="1">
+                          <a:solidFill>
+                            <a:schemeClr val="bg1"/>
+                          </a:solidFill>
+                        </a:rPr>
+                        <a:t>1</a:t>
+                      </a:r>
+                      <a:endParaRPr lang="pl-PL" altLang="en-US" b="1">
+                        <a:solidFill>
+                          <a:schemeClr val="bg1"/>
+                        </a:solidFill>
+                      </a:endParaRPr>
+                    </a:p>
+                  </a:txBody>
+                  <a:tcPr anchor="ctr">
+                    <a:solidFill>
+                      <a:schemeClr val="accent1"/>
+                    </a:solidFill>
+                  </a:tcPr>
+                </a:tc>
+                <a:tc>
+                  <a:txBody>
+                    <a:bodyPr/>
+                    <a:lstStyle/>
+                    <a:p>
+                      <a:pPr algn="ctr">
+                        <a:buNone/>
+                      </a:pPr>
+                      <a:r>
+                        <a:rPr lang="pl-PL" altLang="en-US" b="1">
+                          <a:solidFill>
+                            <a:schemeClr val="bg1"/>
+                          </a:solidFill>
+                        </a:rPr>
+                        <a:t>0.5</a:t>
+                      </a:r>
+                      <a:endParaRPr lang="pl-PL" altLang="en-US" b="1">
+                        <a:solidFill>
+                          <a:schemeClr val="bg1"/>
+                        </a:solidFill>
+                      </a:endParaRPr>
+                    </a:p>
+                  </a:txBody>
+                  <a:tcPr anchor="ctr">
+                    <a:solidFill>
+                      <a:schemeClr val="accent1"/>
+                    </a:solidFill>
+                  </a:tcPr>
+                </a:tc>
+                <a:tc>
+                  <a:txBody>
+                    <a:bodyPr/>
+                    <a:lstStyle/>
+                    <a:p>
+                      <a:pPr algn="ctr">
+                        <a:buNone/>
+                      </a:pPr>
+                      <a:r>
+                        <a:rPr lang="pl-PL" altLang="en-US" b="1" dirty="0">
+                          <a:solidFill>
+                            <a:schemeClr val="bg1"/>
+                          </a:solidFill>
+                        </a:rPr>
+                        <a:t>0.5</a:t>
+                      </a:r>
+                      <a:endParaRPr lang="pl-PL" altLang="en-US" b="1" dirty="0">
+                        <a:solidFill>
+                          <a:schemeClr val="bg1"/>
+                        </a:solidFill>
+                      </a:endParaRPr>
+                    </a:p>
+                  </a:txBody>
+                  <a:tcPr anchor="ctr">
+                    <a:solidFill>
+                      <a:schemeClr val="accent1"/>
+                    </a:solidFill>
+                  </a:tcPr>
+                </a:tc>
+              </a:tr>
+            </a:tbl>
+          </a:graphicData>
+        </a:graphic>
+      </p:graphicFrame>
+      <p:graphicFrame>
+        <p:nvGraphicFramePr>
+          <p:cNvPr id="5" name="Table 4"/>
+          <p:cNvGraphicFramePr/>
+          <p:nvPr/>
+        </p:nvGraphicFramePr>
+        <p:xfrm>
+          <a:off x="838200" y="4043045"/>
+          <a:ext cx="10515600" cy="1925320"/>
+        </p:xfrm>
+        <a:graphic>
+          <a:graphicData uri="http://schemas.openxmlformats.org/drawingml/2006/table">
+            <a:tbl>
+              <a:tblPr firstRow="1" bandRow="1">
+                <a:tableStyleId>{5C22544A-7EE6-4342-B048-85BDC9FD1C3A}</a:tableStyleId>
+              </a:tblPr>
+              <a:tblGrid>
+                <a:gridCol w="2103120"/>
+                <a:gridCol w="2103120"/>
+                <a:gridCol w="2103120"/>
+                <a:gridCol w="2103120"/>
+                <a:gridCol w="2103120"/>
+              </a:tblGrid>
+              <a:tr h="709930">
+                <a:tc>
+                  <a:txBody>
+                    <a:bodyPr/>
+                    <a:lstStyle/>
+                    <a:p>
+                      <a:pPr algn="ctr">
+                        <a:buNone/>
+                      </a:pPr>
+                      <a:r>
+                        <a:rPr lang="pl-PL" altLang="en-US"/>
+                        <a:t>Waga [kg]</a:t>
+                      </a:r>
+                      <a:endParaRPr lang="pl-PL" altLang="en-US"/>
+                    </a:p>
+                  </a:txBody>
+                  <a:tcPr anchor="ctr">
+                    <a:solidFill>
+                      <a:schemeClr val="accent1">
+                        <a:lumMod val="60000"/>
+                        <a:lumOff val="40000"/>
+                      </a:schemeClr>
+                    </a:solidFill>
+                  </a:tcPr>
+                </a:tc>
+                <a:tc>
+                  <a:txBody>
+                    <a:bodyPr/>
+                    <a:lstStyle/>
+                    <a:p>
+                      <a:pPr algn="ctr">
+                        <a:buNone/>
+                      </a:pPr>
+                      <a:r>
+                        <a:rPr lang="pl-PL" altLang="en-US"/>
+                        <a:t>7</a:t>
+                      </a:r>
+                      <a:endParaRPr lang="pl-PL" altLang="en-US"/>
+                    </a:p>
+                  </a:txBody>
+                  <a:tcPr anchor="ctr">
+                    <a:solidFill>
+                      <a:schemeClr val="accent2"/>
+                    </a:solidFill>
+                  </a:tcPr>
+                </a:tc>
+                <a:tc>
+                  <a:txBody>
+                    <a:bodyPr/>
+                    <a:lstStyle/>
+                    <a:p>
+                      <a:pPr algn="ctr">
+                        <a:buNone/>
+                      </a:pPr>
+                      <a:r>
+                        <a:rPr lang="pl-PL" altLang="en-US"/>
+                        <a:t>3</a:t>
+                      </a:r>
+                      <a:endParaRPr lang="pl-PL" altLang="en-US"/>
+                    </a:p>
+                  </a:txBody>
+                  <a:tcPr anchor="ctr">
+                    <a:solidFill>
+                      <a:schemeClr val="accent2"/>
+                    </a:solidFill>
+                  </a:tcPr>
+                </a:tc>
+                <a:tc>
+                  <a:txBody>
+                    <a:bodyPr/>
+                    <a:lstStyle/>
+                    <a:p>
+                      <a:pPr algn="ctr">
+                        <a:buNone/>
+                      </a:pPr>
+                      <a:r>
+                        <a:rPr lang="pl-PL" altLang="en-US"/>
+                        <a:t>4</a:t>
+                      </a:r>
+                      <a:endParaRPr lang="pl-PL" altLang="en-US"/>
+                    </a:p>
+                  </a:txBody>
+                  <a:tcPr anchor="ctr">
+                    <a:solidFill>
+                      <a:schemeClr val="accent2"/>
+                    </a:solidFill>
+                  </a:tcPr>
+                </a:tc>
+                <a:tc>
+                  <a:txBody>
+                    <a:bodyPr/>
+                    <a:lstStyle/>
+                    <a:p>
+                      <a:pPr algn="ctr">
+                        <a:buNone/>
+                      </a:pPr>
+                      <a:r>
+                        <a:rPr lang="pl-PL" altLang="en-US"/>
+                        <a:t>2</a:t>
+                      </a:r>
+                      <a:endParaRPr lang="pl-PL" altLang="en-US"/>
+                    </a:p>
+                  </a:txBody>
+                  <a:tcPr anchor="ctr">
+                    <a:solidFill>
+                      <a:schemeClr val="accent2"/>
+                    </a:solidFill>
+                  </a:tcPr>
+                </a:tc>
+              </a:tr>
+              <a:tr h="584200">
+                <a:tc>
+                  <a:txBody>
+                    <a:bodyPr/>
+                    <a:lstStyle/>
+                    <a:p>
+                      <a:pPr algn="ctr">
+                        <a:buNone/>
+                      </a:pPr>
+                      <a:r>
+                        <a:rPr lang="pl-PL" altLang="en-US" b="1">
+                          <a:solidFill>
+                            <a:schemeClr val="bg1"/>
+                          </a:solidFill>
+                        </a:rPr>
+                        <a:t>Wartość [zł]</a:t>
+                      </a:r>
+                      <a:endParaRPr lang="pl-PL" altLang="en-US" b="1">
+                        <a:solidFill>
+                          <a:schemeClr val="bg1"/>
+                        </a:solidFill>
+                      </a:endParaRPr>
+                    </a:p>
+                  </a:txBody>
+                  <a:tcPr anchor="ctr">
+                    <a:solidFill>
+                      <a:schemeClr val="accent1">
+                        <a:lumMod val="60000"/>
+                        <a:lumOff val="40000"/>
+                      </a:schemeClr>
+                    </a:solidFill>
+                  </a:tcPr>
+                </a:tc>
+                <a:tc>
+                  <a:txBody>
+                    <a:bodyPr/>
+                    <a:lstStyle/>
+                    <a:p>
+                      <a:pPr algn="ctr">
+                        <a:buNone/>
+                      </a:pPr>
+                      <a:r>
+                        <a:rPr lang="pl-PL" altLang="en-US" b="1">
+                          <a:solidFill>
+                            <a:schemeClr val="bg1"/>
+                          </a:solidFill>
+                        </a:rPr>
+                        <a:t>7</a:t>
+                      </a:r>
+                      <a:endParaRPr lang="pl-PL" altLang="en-US" b="1">
+                        <a:solidFill>
+                          <a:schemeClr val="bg1"/>
+                        </a:solidFill>
+                      </a:endParaRPr>
+                    </a:p>
+                  </a:txBody>
+                  <a:tcPr anchor="ctr">
+                    <a:solidFill>
+                      <a:schemeClr val="accent2"/>
+                    </a:solidFill>
+                  </a:tcPr>
+                </a:tc>
+                <a:tc>
+                  <a:txBody>
+                    <a:bodyPr/>
+                    <a:lstStyle/>
+                    <a:p>
+                      <a:pPr algn="ctr">
+                        <a:buNone/>
+                      </a:pPr>
+                      <a:r>
+                        <a:rPr lang="pl-PL" altLang="en-US" b="1">
+                          <a:solidFill>
+                            <a:schemeClr val="bg1"/>
+                          </a:solidFill>
+                        </a:rPr>
+                        <a:t>2</a:t>
+                      </a:r>
+                      <a:endParaRPr lang="pl-PL" altLang="en-US" b="1">
+                        <a:solidFill>
+                          <a:schemeClr val="bg1"/>
+                        </a:solidFill>
+                      </a:endParaRPr>
+                    </a:p>
+                  </a:txBody>
+                  <a:tcPr anchor="ctr">
+                    <a:solidFill>
+                      <a:schemeClr val="accent2"/>
+                    </a:solidFill>
+                  </a:tcPr>
+                </a:tc>
+                <a:tc>
+                  <a:txBody>
+                    <a:bodyPr/>
+                    <a:lstStyle/>
+                    <a:p>
+                      <a:pPr algn="ctr">
+                        <a:buNone/>
+                      </a:pPr>
+                      <a:r>
+                        <a:rPr lang="pl-PL" altLang="en-US" b="1">
+                          <a:solidFill>
+                            <a:schemeClr val="bg1"/>
+                          </a:solidFill>
+                        </a:rPr>
+                        <a:t>2</a:t>
+                      </a:r>
+                      <a:endParaRPr lang="pl-PL" altLang="en-US" b="1">
+                        <a:solidFill>
+                          <a:schemeClr val="bg1"/>
+                        </a:solidFill>
+                      </a:endParaRPr>
+                    </a:p>
+                  </a:txBody>
+                  <a:tcPr anchor="ctr">
+                    <a:solidFill>
+                      <a:schemeClr val="accent2"/>
+                    </a:solidFill>
+                  </a:tcPr>
+                </a:tc>
+                <a:tc>
+                  <a:txBody>
+                    <a:bodyPr/>
+                    <a:lstStyle/>
+                    <a:p>
+                      <a:pPr algn="ctr">
+                        <a:buNone/>
+                      </a:pPr>
+                      <a:r>
+                        <a:rPr lang="pl-PL" altLang="en-US" b="1">
+                          <a:solidFill>
+                            <a:schemeClr val="bg1"/>
+                          </a:solidFill>
+                        </a:rPr>
+                        <a:t>1</a:t>
+                      </a:r>
+                      <a:endParaRPr lang="pl-PL" altLang="en-US" b="1">
+                        <a:solidFill>
+                          <a:schemeClr val="bg1"/>
+                        </a:solidFill>
+                      </a:endParaRPr>
+                    </a:p>
+                  </a:txBody>
+                  <a:tcPr anchor="ctr">
+                    <a:solidFill>
+                      <a:schemeClr val="accent2"/>
+                    </a:solidFill>
+                  </a:tcPr>
+                </a:tc>
+              </a:tr>
+              <a:tr h="631190">
+                <a:tc>
+                  <a:txBody>
+                    <a:bodyPr/>
+                    <a:lstStyle/>
+                    <a:p>
+                      <a:pPr algn="ctr">
+                        <a:buNone/>
+                      </a:pPr>
+                      <a:r>
+                        <a:rPr lang="pl-PL" altLang="en-US" b="1">
+                          <a:solidFill>
+                            <a:schemeClr val="bg1"/>
+                          </a:solidFill>
+                        </a:rPr>
+                        <a:t>Współczynnik</a:t>
+                      </a:r>
+                      <a:endParaRPr lang="pl-PL" altLang="en-US" b="1">
+                        <a:solidFill>
+                          <a:schemeClr val="bg1"/>
+                        </a:solidFill>
+                      </a:endParaRPr>
+                    </a:p>
+                  </a:txBody>
+                  <a:tcPr anchor="ctr">
+                    <a:solidFill>
+                      <a:schemeClr val="accent1">
+                        <a:lumMod val="60000"/>
+                        <a:lumOff val="40000"/>
+                      </a:schemeClr>
+                    </a:solidFill>
+                  </a:tcPr>
+                </a:tc>
+                <a:tc>
+                  <a:txBody>
+                    <a:bodyPr/>
+                    <a:lstStyle/>
+                    <a:p>
+                      <a:pPr algn="ctr">
+                        <a:buNone/>
+                      </a:pPr>
+                      <a:r>
+                        <a:rPr lang="pl-PL" altLang="en-US" b="1">
+                          <a:solidFill>
+                            <a:schemeClr val="bg1"/>
+                          </a:solidFill>
+                        </a:rPr>
+                        <a:t>1</a:t>
+                      </a:r>
+                      <a:endParaRPr lang="pl-PL" altLang="en-US" b="1">
+                        <a:solidFill>
+                          <a:schemeClr val="bg1"/>
+                        </a:solidFill>
+                      </a:endParaRPr>
+                    </a:p>
+                  </a:txBody>
+                  <a:tcPr anchor="ctr">
+                    <a:solidFill>
+                      <a:schemeClr val="accent1"/>
+                    </a:solidFill>
+                  </a:tcPr>
+                </a:tc>
+                <a:tc>
+                  <a:txBody>
+                    <a:bodyPr/>
+                    <a:lstStyle/>
+                    <a:p>
+                      <a:pPr algn="ctr">
+                        <a:buNone/>
+                      </a:pPr>
+                      <a:r>
+                        <a:rPr lang="pl-PL" altLang="en-US" b="1">
+                          <a:solidFill>
+                            <a:schemeClr val="bg1"/>
+                          </a:solidFill>
+                        </a:rPr>
+                        <a:t>0.667</a:t>
+                      </a:r>
+                      <a:endParaRPr lang="pl-PL" altLang="en-US" b="1">
+                        <a:solidFill>
+                          <a:schemeClr val="bg1"/>
+                        </a:solidFill>
+                      </a:endParaRPr>
+                    </a:p>
+                  </a:txBody>
+                  <a:tcPr anchor="ctr">
+                    <a:solidFill>
+                      <a:schemeClr val="accent1"/>
+                    </a:solidFill>
+                  </a:tcPr>
+                </a:tc>
+                <a:tc>
+                  <a:txBody>
+                    <a:bodyPr/>
+                    <a:lstStyle/>
+                    <a:p>
+                      <a:pPr algn="ctr">
+                        <a:buNone/>
+                      </a:pPr>
+                      <a:r>
+                        <a:rPr lang="pl-PL" altLang="en-US" b="1">
+                          <a:solidFill>
+                            <a:schemeClr val="bg1"/>
+                          </a:solidFill>
+                        </a:rPr>
+                        <a:t>0.5</a:t>
+                      </a:r>
+                      <a:endParaRPr lang="pl-PL" altLang="en-US" b="1">
+                        <a:solidFill>
+                          <a:schemeClr val="bg1"/>
+                        </a:solidFill>
+                      </a:endParaRPr>
+                    </a:p>
+                  </a:txBody>
+                  <a:tcPr anchor="ctr">
+                    <a:solidFill>
+                      <a:schemeClr val="accent1"/>
+                    </a:solidFill>
+                  </a:tcPr>
+                </a:tc>
+                <a:tc>
+                  <a:txBody>
+                    <a:bodyPr/>
+                    <a:lstStyle/>
+                    <a:p>
+                      <a:pPr algn="ctr">
+                        <a:buNone/>
+                      </a:pPr>
+                      <a:r>
+                        <a:rPr lang="pl-PL" altLang="en-US" b="1">
+                          <a:solidFill>
+                            <a:schemeClr val="bg1"/>
+                          </a:solidFill>
+                        </a:rPr>
+                        <a:t>0.5</a:t>
+                      </a:r>
+                      <a:endParaRPr lang="pl-PL" altLang="en-US" b="1">
+                        <a:solidFill>
+                          <a:schemeClr val="bg1"/>
+                        </a:solidFill>
+                      </a:endParaRPr>
+                    </a:p>
+                  </a:txBody>
+                  <a:tcPr anchor="ctr">
+                    <a:solidFill>
+                      <a:schemeClr val="accent1"/>
+                    </a:solidFill>
+                  </a:tcPr>
+                </a:tc>
+              </a:tr>
+            </a:tbl>
+          </a:graphicData>
+        </a:graphic>
+      </p:graphicFrame>
+      <p:sp>
+        <p:nvSpPr>
+          <p:cNvPr id="11" name="Text Box 10"/>
+          <p:cNvSpPr txBox="1"/>
+          <p:nvPr/>
+        </p:nvSpPr>
+        <p:spPr>
+          <a:xfrm>
+            <a:off x="3749040" y="1084580"/>
+            <a:ext cx="4693920" cy="579120"/>
+          </a:xfrm>
+          <a:prstGeom prst="rect">
+            <a:avLst/>
+          </a:prstGeom>
+          <a:noFill/>
+        </p:spPr>
+        <p:txBody>
+          <a:bodyPr wrap="square" rtlCol="0">
+            <a:spAutoFit/>
+          </a:bodyPr>
+          <a:lstStyle/>
+          <a:p>
+            <a:pPr algn="ctr"/>
+            <a:r>
+              <a:rPr lang="pl-PL" altLang="en-US" sz="3200">
                 <a:ln w="22225">
                   <a:solidFill>
                     <a:schemeClr val="accent2"/>
@@ -3978,9 +4900,9 @@
                 </a:solidFill>
                 <a:effectLst/>
               </a:rPr>
-              <a:t>Przykład</a:t>
-            </a:r>
-            <a:endParaRPr lang="pl-PL" altLang="en-US">
+              <a:t>Sortowanie przedmiotów</a:t>
+            </a:r>
+            <a:endParaRPr lang="pl-PL" altLang="en-US" sz="3200">
               <a:ln w="22225">
                 <a:solidFill>
                   <a:schemeClr val="accent2"/>
@@ -3995,29 +4917,6 @@
               </a:solidFill>
               <a:effectLst/>
             </a:endParaRPr>
-          </a:p>
-        </p:txBody>
-      </p:sp>
-      <p:sp>
-        <p:nvSpPr>
-          <p:cNvPr id="5" name="Text Placeholder 4"/>
-          <p:cNvSpPr>
-            <a:spLocks noGrp="1"/>
-          </p:cNvSpPr>
-          <p:nvPr>
-            <p:ph type="body" idx="1"/>
-          </p:nvPr>
-        </p:nvSpPr>
-        <p:spPr/>
-        <p:txBody>
-          <a:bodyPr/>
-          <a:lstStyle/>
-          <a:p>
-            <a:r>
-              <a:rPr lang="pl-PL" altLang="en-US" dirty="0"/>
-              <a:t>Dla pojemności plecaka W = 20 kg</a:t>
-            </a:r>
-            <a:endParaRPr lang="pl-PL" altLang="en-US" dirty="0"/>
           </a:p>
         </p:txBody>
       </p:sp>
@@ -4058,33 +4957,82 @@
         </p:nvSpPr>
         <p:spPr/>
         <p:txBody>
-          <a:bodyPr>
-            <a:normAutofit fontScale="90000"/>
-          </a:bodyPr>
+          <a:bodyPr/>
           <a:lstStyle/>
           <a:p>
             <a:pPr algn="ctr"/>
             <a:r>
-              <a:rPr lang="pl-PL"/>
+              <a:rPr lang="pl-PL" altLang="en-US"/>
               <a:t>Przykład</a:t>
             </a:r>
-            <a:endParaRPr lang="pl-PL"/>
+            <a:endParaRPr lang="pl-PL" altLang="en-US"/>
+          </a:p>
+        </p:txBody>
+      </p:sp>
+      <p:sp>
+        <p:nvSpPr>
+          <p:cNvPr id="3" name="Content Placeholder 2"/>
+          <p:cNvSpPr>
+            <a:spLocks noGrp="1"/>
+          </p:cNvSpPr>
+          <p:nvPr>
+            <p:ph sz="half" idx="1"/>
+          </p:nvPr>
+        </p:nvSpPr>
+        <p:spPr>
+          <a:xfrm>
+            <a:off x="1539240" y="3911600"/>
+            <a:ext cx="9895205" cy="2432050"/>
+          </a:xfrm>
+        </p:spPr>
+        <p:txBody>
+          <a:bodyPr/>
+          <a:lstStyle/>
+          <a:p>
+            <a:pPr marL="0" indent="0">
+              <a:buNone/>
+            </a:pPr>
+            <a:r>
+              <a:rPr lang="pl-PL" altLang="en-US" dirty="0"/>
+              <a:t>Idąc od lewej strony:</a:t>
+            </a:r>
+            <a:endParaRPr lang="pl-PL" altLang="en-US" dirty="0"/>
+          </a:p>
+          <a:p>
+            <a:pPr marL="0" indent="0">
+              <a:buNone/>
+            </a:pPr>
+            <a:r>
+              <a:rPr lang="pl-PL" altLang="en-US" dirty="0"/>
+              <a:t>1) pakujemy 2 przedmioty o masie 7 ( w plecaku zostaje miejsce na 6 kg)</a:t>
+            </a:r>
+            <a:endParaRPr lang="pl-PL" altLang="en-US" dirty="0"/>
+          </a:p>
+          <a:p>
+            <a:pPr marL="0" indent="0">
+              <a:buNone/>
+            </a:pPr>
+            <a:r>
+              <a:rPr lang="pl-PL" altLang="en-US" dirty="0"/>
+              <a:t>2) pakujemy 2 przedmioty o masie 3 ( plecak pełny)</a:t>
+            </a:r>
+            <a:endParaRPr lang="pl-PL" altLang="en-US" dirty="0"/>
           </a:p>
         </p:txBody>
       </p:sp>
       <p:graphicFrame>
         <p:nvGraphicFramePr>
-          <p:cNvPr id="4" name="Content Placeholder 3"/>
+          <p:cNvPr id="6" name="Content Placeholder 5"/>
           <p:cNvGraphicFramePr>
             <a:graphicFrameLocks noGrp="1"/>
           </p:cNvGraphicFramePr>
           <p:nvPr>
-            <p:ph idx="1"/>
+            <p:ph sz="half" idx="2"/>
           </p:nvPr>
         </p:nvGraphicFramePr>
         <p:xfrm>
-          <a:off x="838200" y="1974850"/>
-          <a:ext cx="10515600" cy="1225550"/>
+          <a:off x="1539240" y="1788160"/>
+          <a:ext cx="8651875" cy="1925320"/>
         </p:xfrm>
         <a:graphic>
           <a:graphicData uri="http://schemas.openxmlformats.org/drawingml/2006/table">
@@ -4093,13 +5041,13 @@
                 <a:tableStyleId>{5C22544A-7EE6-4342-B048-85BDC9FD1C3A}</a:tableStyleId>
               </a:tblPr>
               <a:tblGrid>
-                <a:gridCol w="2103120"/>
-                <a:gridCol w="2103120"/>
-                <a:gridCol w="2103120"/>
-                <a:gridCol w="2103120"/>
-                <a:gridCol w="2103120"/>
+                <a:gridCol w="1729740"/>
+                <a:gridCol w="1731010"/>
+                <a:gridCol w="1730375"/>
+                <a:gridCol w="1731010"/>
+                <a:gridCol w="1729740"/>
               </a:tblGrid>
-              <a:tr h="397510">
+              <a:tr h="709930">
                 <a:tc>
                   <a:txBody>
                     <a:bodyPr/>
@@ -4134,7 +5082,7 @@
                       </a:pPr>
                       <a:r>
                         <a:rPr lang="pl-PL" altLang="en-US"/>
-                        <a:t>3</a:t>
+                        <a:t>7</a:t>
                       </a:r>
                       <a:endParaRPr lang="pl-PL" altLang="en-US"/>
                     </a:p>
@@ -4155,7 +5103,7 @@
                       </a:pPr>
                       <a:r>
                         <a:rPr lang="pl-PL" altLang="en-US"/>
-                        <a:t>7</a:t>
+                        <a:t>3</a:t>
                       </a:r>
                       <a:endParaRPr lang="pl-PL" altLang="en-US"/>
                     </a:p>
@@ -4209,7 +5157,7 @@
                   </a:tcPr>
                 </a:tc>
               </a:tr>
-              <a:tr h="397510">
+              <a:tr h="584200">
                 <a:tc>
                   <a:txBody>
                     <a:bodyPr/>
@@ -4256,35 +5204,6 @@
                             <a:schemeClr val="bg1"/>
                           </a:solidFill>
                         </a:rPr>
-                        <a:t>2</a:t>
-                      </a:r>
-                      <a:endParaRPr lang="pl-PL" altLang="en-US" b="1">
-                        <a:solidFill>
-                          <a:schemeClr val="bg1"/>
-                        </a:solidFill>
-                      </a:endParaRPr>
-                    </a:p>
-                  </a:txBody>
-                  <a:tcPr anchor="ctr">
-                    <a:solidFill>
-                      <a:schemeClr val="accent2"/>
-                    </a:solidFill>
-                  </a:tcPr>
-                </a:tc>
-                <a:tc>
-                  <a:txBody>
-                    <a:bodyPr/>
-                    <a:lstStyle/>
-                    <a:p>
-                      <a:pPr algn="ctr">
-                        <a:buNone/>
-                      </a:pPr>
-                      <a:r>
-                        <a:rPr lang="pl-PL" altLang="en-US" b="1">
-                          <a:solidFill>
-                            <a:schemeClr val="bg1"/>
-                          </a:solidFill>
-                        </a:rPr>
                         <a:t>7</a:t>
                       </a:r>
                       <a:endParaRPr lang="pl-PL" altLang="en-US" b="1">
@@ -4343,7 +5262,7 @@
                             <a:schemeClr val="bg1"/>
                           </a:solidFill>
                         </a:rPr>
-                        <a:t>1</a:t>
+                        <a:t>2</a:t>
                       </a:r>
                       <a:endParaRPr lang="pl-PL" altLang="en-US" b="1">
                         <a:solidFill>
@@ -4358,25 +5277,54 @@
                     </a:solidFill>
                   </a:tcPr>
                 </a:tc>
+                <a:tc>
+                  <a:txBody>
+                    <a:bodyPr/>
+                    <a:lstStyle/>
+                    <a:p>
+                      <a:pPr algn="ctr">
+                        <a:buNone/>
+                      </a:pPr>
+                      <a:r>
+                        <a:rPr lang="pl-PL" altLang="en-US" b="1">
+                          <a:solidFill>
+                            <a:schemeClr val="bg1"/>
+                          </a:solidFill>
+                        </a:rPr>
+                        <a:t>1</a:t>
+                      </a:r>
+                      <a:endParaRPr lang="pl-PL" altLang="en-US" b="1">
+                        <a:solidFill>
+                          <a:schemeClr val="bg1"/>
+                        </a:solidFill>
+                      </a:endParaRPr>
+                    </a:p>
+                  </a:txBody>
+                  <a:tcPr anchor="ctr">
+                    <a:solidFill>
+                      <a:schemeClr val="accent2"/>
+                    </a:solidFill>
+                  </a:tcPr>
+                </a:tc>
               </a:tr>
-              <a:tr h="430530">
-                <a:tc>
-                  <a:txBody>
-                    <a:bodyPr/>
-                    <a:lstStyle/>
-                    <a:p>
-                      <a:pPr algn="ctr">
-                        <a:buNone/>
-                      </a:pPr>
-                      <a:r>
-                        <a:rPr lang="pl-PL" altLang="en-US" b="1" dirty="0">
+              <a:tr h="631190">
+                <a:tc>
+                  <a:txBody>
+                    <a:bodyPr/>
+                    <a:lstStyle/>
+                    <a:p>
+                      <a:pPr algn="ctr">
+                        <a:buNone/>
+                      </a:pPr>
+                      <a:r>
+                        <a:rPr lang="pl-PL" altLang="en-US" b="1">
                           <a:solidFill>
                             <a:schemeClr val="bg1"/>
                           </a:solidFill>
                         </a:rPr>
                         <a:t>Współczynnik</a:t>
                       </a:r>
-                      <a:endParaRPr lang="pl-PL" altLang="en-US" b="1" dirty="0">
+                      <a:endParaRPr lang="pl-PL" altLang="en-US" b="1">
                         <a:solidFill>
                           <a:schemeClr val="bg1"/>
                         </a:solidFill>
@@ -4406,443 +5354,6 @@
                             <a:schemeClr val="bg1"/>
                           </a:solidFill>
                         </a:rPr>
-                        <a:t>0.667</a:t>
-                      </a:r>
-                      <a:endParaRPr lang="pl-PL" altLang="en-US" b="1">
-                        <a:solidFill>
-                          <a:schemeClr val="bg1"/>
-                        </a:solidFill>
-                      </a:endParaRPr>
-                    </a:p>
-                  </a:txBody>
-                  <a:tcPr anchor="ctr">
-                    <a:solidFill>
-                      <a:schemeClr val="accent1"/>
-                    </a:solidFill>
-                  </a:tcPr>
-                </a:tc>
-                <a:tc>
-                  <a:txBody>
-                    <a:bodyPr/>
-                    <a:lstStyle/>
-                    <a:p>
-                      <a:pPr algn="ctr">
-                        <a:buNone/>
-                      </a:pPr>
-                      <a:r>
-                        <a:rPr lang="pl-PL" altLang="en-US" b="1">
-                          <a:solidFill>
-                            <a:schemeClr val="bg1"/>
-                          </a:solidFill>
-                        </a:rPr>
-                        <a:t>1</a:t>
-                      </a:r>
-                      <a:endParaRPr lang="pl-PL" altLang="en-US" b="1">
-                        <a:solidFill>
-                          <a:schemeClr val="bg1"/>
-                        </a:solidFill>
-                      </a:endParaRPr>
-                    </a:p>
-                  </a:txBody>
-                  <a:tcPr anchor="ctr">
-                    <a:solidFill>
-                      <a:schemeClr val="accent1"/>
-                    </a:solidFill>
-                  </a:tcPr>
-                </a:tc>
-                <a:tc>
-                  <a:txBody>
-                    <a:bodyPr/>
-                    <a:lstStyle/>
-                    <a:p>
-                      <a:pPr algn="ctr">
-                        <a:buNone/>
-                      </a:pPr>
-                      <a:r>
-                        <a:rPr lang="pl-PL" altLang="en-US" b="1">
-                          <a:solidFill>
-                            <a:schemeClr val="bg1"/>
-                          </a:solidFill>
-                        </a:rPr>
-                        <a:t>0.5</a:t>
-                      </a:r>
-                      <a:endParaRPr lang="pl-PL" altLang="en-US" b="1">
-                        <a:solidFill>
-                          <a:schemeClr val="bg1"/>
-                        </a:solidFill>
-                      </a:endParaRPr>
-                    </a:p>
-                  </a:txBody>
-                  <a:tcPr anchor="ctr">
-                    <a:solidFill>
-                      <a:schemeClr val="accent1"/>
-                    </a:solidFill>
-                  </a:tcPr>
-                </a:tc>
-                <a:tc>
-                  <a:txBody>
-                    <a:bodyPr/>
-                    <a:lstStyle/>
-                    <a:p>
-                      <a:pPr algn="ctr">
-                        <a:buNone/>
-                      </a:pPr>
-                      <a:r>
-                        <a:rPr lang="pl-PL" altLang="en-US" b="1" dirty="0">
-                          <a:solidFill>
-                            <a:schemeClr val="bg1"/>
-                          </a:solidFill>
-                        </a:rPr>
-                        <a:t>0.5</a:t>
-                      </a:r>
-                      <a:endParaRPr lang="pl-PL" altLang="en-US" b="1" dirty="0">
-                        <a:solidFill>
-                          <a:schemeClr val="bg1"/>
-                        </a:solidFill>
-                      </a:endParaRPr>
-                    </a:p>
-                  </a:txBody>
-                  <a:tcPr anchor="ctr">
-                    <a:solidFill>
-                      <a:schemeClr val="accent1"/>
-                    </a:solidFill>
-                  </a:tcPr>
-                </a:tc>
-              </a:tr>
-            </a:tbl>
-          </a:graphicData>
-        </a:graphic>
-      </p:graphicFrame>
-      <p:graphicFrame>
-        <p:nvGraphicFramePr>
-          <p:cNvPr id="5" name="Table 4"/>
-          <p:cNvGraphicFramePr/>
-          <p:nvPr/>
-        </p:nvGraphicFramePr>
-        <p:xfrm>
-          <a:off x="838200" y="4043045"/>
-          <a:ext cx="10515600" cy="1925320"/>
-        </p:xfrm>
-        <a:graphic>
-          <a:graphicData uri="http://schemas.openxmlformats.org/drawingml/2006/table">
-            <a:tbl>
-              <a:tblPr firstRow="1" bandRow="1">
-                <a:tableStyleId>{5C22544A-7EE6-4342-B048-85BDC9FD1C3A}</a:tableStyleId>
-              </a:tblPr>
-              <a:tblGrid>
-                <a:gridCol w="2103120"/>
-                <a:gridCol w="2103120"/>
-                <a:gridCol w="2103120"/>
-                <a:gridCol w="2103120"/>
-                <a:gridCol w="2103120"/>
-              </a:tblGrid>
-              <a:tr h="709930">
-                <a:tc>
-                  <a:txBody>
-                    <a:bodyPr/>
-                    <a:lstStyle/>
-                    <a:p>
-                      <a:pPr algn="ctr">
-                        <a:buNone/>
-                      </a:pPr>
-                      <a:r>
-                        <a:rPr lang="pl-PL" altLang="en-US"/>
-                        <a:t>Waga [kg]</a:t>
-                      </a:r>
-                      <a:endParaRPr lang="pl-PL" altLang="en-US"/>
-                    </a:p>
-                  </a:txBody>
-                  <a:tcPr anchor="ctr">
-                    <a:solidFill>
-                      <a:schemeClr val="accent1">
-                        <a:lumMod val="60000"/>
-                        <a:lumOff val="40000"/>
-                      </a:schemeClr>
-                    </a:solidFill>
-                  </a:tcPr>
-                </a:tc>
-                <a:tc>
-                  <a:txBody>
-                    <a:bodyPr/>
-                    <a:lstStyle/>
-                    <a:p>
-                      <a:pPr algn="ctr">
-                        <a:buNone/>
-                      </a:pPr>
-                      <a:r>
-                        <a:rPr lang="pl-PL" altLang="en-US"/>
-                        <a:t>7</a:t>
-                      </a:r>
-                      <a:endParaRPr lang="pl-PL" altLang="en-US"/>
-                    </a:p>
-                  </a:txBody>
-                  <a:tcPr anchor="ctr">
-                    <a:solidFill>
-                      <a:schemeClr val="accent2"/>
-                    </a:solidFill>
-                  </a:tcPr>
-                </a:tc>
-                <a:tc>
-                  <a:txBody>
-                    <a:bodyPr/>
-                    <a:lstStyle/>
-                    <a:p>
-                      <a:pPr algn="ctr">
-                        <a:buNone/>
-                      </a:pPr>
-                      <a:r>
-                        <a:rPr lang="pl-PL" altLang="en-US"/>
-                        <a:t>3</a:t>
-                      </a:r>
-                      <a:endParaRPr lang="pl-PL" altLang="en-US"/>
-                    </a:p>
-                  </a:txBody>
-                  <a:tcPr anchor="ctr">
-                    <a:solidFill>
-                      <a:schemeClr val="accent2"/>
-                    </a:solidFill>
-                  </a:tcPr>
-                </a:tc>
-                <a:tc>
-                  <a:txBody>
-                    <a:bodyPr/>
-                    <a:lstStyle/>
-                    <a:p>
-                      <a:pPr algn="ctr">
-                        <a:buNone/>
-                      </a:pPr>
-                      <a:r>
-                        <a:rPr lang="pl-PL" altLang="en-US"/>
-                        <a:t>4</a:t>
-                      </a:r>
-                      <a:endParaRPr lang="pl-PL" altLang="en-US"/>
-                    </a:p>
-                  </a:txBody>
-                  <a:tcPr anchor="ctr">
-                    <a:solidFill>
-                      <a:schemeClr val="accent2"/>
-                    </a:solidFill>
-                  </a:tcPr>
-                </a:tc>
-                <a:tc>
-                  <a:txBody>
-                    <a:bodyPr/>
-                    <a:lstStyle/>
-                    <a:p>
-                      <a:pPr algn="ctr">
-                        <a:buNone/>
-                      </a:pPr>
-                      <a:r>
-                        <a:rPr lang="pl-PL" altLang="en-US"/>
-                        <a:t>2</a:t>
-                      </a:r>
-                      <a:endParaRPr lang="pl-PL" altLang="en-US"/>
-                    </a:p>
-                  </a:txBody>
-                  <a:tcPr anchor="ctr">
-                    <a:solidFill>
-                      <a:schemeClr val="accent2"/>
-                    </a:solidFill>
-                  </a:tcPr>
-                </a:tc>
-              </a:tr>
-              <a:tr h="584200">
-                <a:tc>
-                  <a:txBody>
-                    <a:bodyPr/>
-                    <a:lstStyle/>
-                    <a:p>
-                      <a:pPr algn="ctr">
-                        <a:buNone/>
-                      </a:pPr>
-                      <a:r>
-                        <a:rPr lang="pl-PL" altLang="en-US" b="1">
-                          <a:solidFill>
-                            <a:schemeClr val="bg1"/>
-                          </a:solidFill>
-                        </a:rPr>
-                        <a:t>Wartość [zł]</a:t>
-                      </a:r>
-                      <a:endParaRPr lang="pl-PL" altLang="en-US" b="1">
-                        <a:solidFill>
-                          <a:schemeClr val="bg1"/>
-                        </a:solidFill>
-                      </a:endParaRPr>
-                    </a:p>
-                  </a:txBody>
-                  <a:tcPr anchor="ctr">
-                    <a:solidFill>
-                      <a:schemeClr val="accent1">
-                        <a:lumMod val="60000"/>
-                        <a:lumOff val="40000"/>
-                      </a:schemeClr>
-                    </a:solidFill>
-                  </a:tcPr>
-                </a:tc>
-                <a:tc>
-                  <a:txBody>
-                    <a:bodyPr/>
-                    <a:lstStyle/>
-                    <a:p>
-                      <a:pPr algn="ctr">
-                        <a:buNone/>
-                      </a:pPr>
-                      <a:r>
-                        <a:rPr lang="pl-PL" altLang="en-US" b="1">
-                          <a:solidFill>
-                            <a:schemeClr val="bg1"/>
-                          </a:solidFill>
-                        </a:rPr>
-                        <a:t>7</a:t>
-                      </a:r>
-                      <a:endParaRPr lang="pl-PL" altLang="en-US" b="1">
-                        <a:solidFill>
-                          <a:schemeClr val="bg1"/>
-                        </a:solidFill>
-                      </a:endParaRPr>
-                    </a:p>
-                  </a:txBody>
-                  <a:tcPr anchor="ctr">
-                    <a:solidFill>
-                      <a:schemeClr val="accent2"/>
-                    </a:solidFill>
-                  </a:tcPr>
-                </a:tc>
-                <a:tc>
-                  <a:txBody>
-                    <a:bodyPr/>
-                    <a:lstStyle/>
-                    <a:p>
-                      <a:pPr algn="ctr">
-                        <a:buNone/>
-                      </a:pPr>
-                      <a:r>
-                        <a:rPr lang="pl-PL" altLang="en-US" b="1">
-                          <a:solidFill>
-                            <a:schemeClr val="bg1"/>
-                          </a:solidFill>
-                        </a:rPr>
-                        <a:t>2</a:t>
-                      </a:r>
-                      <a:endParaRPr lang="pl-PL" altLang="en-US" b="1">
-                        <a:solidFill>
-                          <a:schemeClr val="bg1"/>
-                        </a:solidFill>
-                      </a:endParaRPr>
-                    </a:p>
-                  </a:txBody>
-                  <a:tcPr anchor="ctr">
-                    <a:solidFill>
-                      <a:schemeClr val="accent2"/>
-                    </a:solidFill>
-                  </a:tcPr>
-                </a:tc>
-                <a:tc>
-                  <a:txBody>
-                    <a:bodyPr/>
-                    <a:lstStyle/>
-                    <a:p>
-                      <a:pPr algn="ctr">
-                        <a:buNone/>
-                      </a:pPr>
-                      <a:r>
-                        <a:rPr lang="pl-PL" altLang="en-US" b="1">
-                          <a:solidFill>
-                            <a:schemeClr val="bg1"/>
-                          </a:solidFill>
-                        </a:rPr>
-                        <a:t>2</a:t>
-                      </a:r>
-                      <a:endParaRPr lang="pl-PL" altLang="en-US" b="1">
-                        <a:solidFill>
-                          <a:schemeClr val="bg1"/>
-                        </a:solidFill>
-                      </a:endParaRPr>
-                    </a:p>
-                  </a:txBody>
-                  <a:tcPr anchor="ctr">
-                    <a:solidFill>
-                      <a:schemeClr val="accent2"/>
-                    </a:solidFill>
-                  </a:tcPr>
-                </a:tc>
-                <a:tc>
-                  <a:txBody>
-                    <a:bodyPr/>
-                    <a:lstStyle/>
-                    <a:p>
-                      <a:pPr algn="ctr">
-                        <a:buNone/>
-                      </a:pPr>
-                      <a:r>
-                        <a:rPr lang="pl-PL" altLang="en-US" b="1">
-                          <a:solidFill>
-                            <a:schemeClr val="bg1"/>
-                          </a:solidFill>
-                        </a:rPr>
-                        <a:t>1</a:t>
-                      </a:r>
-                      <a:endParaRPr lang="pl-PL" altLang="en-US" b="1">
-                        <a:solidFill>
-                          <a:schemeClr val="bg1"/>
-                        </a:solidFill>
-                      </a:endParaRPr>
-                    </a:p>
-                  </a:txBody>
-                  <a:tcPr anchor="ctr">
-                    <a:solidFill>
-                      <a:schemeClr val="accent2"/>
-                    </a:solidFill>
-                  </a:tcPr>
-                </a:tc>
-              </a:tr>
-              <a:tr h="631190">
-                <a:tc>
-                  <a:txBody>
-                    <a:bodyPr/>
-                    <a:lstStyle/>
-                    <a:p>
-                      <a:pPr algn="ctr">
-                        <a:buNone/>
-                      </a:pPr>
-                      <a:r>
-                        <a:rPr lang="pl-PL" altLang="en-US" b="1">
-                          <a:solidFill>
-                            <a:schemeClr val="bg1"/>
-                          </a:solidFill>
-                        </a:rPr>
-                        <a:t>Współczynnik</a:t>
-                      </a:r>
-                      <a:endParaRPr lang="pl-PL" altLang="en-US" b="1">
-                        <a:solidFill>
-                          <a:schemeClr val="bg1"/>
-                        </a:solidFill>
-                      </a:endParaRPr>
-                    </a:p>
-                  </a:txBody>
-                  <a:tcPr anchor="ctr">
-                    <a:solidFill>
-                      <a:schemeClr val="accent1">
-                        <a:lumMod val="60000"/>
-                        <a:lumOff val="40000"/>
-                      </a:schemeClr>
-                    </a:solidFill>
-                  </a:tcPr>
-                </a:tc>
-                <a:tc>
-                  <a:txBody>
-                    <a:bodyPr/>
-                    <a:lstStyle/>
-                    <a:p>
-                      <a:pPr algn="ctr">
-                        <a:buNone/>
-                      </a:pPr>
-                      <a:r>
-                        <a:rPr lang="pl-PL" altLang="en-US" b="1">
-                          <a:solidFill>
-                            <a:schemeClr val="bg1"/>
-                          </a:solidFill>
-                        </a:rPr>
                         <a:t>1</a:t>
                       </a:r>
                       <a:endParaRPr lang="pl-PL" altLang="en-US" b="1">
@@ -4952,14 +5463,14 @@
       </p:graphicFrame>
       <p:sp>
         <p:nvSpPr>
-          <p:cNvPr id="11" name="Text Box 10"/>
+          <p:cNvPr id="7" name="Text Box 6"/>
           <p:cNvSpPr txBox="1"/>
           <p:nvPr/>
         </p:nvSpPr>
         <p:spPr>
           <a:xfrm>
-            <a:off x="3749040" y="1084580"/>
-            <a:ext cx="4693920" cy="579120"/>
+            <a:off x="2819400" y="1040765"/>
+            <a:ext cx="6005195" cy="579120"/>
           </a:xfrm>
           <a:prstGeom prst="rect">
             <a:avLst/>
@@ -4969,6 +5480,10 @@
         <p:txBody>
           <a:bodyPr wrap="square" rtlCol="0">
             <a:spAutoFit/>
+            <a:scene3d>
+              <a:camera prst="orthographicFront"/>
+              <a:lightRig rig="threePt" dir="t"/>
+            </a:scene3d>
           </a:bodyPr>
           <a:lstStyle/>
           <a:p>
@@ -4989,7 +5504,7 @@
                 </a:solidFill>
                 <a:effectLst/>
               </a:rPr>
-              <a:t>Sortowanie przedmiotów</a:t>
+              <a:t>Pakowanie przedmiotów</a:t>
             </a:r>
             <a:endParaRPr lang="pl-PL" altLang="en-US" sz="3200">
               <a:ln w="22225">
@@ -5052,7 +5567,7 @@
             <a:pPr algn="ctr"/>
             <a:r>
               <a:rPr lang="pl-PL" altLang="en-US"/>
-              <a:t>Przykład</a:t>
+              <a:t>Podsumowanie</a:t>
             </a:r>
             <a:endParaRPr lang="pl-PL" altLang="en-US"/>
           </a:p>
@@ -5065,15 +5580,10 @@
             <a:spLocks noGrp="1"/>
           </p:cNvSpPr>
           <p:nvPr>
-            <p:ph sz="half" idx="1"/>
+            <p:ph idx="1"/>
           </p:nvPr>
         </p:nvSpPr>
-        <p:spPr>
-          <a:xfrm>
-            <a:off x="1539240" y="3911600"/>
-            <a:ext cx="9895205" cy="2432050"/>
-          </a:xfrm>
-        </p:spPr>
+        <p:spPr/>
         <p:txBody>
           <a:bodyPr/>
           <a:lstStyle/>
@@ -5083,7 +5593,7 @@
             </a:pPr>
             <a:r>
               <a:rPr lang="pl-PL" altLang="en-US" dirty="0"/>
-              <a:t>Idąc od lewej strony:</a:t>
+              <a:t>Zarobiliśmy 18 zł.</a:t>
             </a:r>
             <a:endParaRPr lang="pl-PL" altLang="en-US" dirty="0"/>
           </a:p>
@@ -5091,10 +5601,6 @@
             <a:pPr marL="0" indent="0">
               <a:buNone/>
             </a:pPr>
-            <a:r>
-              <a:rPr lang="pl-PL" altLang="en-US" dirty="0"/>
-              <a:t>1) pakujemy 2 przedmioty o masie 7 ( w plecaku zostaje miejsce na 6 kg)</a:t>
-            </a:r>
             <a:endParaRPr lang="pl-PL" altLang="en-US" dirty="0"/>
           </a:p>
           <a:p>
@@ -5103,482 +5609,75 @@
             </a:pPr>
             <a:r>
               <a:rPr lang="pl-PL" altLang="en-US" dirty="0"/>
-              <a:t>2) pakujemy 2 przedmioty o masie 3 ( plecak pełny)</a:t>
+              <a:t>Algorytm ten nie daje nam pewności, że rozwiązanie jest optymalne( w większości przypadków jest).</a:t>
+            </a:r>
+            <a:endParaRPr lang="pl-PL" altLang="en-US" dirty="0"/>
+          </a:p>
+          <a:p>
+            <a:endParaRPr lang="pl-PL" altLang="en-US" dirty="0"/>
+          </a:p>
+          <a:p>
+            <a:pPr marL="0" indent="0">
+              <a:buNone/>
+            </a:pPr>
+            <a:r>
+              <a:rPr lang="pl-PL" altLang="en-US" dirty="0"/>
+              <a:t>W zamian daje nam bardzo dobrą złożoność obliczeniową O ( </a:t>
+            </a:r>
+            <a:r>
+              <a:rPr lang="pl-PL" altLang="en-US" dirty="0" err="1"/>
+              <a:t>nlogn</a:t>
+            </a:r>
+            <a:r>
+              <a:rPr lang="pl-PL" altLang="en-US" dirty="0"/>
+              <a:t>)</a:t>
             </a:r>
             <a:endParaRPr lang="pl-PL" altLang="en-US" dirty="0"/>
           </a:p>
         </p:txBody>
       </p:sp>
-      <p:graphicFrame>
-        <p:nvGraphicFramePr>
-          <p:cNvPr id="6" name="Content Placeholder 5"/>
-          <p:cNvGraphicFramePr>
-            <a:graphicFrameLocks noGrp="1"/>
-          </p:cNvGraphicFramePr>
-          <p:nvPr>
-            <p:ph sz="half" idx="2"/>
-          </p:nvPr>
-        </p:nvGraphicFramePr>
-        <p:xfrm>
-          <a:off x="1539240" y="1788160"/>
-          <a:ext cx="8651875" cy="1925320"/>
-        </p:xfrm>
-        <a:graphic>
-          <a:graphicData uri="http://schemas.openxmlformats.org/drawingml/2006/table">
-            <a:tbl>
-              <a:tblPr firstRow="1" bandRow="1">
-                <a:tableStyleId>{5C22544A-7EE6-4342-B048-85BDC9FD1C3A}</a:tableStyleId>
-              </a:tblPr>
-              <a:tblGrid>
-                <a:gridCol w="1729740"/>
-                <a:gridCol w="1731010"/>
-                <a:gridCol w="1730375"/>
-                <a:gridCol w="1731010"/>
-                <a:gridCol w="1729740"/>
-              </a:tblGrid>
-              <a:tr h="709930">
-                <a:tc>
-                  <a:txBody>
-                    <a:bodyPr/>
-                    <a:lstStyle/>
-                    <a:p>
-                      <a:pPr algn="ctr">
-                        <a:buNone/>
-                      </a:pPr>
-                      <a:r>
-                        <a:rPr lang="pl-PL" altLang="en-US"/>
-                        <a:t>Waga [kg]</a:t>
-                      </a:r>
-                      <a:endParaRPr lang="pl-PL" altLang="en-US"/>
-                    </a:p>
-                  </a:txBody>
-                  <a:tcPr anchor="ctr">
-                    <a:solidFill>
-                      <a:schemeClr val="accent1">
-                        <a:lumMod val="60000"/>
-                        <a:lumOff val="40000"/>
-                      </a:schemeClr>
-                    </a:solidFill>
-                  </a:tcPr>
-                </a:tc>
-                <a:tc>
-                  <a:txBody>
-                    <a:bodyPr/>
-                    <a:lstStyle/>
-                    <a:p>
-                      <a:pPr algn="ctr">
-                        <a:buNone/>
-                      </a:pPr>
-                      <a:r>
-                        <a:rPr lang="pl-PL" altLang="en-US"/>
-                        <a:t>7</a:t>
-                      </a:r>
-                      <a:endParaRPr lang="pl-PL" altLang="en-US"/>
-                    </a:p>
-                  </a:txBody>
-                  <a:tcPr anchor="ctr">
-                    <a:solidFill>
-                      <a:schemeClr val="accent2"/>
-                    </a:solidFill>
-                  </a:tcPr>
-                </a:tc>
-                <a:tc>
-                  <a:txBody>
-                    <a:bodyPr/>
-                    <a:lstStyle/>
-                    <a:p>
-                      <a:pPr algn="ctr">
-                        <a:buNone/>
-                      </a:pPr>
-                      <a:r>
-                        <a:rPr lang="pl-PL" altLang="en-US"/>
-                        <a:t>3</a:t>
-                      </a:r>
-                      <a:endParaRPr lang="pl-PL" altLang="en-US"/>
-                    </a:p>
-                  </a:txBody>
-                  <a:tcPr anchor="ctr">
-                    <a:solidFill>
-                      <a:schemeClr val="accent2"/>
-                    </a:solidFill>
-                  </a:tcPr>
-                </a:tc>
-                <a:tc>
-                  <a:txBody>
-                    <a:bodyPr/>
-                    <a:lstStyle/>
-                    <a:p>
-                      <a:pPr algn="ctr">
-                        <a:buNone/>
-                      </a:pPr>
-                      <a:r>
-                        <a:rPr lang="pl-PL" altLang="en-US"/>
-                        <a:t>4</a:t>
-                      </a:r>
-                      <a:endParaRPr lang="pl-PL" altLang="en-US"/>
-                    </a:p>
-                  </a:txBody>
-                  <a:tcPr anchor="ctr">
-                    <a:solidFill>
-                      <a:schemeClr val="accent2"/>
-                    </a:solidFill>
-                  </a:tcPr>
-                </a:tc>
-                <a:tc>
-                  <a:txBody>
-                    <a:bodyPr/>
-                    <a:lstStyle/>
-                    <a:p>
-                      <a:pPr algn="ctr">
-                        <a:buNone/>
-                      </a:pPr>
-                      <a:r>
-                        <a:rPr lang="pl-PL" altLang="en-US"/>
-                        <a:t>2</a:t>
-                      </a:r>
-                      <a:endParaRPr lang="pl-PL" altLang="en-US"/>
-                    </a:p>
-                  </a:txBody>
-                  <a:tcPr anchor="ctr">
-                    <a:solidFill>
-                      <a:schemeClr val="accent2"/>
-                    </a:solidFill>
-                  </a:tcPr>
-                </a:tc>
-              </a:tr>
-              <a:tr h="584200">
-                <a:tc>
-                  <a:txBody>
-                    <a:bodyPr/>
-                    <a:lstStyle/>
-                    <a:p>
-                      <a:pPr algn="ctr">
-                        <a:buNone/>
-                      </a:pPr>
-                      <a:r>
-                        <a:rPr lang="pl-PL" altLang="en-US" b="1">
-                          <a:solidFill>
-                            <a:schemeClr val="bg1"/>
-                          </a:solidFill>
-                        </a:rPr>
-                        <a:t>Wartość [zł]</a:t>
-                      </a:r>
-                      <a:endParaRPr lang="pl-PL" altLang="en-US" b="1">
-                        <a:solidFill>
-                          <a:schemeClr val="bg1"/>
-                        </a:solidFill>
-                      </a:endParaRPr>
-                    </a:p>
-                  </a:txBody>
-                  <a:tcPr anchor="ctr">
-                    <a:solidFill>
-                      <a:schemeClr val="accent1">
-                        <a:lumMod val="60000"/>
-                        <a:lumOff val="40000"/>
-                      </a:schemeClr>
-                    </a:solidFill>
-                  </a:tcPr>
-                </a:tc>
-                <a:tc>
-                  <a:txBody>
-                    <a:bodyPr/>
-                    <a:lstStyle/>
-                    <a:p>
-                      <a:pPr algn="ctr">
-                        <a:buNone/>
-                      </a:pPr>
-                      <a:r>
-                        <a:rPr lang="pl-PL" altLang="en-US" b="1">
-                          <a:solidFill>
-                            <a:schemeClr val="bg1"/>
-                          </a:solidFill>
-                        </a:rPr>
-                        <a:t>7</a:t>
-                      </a:r>
-                      <a:endParaRPr lang="pl-PL" altLang="en-US" b="1">
-                        <a:solidFill>
-                          <a:schemeClr val="bg1"/>
-                        </a:solidFill>
-                      </a:endParaRPr>
-                    </a:p>
-                  </a:txBody>
-                  <a:tcPr anchor="ctr">
-                    <a:solidFill>
-                      <a:schemeClr val="accent2"/>
-                    </a:solidFill>
-                  </a:tcPr>
-                </a:tc>
-                <a:tc>
-                  <a:txBody>
-                    <a:bodyPr/>
-                    <a:lstStyle/>
-                    <a:p>
-                      <a:pPr algn="ctr">
-                        <a:buNone/>
-                      </a:pPr>
-                      <a:r>
-                        <a:rPr lang="pl-PL" altLang="en-US" b="1">
-                          <a:solidFill>
-                            <a:schemeClr val="bg1"/>
-                          </a:solidFill>
-                        </a:rPr>
-                        <a:t>2</a:t>
-                      </a:r>
-                      <a:endParaRPr lang="pl-PL" altLang="en-US" b="1">
-                        <a:solidFill>
-                          <a:schemeClr val="bg1"/>
-                        </a:solidFill>
-                      </a:endParaRPr>
-                    </a:p>
-                  </a:txBody>
-                  <a:tcPr anchor="ctr">
-                    <a:solidFill>
-                      <a:schemeClr val="accent2"/>
-                    </a:solidFill>
-                  </a:tcPr>
-                </a:tc>
-                <a:tc>
-                  <a:txBody>
-                    <a:bodyPr/>
-                    <a:lstStyle/>
-                    <a:p>
-                      <a:pPr algn="ctr">
-                        <a:buNone/>
-                      </a:pPr>
-                      <a:r>
-                        <a:rPr lang="pl-PL" altLang="en-US" b="1">
-                          <a:solidFill>
-                            <a:schemeClr val="bg1"/>
-                          </a:solidFill>
-                        </a:rPr>
-                        <a:t>2</a:t>
-                      </a:r>
-                      <a:endParaRPr lang="pl-PL" altLang="en-US" b="1">
-                        <a:solidFill>
-                          <a:schemeClr val="bg1"/>
-                        </a:solidFill>
-                      </a:endParaRPr>
-                    </a:p>
-                  </a:txBody>
-                  <a:tcPr anchor="ctr">
-                    <a:solidFill>
-                      <a:schemeClr val="accent2"/>
-                    </a:solidFill>
-                  </a:tcPr>
-                </a:tc>
-                <a:tc>
-                  <a:txBody>
-                    <a:bodyPr/>
-                    <a:lstStyle/>
-                    <a:p>
-                      <a:pPr algn="ctr">
-                        <a:buNone/>
-                      </a:pPr>
-                      <a:r>
-                        <a:rPr lang="pl-PL" altLang="en-US" b="1">
-                          <a:solidFill>
-                            <a:schemeClr val="bg1"/>
-                          </a:solidFill>
-                        </a:rPr>
-                        <a:t>1</a:t>
-                      </a:r>
-                      <a:endParaRPr lang="pl-PL" altLang="en-US" b="1">
-                        <a:solidFill>
-                          <a:schemeClr val="bg1"/>
-                        </a:solidFill>
-                      </a:endParaRPr>
-                    </a:p>
-                  </a:txBody>
-                  <a:tcPr anchor="ctr">
-                    <a:solidFill>
-                      <a:schemeClr val="accent2"/>
-                    </a:solidFill>
-                  </a:tcPr>
-                </a:tc>
-              </a:tr>
-              <a:tr h="631190">
-                <a:tc>
-                  <a:txBody>
-                    <a:bodyPr/>
-                    <a:lstStyle/>
-                    <a:p>
-                      <a:pPr algn="ctr">
-                        <a:buNone/>
-                      </a:pPr>
-                      <a:r>
-                        <a:rPr lang="pl-PL" altLang="en-US" b="1">
-                          <a:solidFill>
-                            <a:schemeClr val="bg1"/>
-                          </a:solidFill>
-                        </a:rPr>
-                        <a:t>Współczynnik</a:t>
-                      </a:r>
-                      <a:endParaRPr lang="pl-PL" altLang="en-US" b="1">
-                        <a:solidFill>
-                          <a:schemeClr val="bg1"/>
-                        </a:solidFill>
-                      </a:endParaRPr>
-                    </a:p>
-                  </a:txBody>
-                  <a:tcPr anchor="ctr">
-                    <a:solidFill>
-                      <a:schemeClr val="accent1">
-                        <a:lumMod val="60000"/>
-                        <a:lumOff val="40000"/>
-                      </a:schemeClr>
-                    </a:solidFill>
-                  </a:tcPr>
-                </a:tc>
-                <a:tc>
-                  <a:txBody>
-                    <a:bodyPr/>
-                    <a:lstStyle/>
-                    <a:p>
-                      <a:pPr algn="ctr">
-                        <a:buNone/>
-                      </a:pPr>
-                      <a:r>
-                        <a:rPr lang="pl-PL" altLang="en-US" b="1">
-                          <a:solidFill>
-                            <a:schemeClr val="bg1"/>
-                          </a:solidFill>
-                        </a:rPr>
-                        <a:t>1</a:t>
-                      </a:r>
-                      <a:endParaRPr lang="pl-PL" altLang="en-US" b="1">
-                        <a:solidFill>
-                          <a:schemeClr val="bg1"/>
-                        </a:solidFill>
-                      </a:endParaRPr>
-                    </a:p>
-                  </a:txBody>
-                  <a:tcPr anchor="ctr">
-                    <a:solidFill>
-                      <a:schemeClr val="accent1"/>
-                    </a:solidFill>
-                  </a:tcPr>
-                </a:tc>
-                <a:tc>
-                  <a:txBody>
-                    <a:bodyPr/>
-                    <a:lstStyle/>
-                    <a:p>
-                      <a:pPr algn="ctr">
-                        <a:buNone/>
-                      </a:pPr>
-                      <a:r>
-                        <a:rPr lang="pl-PL" altLang="en-US" b="1">
-                          <a:solidFill>
-                            <a:schemeClr val="bg1"/>
-                          </a:solidFill>
-                        </a:rPr>
-                        <a:t>0.667</a:t>
-                      </a:r>
-                      <a:endParaRPr lang="pl-PL" altLang="en-US" b="1">
-                        <a:solidFill>
-                          <a:schemeClr val="bg1"/>
-                        </a:solidFill>
-                      </a:endParaRPr>
-                    </a:p>
-                  </a:txBody>
-                  <a:tcPr anchor="ctr">
-                    <a:solidFill>
-                      <a:schemeClr val="accent1"/>
-                    </a:solidFill>
-                  </a:tcPr>
-                </a:tc>
-                <a:tc>
-                  <a:txBody>
-                    <a:bodyPr/>
-                    <a:lstStyle/>
-                    <a:p>
-                      <a:pPr algn="ctr">
-                        <a:buNone/>
-                      </a:pPr>
-                      <a:r>
-                        <a:rPr lang="pl-PL" altLang="en-US" b="1">
-                          <a:solidFill>
-                            <a:schemeClr val="bg1"/>
-                          </a:solidFill>
-                        </a:rPr>
-                        <a:t>0.5</a:t>
-                      </a:r>
-                      <a:endParaRPr lang="pl-PL" altLang="en-US" b="1">
-                        <a:solidFill>
-                          <a:schemeClr val="bg1"/>
-                        </a:solidFill>
-                      </a:endParaRPr>
-                    </a:p>
-                  </a:txBody>
-                  <a:tcPr anchor="ctr">
-                    <a:solidFill>
-                      <a:schemeClr val="accent1"/>
-                    </a:solidFill>
-                  </a:tcPr>
-                </a:tc>
-                <a:tc>
-                  <a:txBody>
-                    <a:bodyPr/>
-                    <a:lstStyle/>
-                    <a:p>
-                      <a:pPr algn="ctr">
-                        <a:buNone/>
-                      </a:pPr>
-                      <a:r>
-                        <a:rPr lang="pl-PL" altLang="en-US" b="1">
-                          <a:solidFill>
-                            <a:schemeClr val="bg1"/>
-                          </a:solidFill>
-                        </a:rPr>
-                        <a:t>0.5</a:t>
-                      </a:r>
-                      <a:endParaRPr lang="pl-PL" altLang="en-US" b="1">
-                        <a:solidFill>
-                          <a:schemeClr val="bg1"/>
-                        </a:solidFill>
-                      </a:endParaRPr>
-                    </a:p>
-                  </a:txBody>
-                  <a:tcPr anchor="ctr">
-                    <a:solidFill>
-                      <a:schemeClr val="accent1"/>
-                    </a:solidFill>
-                  </a:tcPr>
-                </a:tc>
-              </a:tr>
-            </a:tbl>
-          </a:graphicData>
-        </a:graphic>
-      </p:graphicFrame>
+    </p:spTree>
+  </p:cSld>
+  <p:clrMapOvr>
+    <a:masterClrMapping/>
+  </p:clrMapOvr>
+</p:sld>
+</file>
+
+<file path=ppt/slides/slide18.xml><?xml version="1.0" encoding="utf-8"?>
+<p:sld xmlns:a="http://schemas.openxmlformats.org/drawingml/2006/main" xmlns:r="http://schemas.openxmlformats.org/officeDocument/2006/relationships" xmlns:p="http://schemas.openxmlformats.org/presentationml/2006/main">
+  <p:cSld>
+    <p:spTree>
+      <p:nvGrpSpPr>
+        <p:cNvPr id="1" name=""/>
+        <p:cNvGrpSpPr/>
+        <p:nvPr/>
+      </p:nvGrpSpPr>
+      <p:grpSpPr>
+        <a:xfrm>
+          <a:off x="0" y="0"/>
+          <a:ext cx="0" cy="0"/>
+          <a:chOff x="0" y="0"/>
+          <a:chExt cx="0" cy="0"/>
+        </a:xfrm>
+      </p:grpSpPr>
       <p:sp>
         <p:nvSpPr>
-          <p:cNvPr id="7" name="Text Box 6"/>
-          <p:cNvSpPr txBox="1"/>
-          <p:nvPr/>
+          <p:cNvPr id="4" name="Title 3"/>
+          <p:cNvSpPr>
+            <a:spLocks noGrp="1"/>
+          </p:cNvSpPr>
+          <p:nvPr>
+            <p:ph type="title"/>
+          </p:nvPr>
         </p:nvSpPr>
-        <p:spPr>
-          <a:xfrm>
-            <a:off x="2819400" y="1040765"/>
-            <a:ext cx="6005195" cy="579120"/>
-          </a:xfrm>
-          <a:prstGeom prst="rect">
-            <a:avLst/>
-          </a:prstGeom>
-          <a:noFill/>
-        </p:spPr>
+        <p:spPr/>
         <p:txBody>
-          <a:bodyPr wrap="square" rtlCol="0">
-            <a:spAutoFit/>
-            <a:scene3d>
-              <a:camera prst="orthographicFront"/>
-              <a:lightRig rig="threePt" dir="t"/>
-            </a:scene3d>
-          </a:bodyPr>
+          <a:bodyPr/>
           <a:lstStyle/>
           <a:p>
-            <a:pPr algn="ctr"/>
-            <a:r>
-              <a:rPr lang="pl-PL" altLang="en-US" sz="3200">
+            <a:r>
+              <a:rPr lang="pl-PL" altLang="en-US" dirty="0">
                 <a:ln w="22225">
                   <a:solidFill>
                     <a:schemeClr val="accent2"/>
@@ -5592,10 +5691,11 @@
                   </a:schemeClr>
                 </a:solidFill>
                 <a:effectLst/>
+                <a:sym typeface="+mn-ea"/>
               </a:rPr>
-              <a:t>Pakowanie przedmiotów</a:t>
-            </a:r>
-            <a:endParaRPr lang="pl-PL" altLang="en-US" sz="3200">
+              <a:t>Problem Plecakowy - programowanie dynamiczne</a:t>
+            </a:r>
+            <a:endParaRPr lang="pl-PL" altLang="en-US" dirty="0">
               <a:ln w="22225">
                 <a:solidFill>
                   <a:schemeClr val="accent2"/>
@@ -5609,6 +5709,7 @@
                 </a:schemeClr>
               </a:solidFill>
               <a:effectLst/>
+              <a:sym typeface="+mn-ea"/>
             </a:endParaRPr>
           </a:p>
         </p:txBody>
@@ -5621,7 +5722,7 @@
 </p:sld>
 </file>
 
-<file path=ppt/slides/slide18.xml><?xml version="1.0" encoding="utf-8"?>
+<file path=ppt/slides/slide19.xml><?xml version="1.0" encoding="utf-8"?>
 <p:sld xmlns:a="http://schemas.openxmlformats.org/drawingml/2006/main" xmlns:r="http://schemas.openxmlformats.org/officeDocument/2006/relationships" xmlns:p="http://schemas.openxmlformats.org/presentationml/2006/main">
   <p:cSld>
     <p:spTree>
@@ -5653,12 +5754,11 @@
           <a:bodyPr/>
           <a:lstStyle/>
           <a:p>
-            <a:pPr algn="ctr"/>
-            <a:r>
-              <a:rPr lang="pl-PL" altLang="en-US"/>
-              <a:t>Podsumowanie</a:t>
-            </a:r>
-            <a:endParaRPr lang="pl-PL" altLang="en-US"/>
+            <a:r>
+              <a:rPr lang="pl-PL" altLang="en-US" dirty="0"/>
+              <a:t>Programowanie dynamiczne - definicja</a:t>
+            </a:r>
+            <a:endParaRPr lang="pl-PL" altLang="en-US" dirty="0"/>
           </a:p>
         </p:txBody>
       </p:sp>
@@ -5672,7 +5772,12 @@
             <p:ph idx="1"/>
           </p:nvPr>
         </p:nvSpPr>
-        <p:spPr/>
+        <p:spPr>
+          <a:xfrm>
+            <a:off x="609600" y="1661019"/>
+            <a:ext cx="10972800" cy="4038891"/>
+          </a:xfrm>
+        </p:spPr>
         <p:txBody>
           <a:bodyPr/>
           <a:lstStyle/>
@@ -5681,125 +5786,36 @@
               <a:buNone/>
             </a:pPr>
             <a:r>
+              <a:rPr lang="pl-PL" altLang="en-US" sz="4000" b="1" dirty="0"/>
+              <a:t>Programowanie dynamiczne </a:t>
+            </a:r>
+            <a:r>
               <a:rPr lang="pl-PL" altLang="en-US" dirty="0"/>
-              <a:t>Zarobiliśmy 18 zł.</a:t>
+              <a:t>- polega na wykonaniu obliczeń każdego </a:t>
+            </a:r>
+            <a:r>
+              <a:rPr lang="pl-PL" altLang="en-US" dirty="0" err="1"/>
+              <a:t>podproblemu</a:t>
+            </a:r>
+            <a:r>
+              <a:rPr lang="pl-PL" altLang="en-US" dirty="0"/>
+              <a:t> tylko raz i zapamiętaniu jego wyniku w tabeli. W każdym kolejnym kroku można z tej tabeli korzystać.</a:t>
+            </a:r>
+            <a:br>
+              <a:rPr lang="pl-PL" altLang="en-US" dirty="0"/>
+            </a:br>
+            <a:r>
+              <a:rPr lang="pl-PL" altLang="en-US" dirty="0"/>
+              <a:t> </a:t>
+            </a:r>
+            <a:br>
+              <a:rPr lang="pl-PL" altLang="en-US" dirty="0"/>
+            </a:br>
+            <a:r>
+              <a:rPr lang="pl-PL" altLang="en-US" dirty="0"/>
+              <a:t>Jest zazwyczaj stosowane w rozwiązywaniu problemów optymalizacyjnych, prowadzi to często do wyznaczenia kilku równoznacznych, optymalnych rozwiązań.</a:t>
             </a:r>
             <a:endParaRPr lang="pl-PL" altLang="en-US" dirty="0"/>
-          </a:p>
-          <a:p>
-            <a:pPr marL="0" indent="0">
-              <a:buNone/>
-            </a:pPr>
-            <a:endParaRPr lang="pl-PL" altLang="en-US" dirty="0"/>
-          </a:p>
-          <a:p>
-            <a:pPr marL="0" indent="0">
-              <a:buNone/>
-            </a:pPr>
-            <a:r>
-              <a:rPr lang="pl-PL" altLang="en-US" dirty="0"/>
-              <a:t>Algorytm ten nie daje nam pewności, że rozwiązanie jest optymalne( w większości przypadków jest).</a:t>
-            </a:r>
-            <a:endParaRPr lang="pl-PL" altLang="en-US" dirty="0"/>
-          </a:p>
-          <a:p>
-            <a:endParaRPr lang="pl-PL" altLang="en-US" dirty="0"/>
-          </a:p>
-          <a:p>
-            <a:pPr marL="0" indent="0">
-              <a:buNone/>
-            </a:pPr>
-            <a:r>
-              <a:rPr lang="pl-PL" altLang="en-US" dirty="0"/>
-              <a:t>W zamian daje nam bardzo dobrą złożoność obliczeniową O ( </a:t>
-            </a:r>
-            <a:r>
-              <a:rPr lang="pl-PL" altLang="en-US" dirty="0" err="1"/>
-              <a:t>nlogn</a:t>
-            </a:r>
-            <a:r>
-              <a:rPr lang="pl-PL" altLang="en-US" dirty="0"/>
-              <a:t>)</a:t>
-            </a:r>
-            <a:endParaRPr lang="pl-PL" altLang="en-US" dirty="0"/>
-          </a:p>
-        </p:txBody>
-      </p:sp>
-    </p:spTree>
-  </p:cSld>
-  <p:clrMapOvr>
-    <a:masterClrMapping/>
-  </p:clrMapOvr>
-</p:sld>
-</file>
-
-<file path=ppt/slides/slide19.xml><?xml version="1.0" encoding="utf-8"?>
-<p:sld xmlns:a="http://schemas.openxmlformats.org/drawingml/2006/main" xmlns:r="http://schemas.openxmlformats.org/officeDocument/2006/relationships" xmlns:p="http://schemas.openxmlformats.org/presentationml/2006/main">
-  <p:cSld>
-    <p:spTree>
-      <p:nvGrpSpPr>
-        <p:cNvPr id="1" name=""/>
-        <p:cNvGrpSpPr/>
-        <p:nvPr/>
-      </p:nvGrpSpPr>
-      <p:grpSpPr>
-        <a:xfrm>
-          <a:off x="0" y="0"/>
-          <a:ext cx="0" cy="0"/>
-          <a:chOff x="0" y="0"/>
-          <a:chExt cx="0" cy="0"/>
-        </a:xfrm>
-      </p:grpSpPr>
-      <p:sp>
-        <p:nvSpPr>
-          <p:cNvPr id="4" name="Title 3"/>
-          <p:cNvSpPr>
-            <a:spLocks noGrp="1"/>
-          </p:cNvSpPr>
-          <p:nvPr>
-            <p:ph type="title"/>
-          </p:nvPr>
-        </p:nvSpPr>
-        <p:spPr/>
-        <p:txBody>
-          <a:bodyPr/>
-          <a:lstStyle/>
-          <a:p>
-            <a:r>
-              <a:rPr lang="pl-PL" altLang="en-US" dirty="0">
-                <a:ln w="22225">
-                  <a:solidFill>
-                    <a:schemeClr val="accent2"/>
-                  </a:solidFill>
-                  <a:prstDash val="solid"/>
-                </a:ln>
-                <a:solidFill>
-                  <a:schemeClr val="accent2">
-                    <a:lumMod val="40000"/>
-                    <a:lumOff val="60000"/>
-                  </a:schemeClr>
-                </a:solidFill>
-                <a:effectLst/>
-                <a:sym typeface="+mn-ea"/>
-              </a:rPr>
-              <a:t>Problem Plecakowy - programowanie dynamiczne</a:t>
-            </a:r>
-            <a:endParaRPr lang="pl-PL" altLang="en-US" dirty="0">
-              <a:ln w="22225">
-                <a:solidFill>
-                  <a:schemeClr val="accent2"/>
-                </a:solidFill>
-                <a:prstDash val="solid"/>
-              </a:ln>
-              <a:solidFill>
-                <a:schemeClr val="accent2">
-                  <a:lumMod val="40000"/>
-                  <a:lumOff val="60000"/>
-                </a:schemeClr>
-              </a:solidFill>
-              <a:effectLst/>
-              <a:sym typeface="+mn-ea"/>
-            </a:endParaRPr>
           </a:p>
         </p:txBody>
       </p:sp>
@@ -6043,111 +6059,6 @@
         </p:nvSpPr>
         <p:spPr/>
         <p:txBody>
-          <a:bodyPr/>
-          <a:lstStyle/>
-          <a:p>
-            <a:r>
-              <a:rPr lang="pl-PL" altLang="en-US" dirty="0"/>
-              <a:t>Programowanie dynamiczne - definicja</a:t>
-            </a:r>
-            <a:endParaRPr lang="pl-PL" altLang="en-US" dirty="0"/>
-          </a:p>
-        </p:txBody>
-      </p:sp>
-      <p:sp>
-        <p:nvSpPr>
-          <p:cNvPr id="3" name="Content Placeholder 2"/>
-          <p:cNvSpPr>
-            <a:spLocks noGrp="1"/>
-          </p:cNvSpPr>
-          <p:nvPr>
-            <p:ph idx="1"/>
-          </p:nvPr>
-        </p:nvSpPr>
-        <p:spPr>
-          <a:xfrm>
-            <a:off x="609600" y="1661019"/>
-            <a:ext cx="10972800" cy="4038891"/>
-          </a:xfrm>
-        </p:spPr>
-        <p:txBody>
-          <a:bodyPr/>
-          <a:lstStyle/>
-          <a:p>
-            <a:pPr marL="0" indent="0">
-              <a:buNone/>
-            </a:pPr>
-            <a:r>
-              <a:rPr lang="pl-PL" altLang="en-US" sz="4000" b="1" dirty="0"/>
-              <a:t>Programowanie dynamiczne </a:t>
-            </a:r>
-            <a:r>
-              <a:rPr lang="pl-PL" altLang="en-US" dirty="0"/>
-              <a:t>- polega na wykonaniu obliczeń każdego </a:t>
-            </a:r>
-            <a:r>
-              <a:rPr lang="pl-PL" altLang="en-US" dirty="0" err="1"/>
-              <a:t>podproblemu</a:t>
-            </a:r>
-            <a:r>
-              <a:rPr lang="pl-PL" altLang="en-US" dirty="0"/>
-              <a:t> tylko raz i zapamiętaniu jego wyniku w tabeli. W każdym kolejnym kroku można z tej tabeli korzystać.</a:t>
-            </a:r>
-            <a:br>
-              <a:rPr lang="pl-PL" altLang="en-US" dirty="0"/>
-            </a:br>
-            <a:r>
-              <a:rPr lang="pl-PL" altLang="en-US" dirty="0"/>
-              <a:t> </a:t>
-            </a:r>
-            <a:br>
-              <a:rPr lang="pl-PL" altLang="en-US" dirty="0"/>
-            </a:br>
-            <a:r>
-              <a:rPr lang="pl-PL" altLang="en-US" dirty="0"/>
-              <a:t>Jest zazwyczaj stosowane w rozwiązywaniu problemów optymalizacyjnych, prowadzi to często do wyznaczenia kilku równoznacznych, optymalnych rozwiązań.</a:t>
-            </a:r>
-            <a:endParaRPr lang="pl-PL" altLang="en-US" dirty="0"/>
-          </a:p>
-        </p:txBody>
-      </p:sp>
-    </p:spTree>
-  </p:cSld>
-  <p:clrMapOvr>
-    <a:masterClrMapping/>
-  </p:clrMapOvr>
-</p:sld>
-</file>
-
-<file path=ppt/slides/slide21.xml><?xml version="1.0" encoding="utf-8"?>
-<p:sld xmlns:a="http://schemas.openxmlformats.org/drawingml/2006/main" xmlns:r="http://schemas.openxmlformats.org/officeDocument/2006/relationships" xmlns:p="http://schemas.openxmlformats.org/presentationml/2006/main">
-  <p:cSld>
-    <p:spTree>
-      <p:nvGrpSpPr>
-        <p:cNvPr id="1" name=""/>
-        <p:cNvGrpSpPr/>
-        <p:nvPr/>
-      </p:nvGrpSpPr>
-      <p:grpSpPr>
-        <a:xfrm>
-          <a:off x="0" y="0"/>
-          <a:ext cx="0" cy="0"/>
-          <a:chOff x="0" y="0"/>
-          <a:chExt cx="0" cy="0"/>
-        </a:xfrm>
-      </p:grpSpPr>
-      <p:sp>
-        <p:nvSpPr>
-          <p:cNvPr id="2" name="Title 1"/>
-          <p:cNvSpPr>
-            <a:spLocks noGrp="1"/>
-          </p:cNvSpPr>
-          <p:nvPr>
-            <p:ph type="title"/>
-          </p:nvPr>
-        </p:nvSpPr>
-        <p:spPr/>
-        <p:txBody>
           <a:bodyPr>
             <a:normAutofit fontScale="90000"/>
           </a:bodyPr>
@@ -6197,7 +6108,7 @@
 </p:sld>
 </file>
 
-<file path=ppt/slides/slide22.xml><?xml version="1.0" encoding="utf-8"?>
+<file path=ppt/slides/slide21.xml><?xml version="1.0" encoding="utf-8"?>
 <p:sld xmlns:a="http://schemas.openxmlformats.org/drawingml/2006/main" xmlns:r="http://schemas.openxmlformats.org/officeDocument/2006/relationships" xmlns:p="http://schemas.openxmlformats.org/presentationml/2006/main">
   <p:cSld>
     <p:spTree>
@@ -9539,7 +9450,7 @@
 </p:sld>
 </file>
 
-<file path=ppt/slides/slide23.xml><?xml version="1.0" encoding="utf-8"?>
+<file path=ppt/slides/slide22.xml><?xml version="1.0" encoding="utf-8"?>
 <p:sld xmlns:a="http://schemas.openxmlformats.org/drawingml/2006/main" xmlns:r="http://schemas.openxmlformats.org/officeDocument/2006/relationships" xmlns:p="http://schemas.openxmlformats.org/presentationml/2006/main">
   <p:cSld>
     <p:spTree>
@@ -9626,7 +9537,7 @@
 </p:sld>
 </file>
 
-<file path=ppt/slides/slide24.xml><?xml version="1.0" encoding="utf-8"?>
+<file path=ppt/slides/slide23.xml><?xml version="1.0" encoding="utf-8"?>
 <p:sld xmlns:a="http://schemas.openxmlformats.org/drawingml/2006/main" xmlns:r="http://schemas.openxmlformats.org/officeDocument/2006/relationships" xmlns:p="http://schemas.openxmlformats.org/presentationml/2006/main">
   <p:cSld>
     <p:spTree>
@@ -9773,6 +9684,174 @@
               <a:t>]   );</a:t>
             </a:r>
             <a:endParaRPr lang="pl-PL" altLang="en-US"/>
+          </a:p>
+        </p:txBody>
+      </p:sp>
+    </p:spTree>
+  </p:cSld>
+  <p:clrMapOvr>
+    <a:masterClrMapping/>
+  </p:clrMapOvr>
+</p:sld>
+</file>
+
+<file path=ppt/slides/slide24.xml><?xml version="1.0" encoding="utf-8"?>
+<p:sld xmlns:a="http://schemas.openxmlformats.org/drawingml/2006/main" xmlns:r="http://schemas.openxmlformats.org/officeDocument/2006/relationships" xmlns:p="http://schemas.openxmlformats.org/presentationml/2006/main">
+  <p:cSld>
+    <p:spTree>
+      <p:nvGrpSpPr>
+        <p:cNvPr id="1" name=""/>
+        <p:cNvGrpSpPr/>
+        <p:nvPr/>
+      </p:nvGrpSpPr>
+      <p:grpSpPr>
+        <a:xfrm>
+          <a:off x="0" y="0"/>
+          <a:ext cx="0" cy="0"/>
+          <a:chOff x="0" y="0"/>
+          <a:chExt cx="0" cy="0"/>
+        </a:xfrm>
+      </p:grpSpPr>
+      <p:sp>
+        <p:nvSpPr>
+          <p:cNvPr id="4" name="Title 3"/>
+          <p:cNvSpPr>
+            <a:spLocks noGrp="1"/>
+          </p:cNvSpPr>
+          <p:nvPr>
+            <p:ph type="title"/>
+          </p:nvPr>
+        </p:nvSpPr>
+        <p:spPr>
+          <a:xfrm>
+            <a:off x="671195" y="1686187"/>
+            <a:ext cx="11006279" cy="4771763"/>
+          </a:xfrm>
+        </p:spPr>
+        <p:txBody>
+          <a:bodyPr anchor="t"/>
+          <a:lstStyle/>
+          <a:p>
+            <a:r>
+              <a:rPr lang="pl-PL" altLang="en-US" sz="5400" dirty="0">
+                <a:ln w="22225">
+                  <a:solidFill>
+                    <a:schemeClr val="accent2"/>
+                  </a:solidFill>
+                  <a:prstDash val="solid"/>
+                </a:ln>
+                <a:solidFill>
+                  <a:schemeClr val="accent2">
+                    <a:lumMod val="40000"/>
+                    <a:lumOff val="60000"/>
+                  </a:schemeClr>
+                </a:solidFill>
+                <a:effectLst/>
+              </a:rPr>
+              <a:t>OPTYMALIZACJA PROBLEMU PLECAKOWEGO </a:t>
+            </a:r>
+            <a:br>
+              <a:rPr lang="pl-PL" altLang="en-US" sz="5400" dirty="0">
+                <a:ln w="22225">
+                  <a:solidFill>
+                    <a:schemeClr val="accent2"/>
+                  </a:solidFill>
+                  <a:prstDash val="solid"/>
+                </a:ln>
+                <a:solidFill>
+                  <a:schemeClr val="accent2">
+                    <a:lumMod val="40000"/>
+                    <a:lumOff val="60000"/>
+                  </a:schemeClr>
+                </a:solidFill>
+                <a:effectLst/>
+              </a:rPr>
+            </a:br>
+            <a:br>
+              <a:rPr lang="pl-PL" altLang="en-US" sz="5400" dirty="0">
+                <a:ln w="22225">
+                  <a:solidFill>
+                    <a:schemeClr val="accent2"/>
+                  </a:solidFill>
+                  <a:prstDash val="solid"/>
+                </a:ln>
+                <a:solidFill>
+                  <a:schemeClr val="accent2">
+                    <a:lumMod val="40000"/>
+                    <a:lumOff val="60000"/>
+                  </a:schemeClr>
+                </a:solidFill>
+                <a:effectLst/>
+              </a:rPr>
+            </a:br>
+            <a:r>
+              <a:rPr lang="pl-PL" altLang="en-US" sz="5400" dirty="0">
+                <a:ln w="22225">
+                  <a:solidFill>
+                    <a:schemeClr val="accent2"/>
+                  </a:solidFill>
+                  <a:prstDash val="solid"/>
+                </a:ln>
+                <a:solidFill>
+                  <a:schemeClr val="accent2">
+                    <a:lumMod val="40000"/>
+                    <a:lumOff val="60000"/>
+                  </a:schemeClr>
+                </a:solidFill>
+                <a:effectLst/>
+              </a:rPr>
+              <a:t>PRZY DUŻEJ POJEMNOŚCI I MAŁEJ </a:t>
+            </a:r>
+            <a:r>
+              <a:rPr lang="pl-PL" altLang="en-US" sz="5400" dirty="0">
+                <a:ln w="22225">
+                  <a:solidFill>
+                    <a:schemeClr val="accent2"/>
+                  </a:solidFill>
+                  <a:prstDash val="solid"/>
+                </a:ln>
+                <a:solidFill>
+                  <a:schemeClr val="accent2">
+                    <a:lumMod val="40000"/>
+                    <a:lumOff val="60000"/>
+                  </a:schemeClr>
+                </a:solidFill>
+              </a:rPr>
+              <a:t>LICZBIE</a:t>
+            </a:r>
+            <a:r>
+              <a:rPr lang="pl-PL" altLang="en-US" sz="5400" dirty="0">
+                <a:ln w="22225">
+                  <a:solidFill>
+                    <a:schemeClr val="accent2"/>
+                  </a:solidFill>
+                  <a:prstDash val="solid"/>
+                </a:ln>
+                <a:solidFill>
+                  <a:schemeClr val="accent2">
+                    <a:lumMod val="40000"/>
+                    <a:lumOff val="60000"/>
+                  </a:schemeClr>
+                </a:solidFill>
+                <a:effectLst/>
+              </a:rPr>
+              <a:t> PRZEDMIOTÓW</a:t>
+            </a:r>
+            <a:endParaRPr lang="pl-PL" altLang="en-US" dirty="0">
+              <a:ln w="22225">
+                <a:solidFill>
+                  <a:schemeClr val="accent2"/>
+                </a:solidFill>
+                <a:prstDash val="solid"/>
+              </a:ln>
+              <a:solidFill>
+                <a:schemeClr val="accent2">
+                  <a:lumMod val="40000"/>
+                  <a:lumOff val="60000"/>
+                </a:schemeClr>
+              </a:solidFill>
+              <a:effectLst/>
+            </a:endParaRPr>
           </a:p>
         </p:txBody>
       </p:sp>
@@ -9811,174 +9890,6 @@
             <p:ph type="title"/>
           </p:nvPr>
         </p:nvSpPr>
-        <p:spPr>
-          <a:xfrm>
-            <a:off x="671195" y="1686187"/>
-            <a:ext cx="11006279" cy="4771763"/>
-          </a:xfrm>
-        </p:spPr>
-        <p:txBody>
-          <a:bodyPr anchor="t"/>
-          <a:lstStyle/>
-          <a:p>
-            <a:r>
-              <a:rPr lang="pl-PL" altLang="en-US" sz="5400" dirty="0">
-                <a:ln w="22225">
-                  <a:solidFill>
-                    <a:schemeClr val="accent2"/>
-                  </a:solidFill>
-                  <a:prstDash val="solid"/>
-                </a:ln>
-                <a:solidFill>
-                  <a:schemeClr val="accent2">
-                    <a:lumMod val="40000"/>
-                    <a:lumOff val="60000"/>
-                  </a:schemeClr>
-                </a:solidFill>
-                <a:effectLst/>
-              </a:rPr>
-              <a:t>OPTYMALIZACJA PROBLEMU PLECAKOWEGO </a:t>
-            </a:r>
-            <a:br>
-              <a:rPr lang="pl-PL" altLang="en-US" sz="5400" dirty="0">
-                <a:ln w="22225">
-                  <a:solidFill>
-                    <a:schemeClr val="accent2"/>
-                  </a:solidFill>
-                  <a:prstDash val="solid"/>
-                </a:ln>
-                <a:solidFill>
-                  <a:schemeClr val="accent2">
-                    <a:lumMod val="40000"/>
-                    <a:lumOff val="60000"/>
-                  </a:schemeClr>
-                </a:solidFill>
-                <a:effectLst/>
-              </a:rPr>
-            </a:br>
-            <a:br>
-              <a:rPr lang="pl-PL" altLang="en-US" sz="5400" dirty="0">
-                <a:ln w="22225">
-                  <a:solidFill>
-                    <a:schemeClr val="accent2"/>
-                  </a:solidFill>
-                  <a:prstDash val="solid"/>
-                </a:ln>
-                <a:solidFill>
-                  <a:schemeClr val="accent2">
-                    <a:lumMod val="40000"/>
-                    <a:lumOff val="60000"/>
-                  </a:schemeClr>
-                </a:solidFill>
-                <a:effectLst/>
-              </a:rPr>
-            </a:br>
-            <a:r>
-              <a:rPr lang="pl-PL" altLang="en-US" sz="5400" dirty="0">
-                <a:ln w="22225">
-                  <a:solidFill>
-                    <a:schemeClr val="accent2"/>
-                  </a:solidFill>
-                  <a:prstDash val="solid"/>
-                </a:ln>
-                <a:solidFill>
-                  <a:schemeClr val="accent2">
-                    <a:lumMod val="40000"/>
-                    <a:lumOff val="60000"/>
-                  </a:schemeClr>
-                </a:solidFill>
-                <a:effectLst/>
-              </a:rPr>
-              <a:t>PRZY DUŻEJ POJEMNOŚCI I MAŁEJ </a:t>
-            </a:r>
-            <a:r>
-              <a:rPr lang="pl-PL" altLang="en-US" sz="5400" dirty="0">
-                <a:ln w="22225">
-                  <a:solidFill>
-                    <a:schemeClr val="accent2"/>
-                  </a:solidFill>
-                  <a:prstDash val="solid"/>
-                </a:ln>
-                <a:solidFill>
-                  <a:schemeClr val="accent2">
-                    <a:lumMod val="40000"/>
-                    <a:lumOff val="60000"/>
-                  </a:schemeClr>
-                </a:solidFill>
-              </a:rPr>
-              <a:t>LICZBIE</a:t>
-            </a:r>
-            <a:r>
-              <a:rPr lang="pl-PL" altLang="en-US" sz="5400" dirty="0">
-                <a:ln w="22225">
-                  <a:solidFill>
-                    <a:schemeClr val="accent2"/>
-                  </a:solidFill>
-                  <a:prstDash val="solid"/>
-                </a:ln>
-                <a:solidFill>
-                  <a:schemeClr val="accent2">
-                    <a:lumMod val="40000"/>
-                    <a:lumOff val="60000"/>
-                  </a:schemeClr>
-                </a:solidFill>
-                <a:effectLst/>
-              </a:rPr>
-              <a:t> PRZEDMIOTÓW</a:t>
-            </a:r>
-            <a:endParaRPr lang="pl-PL" altLang="en-US" dirty="0">
-              <a:ln w="22225">
-                <a:solidFill>
-                  <a:schemeClr val="accent2"/>
-                </a:solidFill>
-                <a:prstDash val="solid"/>
-              </a:ln>
-              <a:solidFill>
-                <a:schemeClr val="accent2">
-                  <a:lumMod val="40000"/>
-                  <a:lumOff val="60000"/>
-                </a:schemeClr>
-              </a:solidFill>
-              <a:effectLst/>
-            </a:endParaRPr>
-          </a:p>
-        </p:txBody>
-      </p:sp>
-    </p:spTree>
-  </p:cSld>
-  <p:clrMapOvr>
-    <a:masterClrMapping/>
-  </p:clrMapOvr>
-</p:sld>
-</file>
-
-<file path=ppt/slides/slide26.xml><?xml version="1.0" encoding="utf-8"?>
-<p:sld xmlns:a="http://schemas.openxmlformats.org/drawingml/2006/main" xmlns:r="http://schemas.openxmlformats.org/officeDocument/2006/relationships" xmlns:p="http://schemas.openxmlformats.org/presentationml/2006/main">
-  <p:cSld>
-    <p:spTree>
-      <p:nvGrpSpPr>
-        <p:cNvPr id="1" name=""/>
-        <p:cNvGrpSpPr/>
-        <p:nvPr/>
-      </p:nvGrpSpPr>
-      <p:grpSpPr>
-        <a:xfrm>
-          <a:off x="0" y="0"/>
-          <a:ext cx="0" cy="0"/>
-          <a:chOff x="0" y="0"/>
-          <a:chExt cx="0" cy="0"/>
-        </a:xfrm>
-      </p:grpSpPr>
-      <p:sp>
-        <p:nvSpPr>
-          <p:cNvPr id="4" name="Title 3"/>
-          <p:cNvSpPr>
-            <a:spLocks noGrp="1"/>
-          </p:cNvSpPr>
-          <p:nvPr>
-            <p:ph type="title"/>
-          </p:nvPr>
-        </p:nvSpPr>
         <p:spPr/>
         <p:txBody>
           <a:bodyPr/>
@@ -10026,7 +9937,7 @@
 </p:sld>
 </file>
 
-<file path=ppt/slides/slide27.xml><?xml version="1.0" encoding="utf-8"?>
+<file path=ppt/slides/slide26.xml><?xml version="1.0" encoding="utf-8"?>
 <p:sld xmlns:a="http://schemas.openxmlformats.org/drawingml/2006/main" xmlns:r="http://schemas.openxmlformats.org/officeDocument/2006/relationships" xmlns:p="http://schemas.openxmlformats.org/presentationml/2006/main">
   <p:cSld>
     <p:bg>
@@ -12591,6 +12502,104 @@
 </p:sld>
 </file>
 
+<file path=ppt/slides/slide27.xml><?xml version="1.0" encoding="utf-8"?>
+<p:sld xmlns:a="http://schemas.openxmlformats.org/drawingml/2006/main" xmlns:r="http://schemas.openxmlformats.org/officeDocument/2006/relationships" xmlns:p="http://schemas.openxmlformats.org/presentationml/2006/main">
+  <p:cSld>
+    <p:spTree>
+      <p:nvGrpSpPr>
+        <p:cNvPr id="1" name=""/>
+        <p:cNvGrpSpPr/>
+        <p:nvPr/>
+      </p:nvGrpSpPr>
+      <p:grpSpPr>
+        <a:xfrm>
+          <a:off x="0" y="0"/>
+          <a:ext cx="0" cy="0"/>
+          <a:chOff x="0" y="0"/>
+          <a:chExt cx="0" cy="0"/>
+        </a:xfrm>
+      </p:grpSpPr>
+      <p:sp>
+        <p:nvSpPr>
+          <p:cNvPr id="2" name="Title 1"/>
+          <p:cNvSpPr>
+            <a:spLocks noGrp="1"/>
+          </p:cNvSpPr>
+          <p:nvPr>
+            <p:ph type="title"/>
+          </p:nvPr>
+        </p:nvSpPr>
+        <p:spPr/>
+        <p:txBody>
+          <a:bodyPr/>
+          <a:lstStyle/>
+          <a:p>
+            <a:r>
+              <a:rPr lang="pl-PL" altLang="en-US"/>
+              <a:t>Podsumowanie tabeli</a:t>
+            </a:r>
+            <a:endParaRPr lang="pl-PL" altLang="en-US"/>
+          </a:p>
+        </p:txBody>
+      </p:sp>
+      <p:sp>
+        <p:nvSpPr>
+          <p:cNvPr id="3" name="Content Placeholder 2"/>
+          <p:cNvSpPr>
+            <a:spLocks noGrp="1"/>
+          </p:cNvSpPr>
+          <p:nvPr>
+            <p:ph idx="1"/>
+          </p:nvPr>
+        </p:nvSpPr>
+        <p:spPr/>
+        <p:txBody>
+          <a:bodyPr/>
+          <a:lstStyle/>
+          <a:p>
+            <a:pPr marL="0" indent="0">
+              <a:buNone/>
+            </a:pPr>
+            <a:r>
+              <a:rPr lang="pl-PL" altLang="en-US" dirty="0"/>
+              <a:t>Z tabeli widać, wraz ze wzrostem ilości przedmiotów,</a:t>
+            </a:r>
+            <a:br>
+              <a:rPr lang="pl-PL" altLang="en-US" dirty="0"/>
+            </a:br>
+            <a:r>
+              <a:rPr lang="pl-PL" altLang="en-US" dirty="0"/>
+              <a:t>dwukrotnie wzrasta liczba danych tabeli którą musimy wyznaczyć.</a:t>
+            </a:r>
+            <a:br>
+              <a:rPr lang="pl-PL" altLang="en-US" dirty="0"/>
+            </a:br>
+            <a:br>
+              <a:rPr lang="pl-PL" altLang="en-US" dirty="0"/>
+            </a:br>
+            <a:r>
+              <a:rPr lang="pl-PL" altLang="en-US" dirty="0"/>
+              <a:t>W poprzednim przykładzie mieliśmy 1, 2, 4, 6 </a:t>
+            </a:r>
+            <a:br>
+              <a:rPr lang="pl-PL" altLang="en-US" dirty="0"/>
+            </a:br>
+            <a:r>
+              <a:rPr lang="pl-PL" altLang="en-US" dirty="0"/>
+              <a:t>ilości elementów w wierszach, ponieważ w tych dwóch pozostałych przypadkach przedmioty nie zmieściły się do plecaka.</a:t>
+            </a:r>
+            <a:endParaRPr lang="pl-PL" altLang="en-US" dirty="0"/>
+          </a:p>
+        </p:txBody>
+      </p:sp>
+    </p:spTree>
+  </p:cSld>
+  <p:clrMapOvr>
+    <a:masterClrMapping/>
+  </p:clrMapOvr>
+</p:sld>
+</file>
+
 <file path=ppt/slides/slide28.xml><?xml version="1.0" encoding="utf-8"?>
 <p:sld xmlns:a="http://schemas.openxmlformats.org/drawingml/2006/main" xmlns:r="http://schemas.openxmlformats.org/officeDocument/2006/relationships" xmlns:p="http://schemas.openxmlformats.org/presentationml/2006/main">
   <p:cSld>
@@ -12625,7 +12634,7 @@
           <a:p>
             <a:r>
               <a:rPr lang="pl-PL" altLang="en-US"/>
-              <a:t>Podsumowanie tabeli</a:t>
+              <a:t>Podsumowanie</a:t>
             </a:r>
             <a:endParaRPr lang="pl-PL" altLang="en-US"/>
           </a:p>
@@ -12651,14 +12660,15 @@
             </a:pPr>
             <a:r>
               <a:rPr lang="pl-PL" altLang="en-US" dirty="0"/>
-              <a:t>Z tabeli widać, wraz ze wzrostem ilości przedmiotów,</a:t>
-            </a:r>
-            <a:br>
+              <a:t>Przy większej ilości przedmiotów, elementy zbyt często nie mieszczą się w plecaku, albo wiele wartości w tabeli nachodzą na siebie, przez co liczy je </a:t>
+            </a:r>
+            <a:r>
+              <a:rPr lang="pl-PL" altLang="en-US" dirty="0" err="1"/>
+              <a:t>je</a:t>
+            </a:r>
+            <a:r>
               <a:rPr lang="pl-PL" altLang="en-US" dirty="0"/>
-            </a:br>
-            <a:r>
-              <a:rPr lang="pl-PL" altLang="en-US" dirty="0"/>
-              <a:t>dwukrotnie wzrasta liczba danych tabeli którą musimy wyznaczyć.</a:t>
+              <a:t> po kilka razy.</a:t>
             </a:r>
             <a:br>
               <a:rPr lang="pl-PL" altLang="en-US" dirty="0"/>
@@ -12668,15 +12678,37 @@
             </a:br>
             <a:r>
               <a:rPr lang="pl-PL" altLang="en-US" dirty="0"/>
-              <a:t>W poprzednim przykładzie mieliśmy 1, 2, 4, 6 </a:t>
+              <a:t>Dlatego warto uzależnić wybór algorytmu od ilości przedmiotów:</a:t>
+            </a:r>
+            <a:endParaRPr lang="pl-PL" altLang="en-US" dirty="0"/>
+          </a:p>
+          <a:p>
+            <a:pPr marL="0" indent="0">
+              <a:buNone/>
+            </a:pPr>
+            <a:r>
+              <a:rPr lang="pl-PL" altLang="en-US" dirty="0"/>
+              <a:t>- mało przedmiotów (rekurencyjnie)</a:t>
+            </a:r>
+            <a:endParaRPr lang="pl-PL" altLang="en-US" dirty="0"/>
+          </a:p>
+          <a:p>
+            <a:pPr marL="0" indent="0">
+              <a:buNone/>
+            </a:pPr>
+            <a:r>
+              <a:rPr lang="pl-PL" altLang="en-US" dirty="0"/>
+              <a:t>- wiele przedmiotów (programowanie dynamiczne)</a:t>
             </a:r>
             <a:br>
               <a:rPr lang="pl-PL" altLang="en-US" dirty="0"/>
             </a:br>
-            <a:r>
+            <a:br>
               <a:rPr lang="pl-PL" altLang="en-US" dirty="0"/>
-              <a:t>ilości elementów w wierszach, ponieważ w tych dwóch pozostałych przypadkach przedmioty nie zmieściły się do plecaka.</a:t>
-            </a:r>
+            </a:br>
+            <a:br>
+              <a:rPr lang="pl-PL" altLang="en-US" dirty="0"/>
+            </a:br>
             <a:endParaRPr lang="pl-PL" altLang="en-US" dirty="0"/>
           </a:p>
         </p:txBody>
@@ -12708,7 +12740,7 @@
       </p:grpSpPr>
       <p:sp>
         <p:nvSpPr>
-          <p:cNvPr id="2" name="Title 1"/>
+          <p:cNvPr id="4" name="Title 3"/>
           <p:cNvSpPr>
             <a:spLocks noGrp="1"/>
           </p:cNvSpPr>
@@ -12716,89 +12748,49 @@
             <p:ph type="title"/>
           </p:nvPr>
         </p:nvSpPr>
-        <p:spPr/>
+        <p:spPr>
+          <a:xfrm>
+            <a:off x="831851" y="1283516"/>
+            <a:ext cx="10515600" cy="3045203"/>
+          </a:xfrm>
+        </p:spPr>
         <p:txBody>
           <a:bodyPr/>
           <a:lstStyle/>
           <a:p>
             <a:r>
-              <a:rPr lang="pl-PL" altLang="en-US"/>
-              <a:t>Podsumowanie</a:t>
-            </a:r>
-            <a:endParaRPr lang="pl-PL" altLang="en-US"/>
-          </a:p>
-        </p:txBody>
-      </p:sp>
-      <p:sp>
-        <p:nvSpPr>
-          <p:cNvPr id="3" name="Content Placeholder 2"/>
-          <p:cNvSpPr>
-            <a:spLocks noGrp="1"/>
-          </p:cNvSpPr>
-          <p:nvPr>
-            <p:ph idx="1"/>
-          </p:nvPr>
-        </p:nvSpPr>
-        <p:spPr/>
-        <p:txBody>
-          <a:bodyPr/>
-          <a:lstStyle/>
-          <a:p>
-            <a:pPr marL="0" indent="0">
-              <a:buNone/>
-            </a:pPr>
-            <a:r>
-              <a:rPr lang="pl-PL" altLang="en-US" dirty="0"/>
-              <a:t>Przy większej ilości przedmiotów, elementy zbyt często nie mieszczą się w plecaku, albo wiele wartości w tabeli nachodzą na siebie, przez co liczy je </a:t>
-            </a:r>
-            <a:r>
-              <a:rPr lang="pl-PL" altLang="en-US" dirty="0" err="1"/>
-              <a:t>je</a:t>
-            </a:r>
-            <a:r>
-              <a:rPr lang="pl-PL" altLang="en-US" dirty="0"/>
-              <a:t> po kilka razy.</a:t>
-            </a:r>
-            <a:br>
-              <a:rPr lang="pl-PL" altLang="en-US" dirty="0"/>
-            </a:br>
-            <a:br>
-              <a:rPr lang="pl-PL" altLang="en-US" dirty="0"/>
-            </a:br>
-            <a:r>
-              <a:rPr lang="pl-PL" altLang="en-US" dirty="0"/>
-              <a:t>Dlatego warto uzależnić wybór algorytmu od ilości przedmiotów:</a:t>
-            </a:r>
-            <a:endParaRPr lang="pl-PL" altLang="en-US" dirty="0"/>
-          </a:p>
-          <a:p>
-            <a:pPr marL="0" indent="0">
-              <a:buNone/>
-            </a:pPr>
-            <a:r>
-              <a:rPr lang="pl-PL" altLang="en-US" dirty="0"/>
-              <a:t>- mało przedmiotów (rekurencyjnie)</a:t>
-            </a:r>
-            <a:endParaRPr lang="pl-PL" altLang="en-US" dirty="0"/>
-          </a:p>
-          <a:p>
-            <a:pPr marL="0" indent="0">
-              <a:buNone/>
-            </a:pPr>
-            <a:r>
-              <a:rPr lang="pl-PL" altLang="en-US" dirty="0"/>
-              <a:t>- wiele przedmiotów (programowanie dynamiczne)</a:t>
-            </a:r>
-            <a:br>
-              <a:rPr lang="pl-PL" altLang="en-US" dirty="0"/>
-            </a:br>
-            <a:br>
-              <a:rPr lang="pl-PL" altLang="en-US" dirty="0"/>
-            </a:br>
-            <a:br>
-              <a:rPr lang="pl-PL" altLang="en-US" dirty="0"/>
-            </a:br>
-            <a:endParaRPr lang="pl-PL" altLang="en-US" dirty="0"/>
+              <a:rPr lang="pl-PL" altLang="en-US" sz="5400" dirty="0">
+                <a:ln w="22225">
+                  <a:solidFill>
+                    <a:schemeClr val="accent2"/>
+                  </a:solidFill>
+                  <a:prstDash val="solid"/>
+                </a:ln>
+                <a:solidFill>
+                  <a:schemeClr val="accent2">
+                    <a:lumMod val="40000"/>
+                    <a:lumOff val="60000"/>
+                  </a:schemeClr>
+                </a:solidFill>
+                <a:effectLst/>
+              </a:rPr>
+              <a:t>ALGORYTM TRZECH OPERACJI</a:t>
+            </a:r>
+            <a:endParaRPr lang="pl-PL" altLang="en-US" sz="5400" dirty="0">
+              <a:ln w="22225">
+                <a:solidFill>
+                  <a:schemeClr val="accent2"/>
+                </a:solidFill>
+                <a:prstDash val="solid"/>
+              </a:ln>
+              <a:solidFill>
+                <a:schemeClr val="accent2">
+                  <a:lumMod val="40000"/>
+                  <a:lumOff val="60000"/>
+                </a:schemeClr>
+              </a:solidFill>
+              <a:effectLst/>
+            </a:endParaRPr>
           </a:p>
         </p:txBody>
       </p:sp>
@@ -12912,7 +12904,7 @@
       </p:grpSpPr>
       <p:sp>
         <p:nvSpPr>
-          <p:cNvPr id="4" name="Title 3"/>
+          <p:cNvPr id="2" name="Title 1"/>
           <p:cNvSpPr>
             <a:spLocks noGrp="1"/>
           </p:cNvSpPr>
@@ -12920,49 +12912,109 @@
             <p:ph type="title"/>
           </p:nvPr>
         </p:nvSpPr>
+        <p:spPr/>
+        <p:txBody>
+          <a:bodyPr/>
+          <a:lstStyle/>
+          <a:p>
+            <a:r>
+              <a:rPr lang="pl-PL" altLang="en-US" dirty="0"/>
+              <a:t>Problem</a:t>
+            </a:r>
+            <a:endParaRPr lang="pl-PL" altLang="en-US" dirty="0"/>
+          </a:p>
+        </p:txBody>
+      </p:sp>
+      <p:sp>
+        <p:nvSpPr>
+          <p:cNvPr id="3" name="Content Placeholder 2"/>
+          <p:cNvSpPr>
+            <a:spLocks noGrp="1"/>
+          </p:cNvSpPr>
+          <p:nvPr>
+            <p:ph idx="1"/>
+          </p:nvPr>
+        </p:nvSpPr>
         <p:spPr>
           <a:xfrm>
-            <a:off x="831851" y="1283516"/>
-            <a:ext cx="10515600" cy="3045203"/>
+            <a:off x="609600" y="1350628"/>
+            <a:ext cx="10866540" cy="4777121"/>
           </a:xfrm>
         </p:spPr>
         <p:txBody>
           <a:bodyPr/>
           <a:lstStyle/>
           <a:p>
-            <a:r>
-              <a:rPr lang="pl-PL" altLang="en-US" sz="5400" dirty="0">
-                <a:ln w="22225">
-                  <a:solidFill>
-                    <a:schemeClr val="accent2"/>
-                  </a:solidFill>
-                  <a:prstDash val="solid"/>
-                </a:ln>
-                <a:solidFill>
-                  <a:schemeClr val="accent2">
-                    <a:lumMod val="40000"/>
-                    <a:lumOff val="60000"/>
-                  </a:schemeClr>
-                </a:solidFill>
-                <a:effectLst/>
-              </a:rPr>
-              <a:t>ALGORYTM TRZECH OPERACJI</a:t>
-            </a:r>
-            <a:endParaRPr lang="pl-PL" altLang="en-US" sz="5400" dirty="0">
-              <a:ln w="22225">
-                <a:solidFill>
-                  <a:schemeClr val="accent2"/>
-                </a:solidFill>
-                <a:prstDash val="solid"/>
-              </a:ln>
-              <a:solidFill>
-                <a:schemeClr val="accent2">
-                  <a:lumMod val="40000"/>
-                  <a:lumOff val="60000"/>
-                </a:schemeClr>
-              </a:solidFill>
-              <a:effectLst/>
-            </a:endParaRPr>
+            <a:pPr marL="0" indent="0">
+              <a:buNone/>
+            </a:pPr>
+            <a:r>
+              <a:rPr lang="pl-PL" sz="2600" dirty="0"/>
+              <a:t>Dane są dwie zmienne typu string </a:t>
+            </a:r>
+            <a:r>
+              <a:rPr lang="en-US" sz="2600" dirty="0"/>
+              <a:t>str1 </a:t>
+            </a:r>
+            <a:r>
+              <a:rPr lang="pl-PL" sz="2600" dirty="0"/>
+              <a:t>i</a:t>
+            </a:r>
+            <a:r>
+              <a:rPr lang="en-US" sz="2600" dirty="0"/>
+              <a:t> str2</a:t>
+            </a:r>
+            <a:r>
+              <a:rPr lang="pl-PL" sz="2600" dirty="0"/>
+              <a:t>,</a:t>
+            </a:r>
+            <a:r>
+              <a:rPr lang="en-US" sz="2600" dirty="0"/>
+              <a:t> </a:t>
+            </a:r>
+            <a:r>
+              <a:rPr lang="pl-PL" sz="2600" dirty="0"/>
+              <a:t>a poniżej przedstawione są operacje możliwe do wykonania na str1.</a:t>
+            </a:r>
+            <a:br>
+              <a:rPr lang="pl-PL" sz="2600" dirty="0"/>
+            </a:br>
+            <a:br>
+              <a:rPr lang="pl-PL" sz="2600" b="1" dirty="0"/>
+            </a:br>
+            <a:r>
+              <a:rPr lang="pl-PL" sz="2600" b="1" dirty="0"/>
+              <a:t>Problem: </a:t>
+            </a:r>
+            <a:r>
+              <a:rPr lang="pl-PL" sz="2600" dirty="0"/>
+              <a:t>Znaleźć minimalna liczbę operacji niezbędnych do przekształcenia str1 w str2.</a:t>
+            </a:r>
+            <a:br>
+              <a:rPr lang="pl-PL" sz="2600" dirty="0"/>
+            </a:br>
+            <a:endParaRPr lang="en-US" sz="2600" dirty="0"/>
+          </a:p>
+          <a:p>
+            <a:r>
+              <a:rPr lang="pl-PL" sz="2600" dirty="0"/>
+              <a:t>Wstaw</a:t>
+            </a:r>
+            <a:endParaRPr lang="en-US" sz="2600" dirty="0"/>
+          </a:p>
+          <a:p>
+            <a:r>
+              <a:rPr lang="pl-PL" sz="2600" dirty="0" err="1"/>
+              <a:t>Usun</a:t>
+            </a:r>
+            <a:endParaRPr lang="en-US" sz="2600" dirty="0"/>
+          </a:p>
+          <a:p>
+            <a:r>
+              <a:rPr lang="pl-PL" sz="2600" dirty="0" err="1"/>
+              <a:t>Zamien</a:t>
+            </a:r>
+            <a:endParaRPr lang="pl-PL" sz="2600" dirty="0"/>
           </a:p>
         </p:txBody>
       </p:sp>
@@ -13008,7 +13060,7 @@
           <a:p>
             <a:r>
               <a:rPr lang="pl-PL" altLang="en-US" dirty="0"/>
-              <a:t>Problem</a:t>
+              <a:t>Przykład</a:t>
             </a:r>
             <a:endParaRPr lang="pl-PL" altLang="en-US" dirty="0"/>
           </a:p>
@@ -13026,84 +13078,497 @@
         </p:nvSpPr>
         <p:spPr>
           <a:xfrm>
-            <a:off x="609600" y="1350628"/>
-            <a:ext cx="10866540" cy="4777121"/>
+            <a:off x="609600" y="1174750"/>
+            <a:ext cx="10972800" cy="5302250"/>
           </a:xfrm>
+          <a:solidFill>
+            <a:schemeClr val="accent1">
+              <a:lumMod val="75000"/>
+            </a:schemeClr>
+          </a:solidFill>
         </p:spPr>
         <p:txBody>
-          <a:bodyPr/>
+          <a:bodyPr anchor="ctr"/>
           <a:lstStyle/>
           <a:p>
             <a:pPr marL="0" indent="0">
               <a:buNone/>
             </a:pPr>
             <a:r>
-              <a:rPr lang="pl-PL" sz="2600" dirty="0"/>
-              <a:t>Dane są dwie zmienne typu string </a:t>
-            </a:r>
-            <a:r>
-              <a:rPr lang="en-US" sz="2600" dirty="0"/>
+              <a:rPr lang="en-US" altLang="en-US" sz="2200" dirty="0">
+                <a:solidFill>
+                  <a:schemeClr val="bg1"/>
+                </a:solidFill>
+              </a:rPr>
+              <a:t>Input:   str1 = "geek", str2 = "</a:t>
+            </a:r>
+            <a:r>
+              <a:rPr lang="en-US" altLang="en-US" sz="2200" dirty="0" err="1">
+                <a:solidFill>
+                  <a:schemeClr val="bg1"/>
+                </a:solidFill>
+              </a:rPr>
+              <a:t>gesek</a:t>
+            </a:r>
+            <a:r>
+              <a:rPr lang="en-US" altLang="en-US" sz="2200" dirty="0">
+                <a:solidFill>
+                  <a:schemeClr val="bg1"/>
+                </a:solidFill>
+              </a:rPr>
+              <a:t>"</a:t>
+            </a:r>
+            <a:endParaRPr lang="en-US" altLang="en-US" sz="2200" dirty="0">
+              <a:solidFill>
+                <a:schemeClr val="bg1"/>
+              </a:solidFill>
+            </a:endParaRPr>
+          </a:p>
+          <a:p>
+            <a:pPr marL="0" indent="0">
+              <a:buNone/>
+            </a:pPr>
+            <a:r>
+              <a:rPr lang="en-US" altLang="en-US" sz="2200" dirty="0">
+                <a:solidFill>
+                  <a:schemeClr val="bg1"/>
+                </a:solidFill>
+              </a:rPr>
+              <a:t>Output:  1</a:t>
+            </a:r>
+            <a:endParaRPr lang="en-US" altLang="en-US" sz="2200" dirty="0">
+              <a:solidFill>
+                <a:schemeClr val="bg1"/>
+              </a:solidFill>
+            </a:endParaRPr>
+          </a:p>
+          <a:p>
+            <a:pPr marL="0" indent="0">
+              <a:buNone/>
+            </a:pPr>
+            <a:r>
+              <a:rPr lang="pl-PL" altLang="en-US" sz="2200" dirty="0">
+                <a:solidFill>
+                  <a:schemeClr val="bg1"/>
+                </a:solidFill>
+              </a:rPr>
+              <a:t>Możemy przekształcić </a:t>
+            </a:r>
+            <a:r>
+              <a:rPr lang="en-US" altLang="en-US" sz="2200" dirty="0">
+                <a:solidFill>
+                  <a:schemeClr val="bg1"/>
+                </a:solidFill>
+              </a:rPr>
               <a:t>str1 </a:t>
             </a:r>
             <a:r>
-              <a:rPr lang="pl-PL" sz="2600" dirty="0"/>
-              <a:t>i</a:t>
-            </a:r>
-            <a:r>
-              <a:rPr lang="en-US" sz="2600" dirty="0"/>
-              <a:t> str2</a:t>
-            </a:r>
-            <a:r>
-              <a:rPr lang="pl-PL" sz="2600" dirty="0"/>
-              <a:t>,</a:t>
-            </a:r>
-            <a:r>
-              <a:rPr lang="en-US" sz="2600" dirty="0"/>
+              <a:rPr lang="pl-PL" altLang="en-US" sz="2200" dirty="0">
+                <a:solidFill>
+                  <a:schemeClr val="bg1"/>
+                </a:solidFill>
+              </a:rPr>
+              <a:t>w</a:t>
+            </a:r>
+            <a:r>
+              <a:rPr lang="en-US" altLang="en-US" sz="2200" dirty="0">
+                <a:solidFill>
+                  <a:schemeClr val="bg1"/>
+                </a:solidFill>
+              </a:rPr>
+              <a:t> str2 </a:t>
+            </a:r>
+            <a:r>
+              <a:rPr lang="pl-PL" altLang="en-US" sz="2200" dirty="0">
+                <a:solidFill>
+                  <a:schemeClr val="bg1"/>
+                </a:solidFill>
+              </a:rPr>
+              <a:t>poprzez operację Wstaw</a:t>
+            </a:r>
+            <a:r>
+              <a:rPr lang="en-US" altLang="en-US" sz="2200" dirty="0">
+                <a:solidFill>
+                  <a:schemeClr val="bg1"/>
+                </a:solidFill>
+              </a:rPr>
+              <a:t> 's'.</a:t>
+            </a:r>
+            <a:endParaRPr lang="en-US" altLang="en-US" sz="2200" dirty="0">
+              <a:solidFill>
+                <a:schemeClr val="bg1"/>
+              </a:solidFill>
+            </a:endParaRPr>
+          </a:p>
+          <a:p>
+            <a:pPr marL="0" indent="0">
+              <a:buNone/>
+            </a:pPr>
+            <a:endParaRPr lang="en-US" altLang="en-US" sz="2200" dirty="0">
+              <a:solidFill>
+                <a:schemeClr val="bg1"/>
+              </a:solidFill>
+            </a:endParaRPr>
+          </a:p>
+          <a:p>
+            <a:pPr marL="0" indent="0">
+              <a:buNone/>
+            </a:pPr>
+            <a:r>
+              <a:rPr lang="en-US" altLang="en-US" sz="2200" dirty="0">
+                <a:solidFill>
+                  <a:schemeClr val="bg1"/>
+                </a:solidFill>
+              </a:rPr>
+              <a:t>Input:   str1 = "cat", str2 = "cut"</a:t>
+            </a:r>
+            <a:endParaRPr lang="en-US" altLang="en-US" sz="2200" dirty="0">
+              <a:solidFill>
+                <a:schemeClr val="bg1"/>
+              </a:solidFill>
+            </a:endParaRPr>
+          </a:p>
+          <a:p>
+            <a:pPr marL="0" indent="0">
+              <a:buNone/>
+            </a:pPr>
+            <a:r>
+              <a:rPr lang="en-US" altLang="en-US" sz="2200" dirty="0">
+                <a:solidFill>
+                  <a:schemeClr val="bg1"/>
+                </a:solidFill>
+              </a:rPr>
+              <a:t>Output:  1</a:t>
+            </a:r>
+            <a:endParaRPr lang="en-US" altLang="en-US" sz="2200" dirty="0">
+              <a:solidFill>
+                <a:schemeClr val="bg1"/>
+              </a:solidFill>
+            </a:endParaRPr>
+          </a:p>
+          <a:p>
+            <a:pPr marL="0" indent="0">
+              <a:buNone/>
+            </a:pPr>
+            <a:r>
+              <a:rPr lang="pl-PL" altLang="en-US" sz="2200" dirty="0">
+                <a:solidFill>
+                  <a:schemeClr val="bg1"/>
+                </a:solidFill>
+              </a:rPr>
+              <a:t>Możemy przekształcić </a:t>
+            </a:r>
+            <a:r>
+              <a:rPr lang="en-US" altLang="en-US" sz="2200" dirty="0">
+                <a:solidFill>
+                  <a:schemeClr val="bg1"/>
+                </a:solidFill>
+              </a:rPr>
+              <a:t>str1 </a:t>
+            </a:r>
+            <a:r>
+              <a:rPr lang="pl-PL" altLang="en-US" sz="2200" dirty="0">
+                <a:solidFill>
+                  <a:schemeClr val="bg1"/>
+                </a:solidFill>
+              </a:rPr>
+              <a:t>w</a:t>
+            </a:r>
+            <a:r>
+              <a:rPr lang="en-US" altLang="en-US" sz="2200" dirty="0">
+                <a:solidFill>
+                  <a:schemeClr val="bg1"/>
+                </a:solidFill>
+              </a:rPr>
+              <a:t> str2 </a:t>
+            </a:r>
+            <a:r>
+              <a:rPr lang="pl-PL" altLang="en-US" sz="2200" dirty="0">
+                <a:solidFill>
+                  <a:schemeClr val="bg1"/>
+                </a:solidFill>
+              </a:rPr>
+              <a:t>poprzez operację </a:t>
+            </a:r>
+            <a:r>
+              <a:rPr lang="pl-PL" altLang="en-US" sz="2200" dirty="0" err="1">
+                <a:solidFill>
+                  <a:schemeClr val="bg1"/>
+                </a:solidFill>
+              </a:rPr>
+              <a:t>Zamien</a:t>
+            </a:r>
+            <a:r>
+              <a:rPr lang="pl-PL" altLang="en-US" sz="2200" dirty="0">
+                <a:solidFill>
+                  <a:schemeClr val="bg1"/>
+                </a:solidFill>
+              </a:rPr>
               <a:t> </a:t>
             </a:r>
             <a:r>
-              <a:rPr lang="pl-PL" sz="2600" dirty="0"/>
-              <a:t>a poniżej przedstawione są operacje możliwe do wykonania na str1.</a:t>
-            </a:r>
-            <a:br>
-              <a:rPr lang="pl-PL" sz="2600" dirty="0"/>
-            </a:br>
-            <a:br>
-              <a:rPr lang="pl-PL" sz="2600" b="1" dirty="0"/>
-            </a:br>
-            <a:r>
-              <a:rPr lang="pl-PL" sz="2600" b="1" dirty="0"/>
-              <a:t>Problem: </a:t>
-            </a:r>
-            <a:r>
-              <a:rPr lang="pl-PL" sz="2600" dirty="0"/>
-              <a:t>Znaleźć minimalna liczbę operacji niezbędnych do przekształcenia str1 w str2.</a:t>
-            </a:r>
-            <a:br>
-              <a:rPr lang="pl-PL" sz="2600" dirty="0"/>
-            </a:br>
-            <a:endParaRPr lang="en-US" sz="2600" dirty="0"/>
-          </a:p>
-          <a:p>
-            <a:r>
-              <a:rPr lang="pl-PL" sz="2600" dirty="0"/>
+              <a:rPr lang="en-US" altLang="en-US" sz="2200" dirty="0">
+                <a:solidFill>
+                  <a:schemeClr val="bg1"/>
+                </a:solidFill>
+              </a:rPr>
+              <a:t>'a' </a:t>
+            </a:r>
+            <a:r>
+              <a:rPr lang="pl-PL" altLang="en-US" sz="2200" dirty="0">
+                <a:solidFill>
+                  <a:schemeClr val="bg1"/>
+                </a:solidFill>
+              </a:rPr>
+              <a:t>z</a:t>
+            </a:r>
+            <a:r>
+              <a:rPr lang="en-US" altLang="en-US" sz="2200" dirty="0">
+                <a:solidFill>
+                  <a:schemeClr val="bg1"/>
+                </a:solidFill>
+              </a:rPr>
+              <a:t> 'u'.</a:t>
+            </a:r>
+            <a:endParaRPr lang="en-US" altLang="en-US" sz="2200" dirty="0">
+              <a:solidFill>
+                <a:schemeClr val="bg1"/>
+              </a:solidFill>
+            </a:endParaRPr>
+          </a:p>
+          <a:p>
+            <a:pPr marL="0" indent="0">
+              <a:buNone/>
+            </a:pPr>
+            <a:endParaRPr lang="en-US" altLang="en-US" sz="2200" dirty="0">
+              <a:solidFill>
+                <a:schemeClr val="bg1"/>
+              </a:solidFill>
+            </a:endParaRPr>
+          </a:p>
+          <a:p>
+            <a:pPr marL="0" indent="0">
+              <a:buNone/>
+            </a:pPr>
+            <a:r>
+              <a:rPr lang="en-US" altLang="en-US" sz="2200" dirty="0">
+                <a:solidFill>
+                  <a:schemeClr val="bg1"/>
+                </a:solidFill>
+              </a:rPr>
+              <a:t>Input:   str1 = "</a:t>
+            </a:r>
+            <a:r>
+              <a:rPr lang="en-US" altLang="en-US" sz="2200" dirty="0" err="1">
+                <a:solidFill>
+                  <a:schemeClr val="bg1"/>
+                </a:solidFill>
+              </a:rPr>
+              <a:t>sunday</a:t>
+            </a:r>
+            <a:r>
+              <a:rPr lang="en-US" altLang="en-US" sz="2200" dirty="0">
+                <a:solidFill>
+                  <a:schemeClr val="bg1"/>
+                </a:solidFill>
+              </a:rPr>
+              <a:t>", str2 = "</a:t>
+            </a:r>
+            <a:r>
+              <a:rPr lang="en-US" altLang="en-US" sz="2200" dirty="0" err="1">
+                <a:solidFill>
+                  <a:schemeClr val="bg1"/>
+                </a:solidFill>
+              </a:rPr>
+              <a:t>saturday</a:t>
+            </a:r>
+            <a:r>
+              <a:rPr lang="en-US" altLang="en-US" sz="2200" dirty="0">
+                <a:solidFill>
+                  <a:schemeClr val="bg1"/>
+                </a:solidFill>
+              </a:rPr>
+              <a:t>"</a:t>
+            </a:r>
+            <a:endParaRPr lang="en-US" altLang="en-US" sz="2200" dirty="0">
+              <a:solidFill>
+                <a:schemeClr val="bg1"/>
+              </a:solidFill>
+            </a:endParaRPr>
+          </a:p>
+          <a:p>
+            <a:pPr marL="0" indent="0">
+              <a:buNone/>
+            </a:pPr>
+            <a:r>
+              <a:rPr lang="en-US" altLang="en-US" sz="2200" dirty="0">
+                <a:solidFill>
+                  <a:schemeClr val="bg1"/>
+                </a:solidFill>
+              </a:rPr>
+              <a:t>Output:  3</a:t>
+            </a:r>
+            <a:endParaRPr lang="en-US" altLang="en-US" sz="2200" dirty="0">
+              <a:solidFill>
+                <a:schemeClr val="bg1"/>
+              </a:solidFill>
+            </a:endParaRPr>
+          </a:p>
+          <a:p>
+            <a:pPr marL="0" indent="0">
+              <a:buNone/>
+            </a:pPr>
+            <a:r>
+              <a:rPr lang="pl-PL" altLang="en-US" sz="2200" dirty="0">
+                <a:solidFill>
+                  <a:schemeClr val="bg1"/>
+                </a:solidFill>
+              </a:rPr>
+              <a:t>Pierwsza i trzy ostatnie litery są takie same. Potrzebujemy przekształcić</a:t>
+            </a:r>
+            <a:r>
+              <a:rPr lang="en-US" altLang="en-US" sz="2200" dirty="0">
+                <a:solidFill>
+                  <a:schemeClr val="bg1"/>
+                </a:solidFill>
+              </a:rPr>
+              <a:t> "un" </a:t>
+            </a:r>
+            <a:r>
+              <a:rPr lang="pl-PL" altLang="en-US" sz="2200" dirty="0">
+                <a:solidFill>
+                  <a:schemeClr val="bg1"/>
+                </a:solidFill>
+              </a:rPr>
+              <a:t>w</a:t>
+            </a:r>
+            <a:r>
+              <a:rPr lang="en-US" altLang="en-US" sz="2200" dirty="0">
+                <a:solidFill>
+                  <a:schemeClr val="bg1"/>
+                </a:solidFill>
+              </a:rPr>
+              <a:t> "</a:t>
+            </a:r>
+            <a:r>
+              <a:rPr lang="en-US" altLang="en-US" sz="2200" dirty="0" err="1">
+                <a:solidFill>
+                  <a:schemeClr val="bg1"/>
+                </a:solidFill>
+              </a:rPr>
+              <a:t>atur</a:t>
+            </a:r>
+            <a:r>
+              <a:rPr lang="en-US" altLang="en-US" sz="2200" dirty="0">
+                <a:solidFill>
+                  <a:schemeClr val="bg1"/>
+                </a:solidFill>
+              </a:rPr>
+              <a:t>".  </a:t>
+            </a:r>
+            <a:r>
+              <a:rPr lang="pl-PL" altLang="en-US" sz="2200" dirty="0">
+                <a:solidFill>
+                  <a:schemeClr val="bg1"/>
+                </a:solidFill>
+              </a:rPr>
+              <a:t>To można zrealizować za </a:t>
+            </a:r>
+            <a:r>
+              <a:rPr lang="pl-PL" altLang="en-US" sz="2200" dirty="0" err="1">
+                <a:solidFill>
+                  <a:schemeClr val="bg1"/>
+                </a:solidFill>
+              </a:rPr>
+              <a:t>pomoć</a:t>
+            </a:r>
+            <a:r>
+              <a:rPr lang="pl-PL" altLang="en-US" sz="2200" dirty="0">
+                <a:solidFill>
+                  <a:schemeClr val="bg1"/>
+                </a:solidFill>
+              </a:rPr>
+              <a:t> trzech operacji:</a:t>
+            </a:r>
+            <a:endParaRPr lang="en-US" altLang="en-US" sz="2200" dirty="0">
+              <a:solidFill>
+                <a:schemeClr val="bg1"/>
+              </a:solidFill>
+            </a:endParaRPr>
+          </a:p>
+          <a:p>
+            <a:pPr marL="0" indent="0">
+              <a:buNone/>
+            </a:pPr>
+            <a:r>
+              <a:rPr lang="pl-PL" altLang="en-US" sz="2200" dirty="0" err="1">
+                <a:solidFill>
+                  <a:schemeClr val="bg1"/>
+                </a:solidFill>
+              </a:rPr>
+              <a:t>Zamien</a:t>
+            </a:r>
+            <a:r>
+              <a:rPr lang="en-US" altLang="en-US" sz="2200" dirty="0">
+                <a:solidFill>
+                  <a:schemeClr val="bg1"/>
+                </a:solidFill>
+              </a:rPr>
+              <a:t> 'n' </a:t>
+            </a:r>
+            <a:r>
+              <a:rPr lang="pl-PL" altLang="en-US" sz="2200" dirty="0">
+                <a:solidFill>
+                  <a:schemeClr val="bg1"/>
+                </a:solidFill>
+              </a:rPr>
+              <a:t>z</a:t>
+            </a:r>
+            <a:r>
+              <a:rPr lang="en-US" altLang="en-US" sz="2200" dirty="0">
+                <a:solidFill>
+                  <a:schemeClr val="bg1"/>
+                </a:solidFill>
+              </a:rPr>
+              <a:t> 'r', </a:t>
+            </a:r>
+            <a:r>
+              <a:rPr lang="pl-PL" altLang="en-US" sz="2200" dirty="0">
+                <a:solidFill>
+                  <a:schemeClr val="bg1"/>
+                </a:solidFill>
+              </a:rPr>
               <a:t>Wstaw</a:t>
             </a:r>
-            <a:endParaRPr lang="en-US" sz="2600" dirty="0"/>
-          </a:p>
-          <a:p>
-            <a:r>
-              <a:rPr lang="pl-PL" sz="2600" dirty="0" err="1"/>
-              <a:t>Usun</a:t>
-            </a:r>
-            <a:endParaRPr lang="en-US" sz="2600" dirty="0"/>
-          </a:p>
-          <a:p>
-            <a:r>
-              <a:rPr lang="pl-PL" sz="2600" dirty="0" err="1"/>
-              <a:t>Zamien</a:t>
-            </a:r>
-            <a:endParaRPr lang="pl-PL" sz="2600" dirty="0"/>
+            <a:r>
+              <a:rPr lang="en-US" altLang="en-US" sz="2200" dirty="0">
+                <a:solidFill>
+                  <a:schemeClr val="bg1"/>
+                </a:solidFill>
+              </a:rPr>
+              <a:t> t, </a:t>
+            </a:r>
+            <a:r>
+              <a:rPr lang="pl-PL" altLang="en-US" sz="2200" dirty="0">
+                <a:solidFill>
+                  <a:schemeClr val="bg1"/>
+                </a:solidFill>
+              </a:rPr>
+              <a:t>Wstaw</a:t>
+            </a:r>
+            <a:r>
+              <a:rPr lang="en-US" altLang="en-US" sz="2200" dirty="0">
+                <a:solidFill>
+                  <a:schemeClr val="bg1"/>
+                </a:solidFill>
+              </a:rPr>
+              <a:t> a</a:t>
+            </a:r>
+            <a:endParaRPr lang="pl-PL" altLang="en-US" sz="2200" dirty="0">
+              <a:solidFill>
+                <a:schemeClr val="bg1"/>
+              </a:solidFill>
+            </a:endParaRPr>
           </a:p>
         </p:txBody>
       </p:sp>
@@ -13134,7 +13599,7 @@
       </p:grpSpPr>
       <p:sp>
         <p:nvSpPr>
-          <p:cNvPr id="2" name="Title 1"/>
+          <p:cNvPr id="4" name="Title 3"/>
           <p:cNvSpPr>
             <a:spLocks noGrp="1"/>
           </p:cNvSpPr>
@@ -13148,515 +13613,37 @@
           <a:lstStyle/>
           <a:p>
             <a:r>
-              <a:rPr lang="pl-PL" altLang="en-US" dirty="0"/>
-              <a:t>Przykład</a:t>
-            </a:r>
-            <a:endParaRPr lang="pl-PL" altLang="en-US" dirty="0"/>
-          </a:p>
-        </p:txBody>
-      </p:sp>
-      <p:sp>
-        <p:nvSpPr>
-          <p:cNvPr id="3" name="Content Placeholder 2"/>
-          <p:cNvSpPr>
-            <a:spLocks noGrp="1"/>
-          </p:cNvSpPr>
-          <p:nvPr>
-            <p:ph idx="1"/>
-          </p:nvPr>
-        </p:nvSpPr>
-        <p:spPr>
-          <a:xfrm>
-            <a:off x="609600" y="1174750"/>
-            <a:ext cx="10972800" cy="5302250"/>
-          </a:xfrm>
-          <a:solidFill>
-            <a:schemeClr val="accent1">
-              <a:lumMod val="75000"/>
-            </a:schemeClr>
-          </a:solidFill>
-        </p:spPr>
-        <p:txBody>
-          <a:bodyPr anchor="ctr"/>
-          <a:lstStyle/>
-          <a:p>
-            <a:pPr marL="0" indent="0">
-              <a:buNone/>
-            </a:pPr>
-            <a:r>
-              <a:rPr lang="en-US" altLang="en-US" sz="2200" dirty="0">
+              <a:rPr lang="pl-PL" altLang="en-US">
+                <a:ln w="22225">
+                  <a:solidFill>
+                    <a:schemeClr val="accent2"/>
+                  </a:solidFill>
+                  <a:prstDash val="solid"/>
+                </a:ln>
                 <a:solidFill>
-                  <a:schemeClr val="bg1"/>
+                  <a:schemeClr val="accent2">
+                    <a:lumMod val="40000"/>
+                    <a:lumOff val="60000"/>
+                  </a:schemeClr>
                 </a:solidFill>
+                <a:effectLst/>
               </a:rPr>
-              <a:t>Input:   str1 = "geek", str2 = "</a:t>
-            </a:r>
-            <a:r>
-              <a:rPr lang="en-US" altLang="en-US" sz="2200" dirty="0" err="1">
+              <a:t>WYSZUKIWANIE Z WARTOWNIKIEM</a:t>
+            </a:r>
+            <a:endParaRPr lang="pl-PL" altLang="en-US">
+              <a:ln w="22225">
                 <a:solidFill>
-                  <a:schemeClr val="bg1"/>
+                  <a:schemeClr val="accent2"/>
                 </a:solidFill>
-              </a:rPr>
-              <a:t>gesek</a:t>
-            </a:r>
-            <a:r>
-              <a:rPr lang="en-US" altLang="en-US" sz="2200" dirty="0">
-                <a:solidFill>
-                  <a:schemeClr val="bg1"/>
-                </a:solidFill>
-              </a:rPr>
-              <a:t>"</a:t>
-            </a:r>
-            <a:endParaRPr lang="en-US" altLang="en-US" sz="2200" dirty="0">
+                <a:prstDash val="solid"/>
+              </a:ln>
               <a:solidFill>
-                <a:schemeClr val="bg1"/>
+                <a:schemeClr val="accent2">
+                  <a:lumMod val="40000"/>
+                  <a:lumOff val="60000"/>
+                </a:schemeClr>
               </a:solidFill>
-            </a:endParaRPr>
-          </a:p>
-          <a:p>
-            <a:pPr marL="0" indent="0">
-              <a:buNone/>
-            </a:pPr>
-            <a:r>
-              <a:rPr lang="en-US" altLang="en-US" sz="2200" dirty="0">
-                <a:solidFill>
-                  <a:schemeClr val="bg1"/>
-                </a:solidFill>
-              </a:rPr>
-              <a:t>Output:  1</a:t>
-            </a:r>
-            <a:endParaRPr lang="en-US" altLang="en-US" sz="2200" dirty="0">
-              <a:solidFill>
-                <a:schemeClr val="bg1"/>
-              </a:solidFill>
-            </a:endParaRPr>
-          </a:p>
-          <a:p>
-            <a:pPr marL="0" indent="0">
-              <a:buNone/>
-            </a:pPr>
-            <a:r>
-              <a:rPr lang="pl-PL" altLang="en-US" sz="2200" dirty="0">
-                <a:solidFill>
-                  <a:schemeClr val="bg1"/>
-                </a:solidFill>
-              </a:rPr>
-              <a:t>Możemy przekształcić </a:t>
-            </a:r>
-            <a:r>
-              <a:rPr lang="en-US" altLang="en-US" sz="2200" dirty="0">
-                <a:solidFill>
-                  <a:schemeClr val="bg1"/>
-                </a:solidFill>
-              </a:rPr>
-              <a:t>str1 </a:t>
-            </a:r>
-            <a:r>
-              <a:rPr lang="pl-PL" altLang="en-US" sz="2200" dirty="0">
-                <a:solidFill>
-                  <a:schemeClr val="bg1"/>
-                </a:solidFill>
-              </a:rPr>
-              <a:t>w</a:t>
-            </a:r>
-            <a:r>
-              <a:rPr lang="en-US" altLang="en-US" sz="2200" dirty="0">
-                <a:solidFill>
-                  <a:schemeClr val="bg1"/>
-                </a:solidFill>
-              </a:rPr>
-              <a:t> str2 </a:t>
-            </a:r>
-            <a:r>
-              <a:rPr lang="pl-PL" altLang="en-US" sz="2200" dirty="0">
-                <a:solidFill>
-                  <a:schemeClr val="bg1"/>
-                </a:solidFill>
-              </a:rPr>
-              <a:t>poprzez operację Wstaw</a:t>
-            </a:r>
-            <a:r>
-              <a:rPr lang="en-US" altLang="en-US" sz="2200" dirty="0">
-                <a:solidFill>
-                  <a:schemeClr val="bg1"/>
-                </a:solidFill>
-              </a:rPr>
-              <a:t> 's'.</a:t>
-            </a:r>
-            <a:endParaRPr lang="en-US" altLang="en-US" sz="2200" dirty="0">
-              <a:solidFill>
-                <a:schemeClr val="bg1"/>
-              </a:solidFill>
-            </a:endParaRPr>
-          </a:p>
-          <a:p>
-            <a:pPr marL="0" indent="0">
-              <a:buNone/>
-            </a:pPr>
-            <a:endParaRPr lang="en-US" altLang="en-US" sz="2200" dirty="0">
-              <a:solidFill>
-                <a:schemeClr val="bg1"/>
-              </a:solidFill>
-            </a:endParaRPr>
-          </a:p>
-          <a:p>
-            <a:pPr marL="0" indent="0">
-              <a:buNone/>
-            </a:pPr>
-            <a:r>
-              <a:rPr lang="en-US" altLang="en-US" sz="2200" dirty="0">
-                <a:solidFill>
-                  <a:schemeClr val="bg1"/>
-                </a:solidFill>
-              </a:rPr>
-              <a:t>Input:   str1 = "cat", str2 = "cut"</a:t>
-            </a:r>
-            <a:endParaRPr lang="en-US" altLang="en-US" sz="2200" dirty="0">
-              <a:solidFill>
-                <a:schemeClr val="bg1"/>
-              </a:solidFill>
-            </a:endParaRPr>
-          </a:p>
-          <a:p>
-            <a:pPr marL="0" indent="0">
-              <a:buNone/>
-            </a:pPr>
-            <a:r>
-              <a:rPr lang="en-US" altLang="en-US" sz="2200" dirty="0">
-                <a:solidFill>
-                  <a:schemeClr val="bg1"/>
-                </a:solidFill>
-              </a:rPr>
-              <a:t>Output:  1</a:t>
-            </a:r>
-            <a:endParaRPr lang="en-US" altLang="en-US" sz="2200" dirty="0">
-              <a:solidFill>
-                <a:schemeClr val="bg1"/>
-              </a:solidFill>
-            </a:endParaRPr>
-          </a:p>
-          <a:p>
-            <a:pPr marL="0" indent="0">
-              <a:buNone/>
-            </a:pPr>
-            <a:r>
-              <a:rPr lang="pl-PL" altLang="en-US" sz="2200" dirty="0">
-                <a:solidFill>
-                  <a:schemeClr val="bg1"/>
-                </a:solidFill>
-              </a:rPr>
-              <a:t>Możemy przekształcić </a:t>
-            </a:r>
-            <a:r>
-              <a:rPr lang="en-US" altLang="en-US" sz="2200" dirty="0">
-                <a:solidFill>
-                  <a:schemeClr val="bg1"/>
-                </a:solidFill>
-              </a:rPr>
-              <a:t>str1 </a:t>
-            </a:r>
-            <a:r>
-              <a:rPr lang="pl-PL" altLang="en-US" sz="2200" dirty="0">
-                <a:solidFill>
-                  <a:schemeClr val="bg1"/>
-                </a:solidFill>
-              </a:rPr>
-              <a:t>w</a:t>
-            </a:r>
-            <a:r>
-              <a:rPr lang="en-US" altLang="en-US" sz="2200" dirty="0">
-                <a:solidFill>
-                  <a:schemeClr val="bg1"/>
-                </a:solidFill>
-              </a:rPr>
-              <a:t> str2 </a:t>
-            </a:r>
-            <a:r>
-              <a:rPr lang="pl-PL" altLang="en-US" sz="2200" dirty="0">
-                <a:solidFill>
-                  <a:schemeClr val="bg1"/>
-                </a:solidFill>
-              </a:rPr>
-              <a:t>poprzez operację </a:t>
-            </a:r>
-            <a:r>
-              <a:rPr lang="pl-PL" altLang="en-US" sz="2200" dirty="0" err="1">
-                <a:solidFill>
-                  <a:schemeClr val="bg1"/>
-                </a:solidFill>
-              </a:rPr>
-              <a:t>Zamien</a:t>
-            </a:r>
-            <a:r>
-              <a:rPr lang="pl-PL" altLang="en-US" sz="2200" dirty="0">
-                <a:solidFill>
-                  <a:schemeClr val="bg1"/>
-                </a:solidFill>
-              </a:rPr>
-              <a:t> </a:t>
-            </a:r>
-            <a:r>
-              <a:rPr lang="en-US" altLang="en-US" sz="2200" dirty="0">
-                <a:solidFill>
-                  <a:schemeClr val="bg1"/>
-                </a:solidFill>
-              </a:rPr>
-              <a:t>'a' </a:t>
-            </a:r>
-            <a:r>
-              <a:rPr lang="pl-PL" altLang="en-US" sz="2200" dirty="0">
-                <a:solidFill>
-                  <a:schemeClr val="bg1"/>
-                </a:solidFill>
-              </a:rPr>
-              <a:t>z</a:t>
-            </a:r>
-            <a:r>
-              <a:rPr lang="en-US" altLang="en-US" sz="2200" dirty="0">
-                <a:solidFill>
-                  <a:schemeClr val="bg1"/>
-                </a:solidFill>
-              </a:rPr>
-              <a:t> 'u'.</a:t>
-            </a:r>
-            <a:endParaRPr lang="en-US" altLang="en-US" sz="2200" dirty="0">
-              <a:solidFill>
-                <a:schemeClr val="bg1"/>
-              </a:solidFill>
-            </a:endParaRPr>
-          </a:p>
-          <a:p>
-            <a:pPr marL="0" indent="0">
-              <a:buNone/>
-            </a:pPr>
-            <a:endParaRPr lang="en-US" altLang="en-US" sz="2200" dirty="0">
-              <a:solidFill>
-                <a:schemeClr val="bg1"/>
-              </a:solidFill>
-            </a:endParaRPr>
-          </a:p>
-          <a:p>
-            <a:pPr marL="0" indent="0">
-              <a:buNone/>
-            </a:pPr>
-            <a:r>
-              <a:rPr lang="en-US" altLang="en-US" sz="2200" dirty="0">
-                <a:solidFill>
-                  <a:schemeClr val="bg1"/>
-                </a:solidFill>
-              </a:rPr>
-              <a:t>Input:   str1 = "</a:t>
-            </a:r>
-            <a:r>
-              <a:rPr lang="en-US" altLang="en-US" sz="2200" dirty="0" err="1">
-                <a:solidFill>
-                  <a:schemeClr val="bg1"/>
-                </a:solidFill>
-              </a:rPr>
-              <a:t>sunday</a:t>
-            </a:r>
-            <a:r>
-              <a:rPr lang="en-US" altLang="en-US" sz="2200" dirty="0">
-                <a:solidFill>
-                  <a:schemeClr val="bg1"/>
-                </a:solidFill>
-              </a:rPr>
-              <a:t>", str2 = "</a:t>
-            </a:r>
-            <a:r>
-              <a:rPr lang="en-US" altLang="en-US" sz="2200" dirty="0" err="1">
-                <a:solidFill>
-                  <a:schemeClr val="bg1"/>
-                </a:solidFill>
-              </a:rPr>
-              <a:t>saturday</a:t>
-            </a:r>
-            <a:r>
-              <a:rPr lang="en-US" altLang="en-US" sz="2200" dirty="0">
-                <a:solidFill>
-                  <a:schemeClr val="bg1"/>
-                </a:solidFill>
-              </a:rPr>
-              <a:t>"</a:t>
-            </a:r>
-            <a:endParaRPr lang="en-US" altLang="en-US" sz="2200" dirty="0">
-              <a:solidFill>
-                <a:schemeClr val="bg1"/>
-              </a:solidFill>
-            </a:endParaRPr>
-          </a:p>
-          <a:p>
-            <a:pPr marL="0" indent="0">
-              <a:buNone/>
-            </a:pPr>
-            <a:r>
-              <a:rPr lang="en-US" altLang="en-US" sz="2200" dirty="0">
-                <a:solidFill>
-                  <a:schemeClr val="bg1"/>
-                </a:solidFill>
-              </a:rPr>
-              <a:t>Output:  3</a:t>
-            </a:r>
-            <a:endParaRPr lang="en-US" altLang="en-US" sz="2200" dirty="0">
-              <a:solidFill>
-                <a:schemeClr val="bg1"/>
-              </a:solidFill>
-            </a:endParaRPr>
-          </a:p>
-          <a:p>
-            <a:pPr marL="0" indent="0">
-              <a:buNone/>
-            </a:pPr>
-            <a:r>
-              <a:rPr lang="pl-PL" altLang="en-US" sz="2200" dirty="0">
-                <a:solidFill>
-                  <a:schemeClr val="bg1"/>
-                </a:solidFill>
-              </a:rPr>
-              <a:t>Pierwsza i trzy ostatnie litery są takie same. Potrzebujemy przekształcić</a:t>
-            </a:r>
-            <a:r>
-              <a:rPr lang="en-US" altLang="en-US" sz="2200" dirty="0">
-                <a:solidFill>
-                  <a:schemeClr val="bg1"/>
-                </a:solidFill>
-              </a:rPr>
-              <a:t> "un" </a:t>
-            </a:r>
-            <a:r>
-              <a:rPr lang="pl-PL" altLang="en-US" sz="2200" dirty="0">
-                <a:solidFill>
-                  <a:schemeClr val="bg1"/>
-                </a:solidFill>
-              </a:rPr>
-              <a:t>w</a:t>
-            </a:r>
-            <a:r>
-              <a:rPr lang="en-US" altLang="en-US" sz="2200" dirty="0">
-                <a:solidFill>
-                  <a:schemeClr val="bg1"/>
-                </a:solidFill>
-              </a:rPr>
-              <a:t> "</a:t>
-            </a:r>
-            <a:r>
-              <a:rPr lang="en-US" altLang="en-US" sz="2200" dirty="0" err="1">
-                <a:solidFill>
-                  <a:schemeClr val="bg1"/>
-                </a:solidFill>
-              </a:rPr>
-              <a:t>atur</a:t>
-            </a:r>
-            <a:r>
-              <a:rPr lang="en-US" altLang="en-US" sz="2200" dirty="0">
-                <a:solidFill>
-                  <a:schemeClr val="bg1"/>
-                </a:solidFill>
-              </a:rPr>
-              <a:t>".  </a:t>
-            </a:r>
-            <a:r>
-              <a:rPr lang="pl-PL" altLang="en-US" sz="2200" dirty="0">
-                <a:solidFill>
-                  <a:schemeClr val="bg1"/>
-                </a:solidFill>
-              </a:rPr>
-              <a:t>To można zrealizować za </a:t>
-            </a:r>
-            <a:r>
-              <a:rPr lang="pl-PL" altLang="en-US" sz="2200" dirty="0" err="1">
-                <a:solidFill>
-                  <a:schemeClr val="bg1"/>
-                </a:solidFill>
-              </a:rPr>
-              <a:t>pomoć</a:t>
-            </a:r>
-            <a:r>
-              <a:rPr lang="pl-PL" altLang="en-US" sz="2200" dirty="0">
-                <a:solidFill>
-                  <a:schemeClr val="bg1"/>
-                </a:solidFill>
-              </a:rPr>
-              <a:t> trzech operacji:</a:t>
-            </a:r>
-            <a:endParaRPr lang="en-US" altLang="en-US" sz="2200" dirty="0">
-              <a:solidFill>
-                <a:schemeClr val="bg1"/>
-              </a:solidFill>
-            </a:endParaRPr>
-          </a:p>
-          <a:p>
-            <a:pPr marL="0" indent="0">
-              <a:buNone/>
-            </a:pPr>
-            <a:r>
-              <a:rPr lang="pl-PL" altLang="en-US" sz="2200" dirty="0" err="1">
-                <a:solidFill>
-                  <a:schemeClr val="bg1"/>
-                </a:solidFill>
-              </a:rPr>
-              <a:t>Zamien</a:t>
-            </a:r>
-            <a:r>
-              <a:rPr lang="en-US" altLang="en-US" sz="2200" dirty="0">
-                <a:solidFill>
-                  <a:schemeClr val="bg1"/>
-                </a:solidFill>
-              </a:rPr>
-              <a:t> 'n' </a:t>
-            </a:r>
-            <a:r>
-              <a:rPr lang="pl-PL" altLang="en-US" sz="2200" dirty="0">
-                <a:solidFill>
-                  <a:schemeClr val="bg1"/>
-                </a:solidFill>
-              </a:rPr>
-              <a:t>z</a:t>
-            </a:r>
-            <a:r>
-              <a:rPr lang="en-US" altLang="en-US" sz="2200" dirty="0">
-                <a:solidFill>
-                  <a:schemeClr val="bg1"/>
-                </a:solidFill>
-              </a:rPr>
-              <a:t> 'r', </a:t>
-            </a:r>
-            <a:r>
-              <a:rPr lang="pl-PL" altLang="en-US" sz="2200" dirty="0">
-                <a:solidFill>
-                  <a:schemeClr val="bg1"/>
-                </a:solidFill>
-              </a:rPr>
-              <a:t>Wstaw</a:t>
-            </a:r>
-            <a:r>
-              <a:rPr lang="en-US" altLang="en-US" sz="2200" dirty="0">
-                <a:solidFill>
-                  <a:schemeClr val="bg1"/>
-                </a:solidFill>
-              </a:rPr>
-              <a:t> t, </a:t>
-            </a:r>
-            <a:r>
-              <a:rPr lang="pl-PL" altLang="en-US" sz="2200" dirty="0">
-                <a:solidFill>
-                  <a:schemeClr val="bg1"/>
-                </a:solidFill>
-              </a:rPr>
-              <a:t>Wstaw</a:t>
-            </a:r>
-            <a:r>
-              <a:rPr lang="en-US" altLang="en-US" sz="2200" dirty="0">
-                <a:solidFill>
-                  <a:schemeClr val="bg1"/>
-                </a:solidFill>
-              </a:rPr>
-              <a:t> a</a:t>
-            </a:r>
-            <a:endParaRPr lang="pl-PL" altLang="en-US" sz="2200" dirty="0">
-              <a:solidFill>
-                <a:schemeClr val="bg1"/>
-              </a:solidFill>
+              <a:effectLst/>
             </a:endParaRPr>
           </a:p>
         </p:txBody>
@@ -13702,38 +13689,193 @@
           <a:lstStyle/>
           <a:p>
             <a:r>
-              <a:rPr lang="pl-PL" altLang="en-US">
-                <a:ln w="22225">
-                  <a:solidFill>
-                    <a:schemeClr val="accent2"/>
-                  </a:solidFill>
-                  <a:prstDash val="solid"/>
-                </a:ln>
-                <a:solidFill>
-                  <a:schemeClr val="accent2">
-                    <a:lumMod val="40000"/>
-                    <a:lumOff val="60000"/>
-                  </a:schemeClr>
-                </a:solidFill>
-                <a:effectLst/>
-              </a:rPr>
-              <a:t>WYSZUKIWANIE Z WARTOWNIKIEM</a:t>
-            </a:r>
-            <a:endParaRPr lang="pl-PL" altLang="en-US">
-              <a:ln w="22225">
-                <a:solidFill>
-                  <a:schemeClr val="accent2"/>
-                </a:solidFill>
-                <a:prstDash val="solid"/>
-              </a:ln>
-              <a:solidFill>
-                <a:schemeClr val="accent2">
-                  <a:lumMod val="40000"/>
-                  <a:lumOff val="60000"/>
-                </a:schemeClr>
-              </a:solidFill>
-              <a:effectLst/>
-            </a:endParaRPr>
+              <a:rPr lang="pl-PL" altLang="en-US"/>
+              <a:t>Wyszukiwanie Zwykłe</a:t>
+            </a:r>
+            <a:endParaRPr lang="pl-PL" altLang="en-US"/>
+          </a:p>
+        </p:txBody>
+      </p:sp>
+      <p:sp>
+        <p:nvSpPr>
+          <p:cNvPr id="5" name="Content Placeholder 4"/>
+          <p:cNvSpPr>
+            <a:spLocks noGrp="1"/>
+          </p:cNvSpPr>
+          <p:nvPr>
+            <p:ph idx="1"/>
+          </p:nvPr>
+        </p:nvSpPr>
+        <p:spPr/>
+        <p:txBody>
+          <a:bodyPr/>
+          <a:lstStyle/>
+          <a:p>
+            <a:pPr marL="0" indent="0">
+              <a:buNone/>
+            </a:pPr>
+            <a:r>
+              <a:rPr lang="pl-PL" altLang="en-US" dirty="0" err="1"/>
+              <a:t>Zeby</a:t>
+            </a:r>
+            <a:r>
+              <a:rPr lang="pl-PL" altLang="en-US" dirty="0"/>
+              <a:t> </a:t>
+            </a:r>
+            <a:r>
+              <a:rPr lang="pl-PL" altLang="en-US" dirty="0" err="1"/>
+              <a:t>znaleść</a:t>
+            </a:r>
+            <a:r>
+              <a:rPr lang="pl-PL" altLang="en-US" dirty="0"/>
+              <a:t> szukany element w tablicy, </a:t>
+            </a:r>
+            <a:r>
+              <a:rPr lang="pl-PL" altLang="en-US" dirty="0" err="1"/>
+              <a:t>napisalibyśby</a:t>
+            </a:r>
+            <a:r>
+              <a:rPr lang="pl-PL" altLang="en-US" dirty="0"/>
+              <a:t> zapewne taki algorytm:</a:t>
+            </a:r>
+            <a:br>
+              <a:rPr lang="pl-PL" altLang="en-US" dirty="0"/>
+            </a:br>
+            <a:br>
+              <a:rPr lang="pl-PL" altLang="en-US" dirty="0"/>
+            </a:br>
+            <a:r>
+              <a:rPr lang="pl-PL" altLang="en-US" dirty="0" err="1"/>
+              <a:t>int</a:t>
+            </a:r>
+            <a:r>
+              <a:rPr lang="pl-PL" altLang="en-US" dirty="0"/>
+              <a:t> </a:t>
+            </a:r>
+            <a:r>
+              <a:rPr lang="pl-PL" altLang="en-US" dirty="0" err="1"/>
+              <a:t>getIndex</a:t>
+            </a:r>
+            <a:r>
+              <a:rPr lang="pl-PL" altLang="en-US" dirty="0"/>
+              <a:t>(</a:t>
+            </a:r>
+            <a:r>
+              <a:rPr lang="pl-PL" altLang="en-US" dirty="0" err="1"/>
+              <a:t>int</a:t>
+            </a:r>
+            <a:r>
+              <a:rPr lang="pl-PL" altLang="en-US" dirty="0"/>
+              <a:t> </a:t>
+            </a:r>
+            <a:r>
+              <a:rPr lang="pl-PL" altLang="en-US" dirty="0" err="1"/>
+              <a:t>szukanyEl</a:t>
+            </a:r>
+            <a:r>
+              <a:rPr lang="pl-PL" altLang="en-US" dirty="0"/>
+              <a:t>){</a:t>
+            </a:r>
+            <a:endParaRPr lang="pl-PL" altLang="en-US" dirty="0"/>
+          </a:p>
+          <a:p>
+            <a:pPr marL="0" indent="0">
+              <a:buNone/>
+            </a:pPr>
+            <a:endParaRPr lang="pl-PL" altLang="en-US" dirty="0"/>
+          </a:p>
+          <a:p>
+            <a:pPr marL="914400" lvl="2" indent="0">
+              <a:buNone/>
+            </a:pPr>
+            <a:r>
+              <a:rPr lang="pl-PL" altLang="en-US" dirty="0"/>
+              <a:t>for(</a:t>
+            </a:r>
+            <a:r>
+              <a:rPr lang="pl-PL" altLang="en-US" dirty="0" err="1"/>
+              <a:t>int</a:t>
+            </a:r>
+            <a:r>
+              <a:rPr lang="pl-PL" altLang="en-US" dirty="0"/>
+              <a:t> i = 0; i &lt; </a:t>
+            </a:r>
+            <a:r>
+              <a:rPr lang="pl-PL" altLang="en-US" dirty="0" err="1"/>
+              <a:t>tab.size</a:t>
+            </a:r>
+            <a:r>
+              <a:rPr lang="pl-PL" altLang="en-US" dirty="0"/>
+              <a:t>(); i++)</a:t>
+            </a:r>
+            <a:endParaRPr lang="pl-PL" altLang="en-US" dirty="0"/>
+          </a:p>
+          <a:p>
+            <a:pPr marL="1371600" lvl="3" indent="0">
+              <a:buNone/>
+            </a:pPr>
+            <a:r>
+              <a:rPr lang="pl-PL" altLang="en-US" sz="2000" dirty="0"/>
+              <a:t>	</a:t>
+            </a:r>
+            <a:r>
+              <a:rPr lang="pl-PL" altLang="en-US" sz="2000" dirty="0" err="1"/>
+              <a:t>if</a:t>
+            </a:r>
+            <a:r>
+              <a:rPr lang="pl-PL" altLang="en-US" sz="2000" dirty="0"/>
+              <a:t>( </a:t>
+            </a:r>
+            <a:r>
+              <a:rPr lang="pl-PL" altLang="en-US" sz="2000" dirty="0" err="1"/>
+              <a:t>tab</a:t>
+            </a:r>
+            <a:r>
+              <a:rPr lang="pl-PL" altLang="en-US" sz="2000" dirty="0"/>
+              <a:t>[i] == </a:t>
+            </a:r>
+            <a:r>
+              <a:rPr lang="pl-PL" altLang="en-US" sz="2000" dirty="0" err="1"/>
+              <a:t>szukanyEl</a:t>
+            </a:r>
+            <a:r>
+              <a:rPr lang="pl-PL" altLang="en-US" sz="2000" dirty="0"/>
+              <a:t>)</a:t>
+            </a:r>
+            <a:endParaRPr lang="pl-PL" altLang="en-US" sz="2000" dirty="0"/>
+          </a:p>
+          <a:p>
+            <a:pPr marL="1371600" lvl="3" indent="0">
+              <a:buNone/>
+            </a:pPr>
+            <a:r>
+              <a:rPr lang="pl-PL" altLang="en-US" sz="2000" dirty="0"/>
+              <a:t>		return i;</a:t>
+            </a:r>
+            <a:endParaRPr lang="pl-PL" altLang="en-US" sz="2000" dirty="0"/>
+          </a:p>
+          <a:p>
+            <a:endParaRPr lang="pl-PL" altLang="en-US" dirty="0"/>
+          </a:p>
+          <a:p>
+            <a:pPr marL="914400" lvl="2" indent="0">
+              <a:buNone/>
+            </a:pPr>
+            <a:r>
+              <a:rPr lang="pl-PL" altLang="en-US" dirty="0"/>
+              <a:t>return -1;</a:t>
+            </a:r>
+            <a:endParaRPr lang="pl-PL" altLang="en-US" dirty="0"/>
+          </a:p>
+          <a:p>
+            <a:pPr marL="0" indent="0">
+              <a:buNone/>
+            </a:pPr>
+            <a:r>
+              <a:rPr lang="pl-PL" altLang="en-US" dirty="0"/>
+              <a:t>}</a:t>
+            </a:r>
+            <a:endParaRPr lang="pl-PL" altLang="en-US" dirty="0"/>
           </a:p>
         </p:txBody>
       </p:sp>
@@ -13764,7 +13906,7 @@
       </p:grpSpPr>
       <p:sp>
         <p:nvSpPr>
-          <p:cNvPr id="4" name="Title 3"/>
+          <p:cNvPr id="2" name="Title 1"/>
           <p:cNvSpPr>
             <a:spLocks noGrp="1"/>
           </p:cNvSpPr>
@@ -13779,7 +13921,7 @@
           <a:p>
             <a:r>
               <a:rPr lang="pl-PL" altLang="en-US"/>
-              <a:t>Wyszukiwanie Zwykłe</a:t>
+              <a:t>Analiza</a:t>
             </a:r>
             <a:endParaRPr lang="pl-PL" altLang="en-US"/>
           </a:p>
@@ -13787,7 +13929,7 @@
       </p:sp>
       <p:sp>
         <p:nvSpPr>
-          <p:cNvPr id="5" name="Content Placeholder 4"/>
+          <p:cNvPr id="3" name="Content Placeholder 2"/>
           <p:cNvSpPr>
             <a:spLocks noGrp="1"/>
           </p:cNvSpPr>
@@ -13804,28 +13946,8 @@
               <a:buNone/>
             </a:pPr>
             <a:r>
-              <a:rPr lang="pl-PL" altLang="en-US" dirty="0" err="1"/>
-              <a:t>Zeby</a:t>
-            </a:r>
-            <a:r>
               <a:rPr lang="pl-PL" altLang="en-US" dirty="0"/>
-              <a:t> </a:t>
-            </a:r>
-            <a:r>
-              <a:rPr lang="pl-PL" altLang="en-US" dirty="0" err="1"/>
-              <a:t>znaleść</a:t>
-            </a:r>
-            <a:r>
-              <a:rPr lang="pl-PL" altLang="en-US" dirty="0"/>
-              <a:t> szukany element w tablicy, </a:t>
-            </a:r>
-            <a:r>
-              <a:rPr lang="pl-PL" altLang="en-US" dirty="0" err="1"/>
-              <a:t>napisalibyśby</a:t>
-            </a:r>
-            <a:r>
-              <a:rPr lang="pl-PL" altLang="en-US" dirty="0"/>
-              <a:t> zapewne taki algorytm:</a:t>
+              <a:t>Po przeanalizowaniu kodu widać, że z każdym elementem w pętli for wykonujemy dwa warunki sprawdzające:</a:t>
             </a:r>
             <a:br>
               <a:rPr lang="pl-PL" altLang="en-US" dirty="0"/>
@@ -13834,36 +13956,12 @@
               <a:rPr lang="pl-PL" altLang="en-US" dirty="0"/>
             </a:br>
             <a:r>
+              <a:rPr lang="pl-PL" altLang="en-US" dirty="0"/>
+              <a:t>1) Czy nie wyszliśmy poza </a:t>
+            </a:r>
+            <a:r>
               <a:rPr lang="pl-PL" altLang="en-US" dirty="0" err="1"/>
-              <a:t>int</a:t>
-            </a:r>
-            <a:r>
-              <a:rPr lang="pl-PL" altLang="en-US" dirty="0"/>
-              <a:t> </a:t>
-            </a:r>
-            <a:r>
-              <a:rPr lang="pl-PL" altLang="en-US" dirty="0" err="1"/>
-              <a:t>getIndex</a:t>
-            </a:r>
-            <a:r>
-              <a:rPr lang="pl-PL" altLang="en-US" dirty="0"/>
-              <a:t>(</a:t>
-            </a:r>
-            <a:r>
-              <a:rPr lang="pl-PL" altLang="en-US" dirty="0" err="1"/>
-              <a:t>int</a:t>
-            </a:r>
-            <a:r>
-              <a:rPr lang="pl-PL" altLang="en-US" dirty="0"/>
-              <a:t> </a:t>
-            </a:r>
-            <a:r>
-              <a:rPr lang="pl-PL" altLang="en-US" dirty="0" err="1"/>
-              <a:t>szukanyEl</a:t>
-            </a:r>
-            <a:r>
-              <a:rPr lang="pl-PL" altLang="en-US" dirty="0"/>
-              <a:t>){</a:t>
+              <a:t>talicę</a:t>
             </a:r>
             <a:endParaRPr lang="pl-PL" altLang="en-US" dirty="0"/>
           </a:p>
@@ -13871,98 +13969,9 @@
             <a:pPr marL="0" indent="0">
               <a:buNone/>
             </a:pPr>
-            <a:endParaRPr lang="pl-PL" altLang="en-US" dirty="0"/>
-          </a:p>
-          <a:p>
-            <a:pPr marL="914400" lvl="2" indent="0">
-              <a:buNone/>
-            </a:pPr>
             <a:r>
               <a:rPr lang="pl-PL" altLang="en-US" dirty="0"/>
-              <a:t>for(</a:t>
-            </a:r>
-            <a:r>
-              <a:rPr lang="pl-PL" altLang="en-US" dirty="0" err="1"/>
-              <a:t>int</a:t>
-            </a:r>
-            <a:r>
-              <a:rPr lang="pl-PL" altLang="en-US" dirty="0"/>
-              <a:t> i = 0; i &lt; </a:t>
-            </a:r>
-            <a:r>
-              <a:rPr lang="pl-PL" altLang="en-US" dirty="0" err="1"/>
-              <a:t>tab.size</a:t>
-            </a:r>
-            <a:r>
-              <a:rPr lang="pl-PL" altLang="en-US" dirty="0"/>
-              <a:t>(); i++)</a:t>
-            </a:r>
-            <a:endParaRPr lang="pl-PL" altLang="en-US" dirty="0"/>
-          </a:p>
-          <a:p>
-            <a:pPr marL="1371600" lvl="3" indent="0">
-              <a:buNone/>
-            </a:pPr>
-            <a:r>
-              <a:rPr lang="pl-PL" altLang="en-US" sz="2000" dirty="0"/>
-              <a:t>	</a:t>
-            </a:r>
-            <a:r>
-              <a:rPr lang="pl-PL" altLang="en-US" sz="2000" dirty="0" err="1"/>
-              <a:t>if</a:t>
-            </a:r>
-            <a:r>
-              <a:rPr lang="pl-PL" altLang="en-US" sz="2000" dirty="0"/>
-              <a:t>( </a:t>
-            </a:r>
-            <a:r>
-              <a:rPr lang="pl-PL" altLang="en-US" sz="2000" dirty="0" err="1"/>
-              <a:t>tab</a:t>
-            </a:r>
-            <a:r>
-              <a:rPr lang="pl-PL" altLang="en-US" sz="2000" dirty="0"/>
-              <a:t>[i] == </a:t>
-            </a:r>
-            <a:r>
-              <a:rPr lang="pl-PL" altLang="en-US" sz="2000" dirty="0" err="1"/>
-              <a:t>szukanyEl</a:t>
-            </a:r>
-            <a:r>
-              <a:rPr lang="pl-PL" altLang="en-US" sz="2000" dirty="0"/>
-              <a:t>)</a:t>
-            </a:r>
-            <a:endParaRPr lang="pl-PL" altLang="en-US" sz="2000" dirty="0"/>
-          </a:p>
-          <a:p>
-            <a:pPr marL="1371600" lvl="3" indent="0">
-              <a:buNone/>
-            </a:pPr>
-            <a:r>
-              <a:rPr lang="pl-PL" altLang="en-US" sz="2000" dirty="0"/>
-              <a:t>		return i;</a:t>
-            </a:r>
-            <a:endParaRPr lang="pl-PL" altLang="en-US" sz="2000" dirty="0"/>
-          </a:p>
-          <a:p>
-            <a:endParaRPr lang="pl-PL" altLang="en-US" dirty="0"/>
-          </a:p>
-          <a:p>
-            <a:pPr marL="914400" lvl="2" indent="0">
-              <a:buNone/>
-            </a:pPr>
-            <a:r>
-              <a:rPr lang="pl-PL" altLang="en-US" dirty="0"/>
-              <a:t>return -1;</a:t>
-            </a:r>
-            <a:endParaRPr lang="pl-PL" altLang="en-US" dirty="0"/>
-          </a:p>
-          <a:p>
-            <a:pPr marL="0" indent="0">
-              <a:buNone/>
-            </a:pPr>
-            <a:r>
-              <a:rPr lang="pl-PL" altLang="en-US" dirty="0"/>
-              <a:t>}</a:t>
+              <a:t>2) Czy sprawdzany element jest równy szukanemu</a:t>
             </a:r>
             <a:endParaRPr lang="pl-PL" altLang="en-US" dirty="0"/>
           </a:p>
@@ -14010,7 +14019,7 @@
           <a:p>
             <a:r>
               <a:rPr lang="pl-PL" altLang="en-US"/>
-              <a:t>Analiza</a:t>
+              <a:t>Wyszukiwanie  z wartownikiem</a:t>
             </a:r>
             <a:endParaRPr lang="pl-PL" altLang="en-US"/>
           </a:p>
@@ -14036,21 +14045,14 @@
             </a:pPr>
             <a:r>
               <a:rPr lang="pl-PL" altLang="en-US" dirty="0"/>
-              <a:t>Po przeanalizowaniu kodu widać, że z każdym elementem w pętli for wykonujemy dwa warunki sprawdzające:</a:t>
+              <a:t>Jeśli powiększymy naszą przeszukiwaną tablicę o 1.</a:t>
             </a:r>
             <a:br>
               <a:rPr lang="pl-PL" altLang="en-US" dirty="0"/>
             </a:br>
-            <a:br>
+            <a:r>
               <a:rPr lang="pl-PL" altLang="en-US" dirty="0"/>
-            </a:br>
-            <a:r>
-              <a:rPr lang="pl-PL" altLang="en-US" dirty="0"/>
-              <a:t>1) Czy nie wyszliśmy poza </a:t>
-            </a:r>
-            <a:r>
-              <a:rPr lang="pl-PL" altLang="en-US" dirty="0" err="1"/>
-              <a:t>talicę</a:t>
+              <a:t>Na jej dodatkowym elemencie wstawiając szukaną wartość. </a:t>
             </a:r>
             <a:endParaRPr lang="pl-PL" altLang="en-US" dirty="0"/>
           </a:p>
@@ -14058,9 +14060,36 @@
             <a:pPr marL="0" indent="0">
               <a:buNone/>
             </a:pPr>
+            <a:endParaRPr lang="pl-PL" altLang="en-US" dirty="0"/>
+          </a:p>
+          <a:p>
+            <a:pPr marL="0" indent="0">
+              <a:buNone/>
+            </a:pPr>
             <a:r>
               <a:rPr lang="pl-PL" altLang="en-US" dirty="0"/>
-              <a:t>2) Czy sprawdzany element jest równy szukanemu</a:t>
+              <a:t>W rezultacie wykonujemy tylko 1 </a:t>
+            </a:r>
+            <a:r>
+              <a:rPr lang="pl-PL" altLang="en-US" dirty="0" err="1"/>
+              <a:t>ifa</a:t>
+            </a:r>
+            <a:r>
+              <a:rPr lang="pl-PL" altLang="en-US" dirty="0"/>
+              <a:t> sprawdzającego czy nasz obecny element jest równy szukanemu.</a:t>
+            </a:r>
+            <a:endParaRPr lang="pl-PL" altLang="en-US" dirty="0"/>
+          </a:p>
+          <a:p>
+            <a:endParaRPr lang="pl-PL" altLang="en-US" dirty="0"/>
+          </a:p>
+          <a:p>
+            <a:pPr marL="0" indent="0">
+              <a:buNone/>
+            </a:pPr>
+            <a:r>
+              <a:rPr lang="pl-PL" altLang="en-US" dirty="0"/>
+              <a:t>Jeśli element nie istnieje algorytm zwróci wartość ostatniego indeksu w tablicy.</a:t>
             </a:r>
             <a:endParaRPr lang="pl-PL" altLang="en-US" dirty="0"/>
           </a:p>
@@ -14107,10 +14136,12 @@
           <a:lstStyle/>
           <a:p>
             <a:r>
-              <a:rPr lang="pl-PL" altLang="en-US"/>
-              <a:t>Wyszukiwanie  z wartownikiem</a:t>
-            </a:r>
-            <a:endParaRPr lang="pl-PL" altLang="en-US"/>
+              <a:rPr lang="pl-PL" altLang="en-US">
+                <a:sym typeface="+mn-ea"/>
+              </a:rPr>
+              <a:t>Przykłady</a:t>
+            </a:r>
+            <a:endParaRPr lang="en-US"/>
           </a:p>
         </p:txBody>
       </p:sp>
@@ -14121,10 +14152,15 @@
             <a:spLocks noGrp="1"/>
           </p:cNvSpPr>
           <p:nvPr>
-            <p:ph idx="1"/>
+            <p:ph sz="half" idx="1"/>
           </p:nvPr>
         </p:nvSpPr>
-        <p:spPr/>
+        <p:spPr>
+          <a:xfrm>
+            <a:off x="288290" y="1207135"/>
+            <a:ext cx="10974705" cy="4953000"/>
+          </a:xfrm>
+        </p:spPr>
         <p:txBody>
           <a:bodyPr/>
           <a:lstStyle/>
@@ -14133,22 +14169,35 @@
               <a:buNone/>
             </a:pPr>
             <a:r>
-              <a:rPr lang="pl-PL" altLang="en-US" dirty="0"/>
-              <a:t>Jeśli powiększymy naszą przeszukiwaną tablicę o 1.</a:t>
-            </a:r>
-            <a:br>
-              <a:rPr lang="pl-PL" altLang="en-US" dirty="0"/>
-            </a:br>
-            <a:r>
-              <a:rPr lang="pl-PL" altLang="en-US" dirty="0"/>
-              <a:t>Na jej dodatkowym elemencie wstawiając szukaną wartość. </a:t>
-            </a:r>
+              <a:rPr lang="pl-PL" altLang="en-US" dirty="0">
+                <a:sym typeface="+mn-ea"/>
+              </a:rPr>
+              <a:t>Szukana wartość: 5</a:t>
+            </a:r>
+            <a:endParaRPr lang="pl-PL" altLang="en-US" dirty="0"/>
+          </a:p>
+          <a:p>
+            <a:endParaRPr lang="pl-PL" altLang="en-US" dirty="0"/>
+          </a:p>
+          <a:p>
             <a:endParaRPr lang="pl-PL" altLang="en-US" dirty="0"/>
           </a:p>
           <a:p>
             <a:pPr marL="0" indent="0">
               <a:buNone/>
             </a:pPr>
+            <a:r>
+              <a:rPr lang="pl-PL" altLang="en-US" dirty="0">
+                <a:sym typeface="+mn-ea"/>
+              </a:rPr>
+              <a:t>Po zastosowaniu algorytmu</a:t>
+            </a:r>
+            <a:endParaRPr lang="pl-PL" altLang="en-US" dirty="0"/>
+          </a:p>
+          <a:p>
+            <a:endParaRPr lang="pl-PL" altLang="en-US" dirty="0"/>
+          </a:p>
+          <a:p>
             <a:endParaRPr lang="pl-PL" altLang="en-US" dirty="0"/>
           </a:p>
           <a:p>
@@ -14156,34 +14205,671 @@
               <a:buNone/>
             </a:pPr>
             <a:r>
-              <a:rPr lang="pl-PL" altLang="en-US" dirty="0"/>
-              <a:t>W rezultacie wykonujemy tylko 1 </a:t>
-            </a:r>
-            <a:r>
-              <a:rPr lang="pl-PL" altLang="en-US" dirty="0" err="1"/>
-              <a:t>ifa</a:t>
-            </a:r>
-            <a:r>
-              <a:rPr lang="pl-PL" altLang="en-US" dirty="0"/>
-              <a:t> sprawdzającego czy nasz obecny element jest równy szukanemu.</a:t>
+              <a:rPr lang="pl-PL" altLang="en-US" dirty="0">
+                <a:sym typeface="+mn-ea"/>
+              </a:rPr>
+              <a:t>Wynik: 3</a:t>
             </a:r>
             <a:endParaRPr lang="pl-PL" altLang="en-US" dirty="0"/>
           </a:p>
           <a:p>
-            <a:endParaRPr lang="pl-PL" altLang="en-US" dirty="0"/>
-          </a:p>
-          <a:p>
-            <a:pPr marL="0" indent="0">
-              <a:buNone/>
-            </a:pPr>
-            <a:r>
-              <a:rPr lang="pl-PL" altLang="en-US" dirty="0"/>
-              <a:t>Jeśli element nie istnieje algorytm zwróci wartość ostatniego indeksu w tablicy.</a:t>
-            </a:r>
-            <a:endParaRPr lang="pl-PL" altLang="en-US" dirty="0"/>
+            <a:endParaRPr lang="en-US" dirty="0"/>
           </a:p>
         </p:txBody>
       </p:sp>
+      <p:graphicFrame>
+        <p:nvGraphicFramePr>
+          <p:cNvPr id="5" name="Content Placeholder 4"/>
+          <p:cNvGraphicFramePr>
+            <a:graphicFrameLocks noGrp="1"/>
+          </p:cNvGraphicFramePr>
+          <p:nvPr>
+            <p:ph sz="half" idx="2"/>
+          </p:nvPr>
+        </p:nvGraphicFramePr>
+        <p:xfrm>
+          <a:off x="1668780" y="2009775"/>
+          <a:ext cx="7343140" cy="762000"/>
+        </p:xfrm>
+        <a:graphic>
+          <a:graphicData uri="http://schemas.openxmlformats.org/drawingml/2006/table">
+            <a:tbl>
+              <a:tblPr firstRow="1" bandRow="1">
+                <a:tableStyleId>{5C22544A-7EE6-4342-B048-85BDC9FD1C3A}</a:tableStyleId>
+              </a:tblPr>
+              <a:tblGrid>
+                <a:gridCol w="1049020"/>
+                <a:gridCol w="1049020"/>
+                <a:gridCol w="1049020"/>
+                <a:gridCol w="1049020"/>
+                <a:gridCol w="1049020"/>
+                <a:gridCol w="1049020"/>
+                <a:gridCol w="1049020"/>
+              </a:tblGrid>
+              <a:tr h="381000">
+                <a:tc>
+                  <a:txBody>
+                    <a:bodyPr/>
+                    <a:lstStyle/>
+                    <a:p>
+                      <a:pPr>
+                        <a:buNone/>
+                      </a:pPr>
+                      <a:r>
+                        <a:rPr lang="pl-PL" altLang="en-US"/>
+                        <a:t>indeksy</a:t>
+                      </a:r>
+                      <a:endParaRPr lang="pl-PL" altLang="en-US"/>
+                    </a:p>
+                  </a:txBody>
+                  <a:tcPr/>
+                </a:tc>
+                <a:tc>
+                  <a:txBody>
+                    <a:bodyPr/>
+                    <a:lstStyle/>
+                    <a:p>
+                      <a:pPr>
+                        <a:buNone/>
+                      </a:pPr>
+                      <a:r>
+                        <a:rPr lang="pl-PL" altLang="en-US" dirty="0"/>
+                        <a:t>0</a:t>
+                      </a:r>
+                      <a:endParaRPr lang="pl-PL" altLang="en-US" dirty="0"/>
+                    </a:p>
+                  </a:txBody>
+                  <a:tcPr/>
+                </a:tc>
+                <a:tc>
+                  <a:txBody>
+                    <a:bodyPr/>
+                    <a:lstStyle/>
+                    <a:p>
+                      <a:pPr>
+                        <a:buNone/>
+                      </a:pPr>
+                      <a:r>
+                        <a:rPr lang="pl-PL" altLang="en-US"/>
+                        <a:t>1</a:t>
+                      </a:r>
+                      <a:endParaRPr lang="pl-PL" altLang="en-US"/>
+                    </a:p>
+                  </a:txBody>
+                  <a:tcPr/>
+                </a:tc>
+                <a:tc>
+                  <a:txBody>
+                    <a:bodyPr/>
+                    <a:lstStyle/>
+                    <a:p>
+                      <a:pPr>
+                        <a:buNone/>
+                      </a:pPr>
+                      <a:r>
+                        <a:rPr lang="pl-PL" altLang="en-US"/>
+                        <a:t>2</a:t>
+                      </a:r>
+                      <a:endParaRPr lang="pl-PL" altLang="en-US"/>
+                    </a:p>
+                  </a:txBody>
+                  <a:tcPr/>
+                </a:tc>
+                <a:tc>
+                  <a:txBody>
+                    <a:bodyPr/>
+                    <a:lstStyle/>
+                    <a:p>
+                      <a:pPr>
+                        <a:buNone/>
+                      </a:pPr>
+                      <a:r>
+                        <a:rPr lang="pl-PL" altLang="en-US"/>
+                        <a:t>3</a:t>
+                      </a:r>
+                      <a:endParaRPr lang="pl-PL" altLang="en-US"/>
+                    </a:p>
+                  </a:txBody>
+                  <a:tcPr>
+                    <a:gradFill>
+                      <a:gsLst>
+                        <a:gs pos="0">
+                          <a:srgbClr val="FBFB11"/>
+                        </a:gs>
+                        <a:gs pos="100000">
+                          <a:srgbClr val="838309"/>
+                        </a:gs>
+                      </a:gsLst>
+                      <a:lin ang="5400000" scaled="0"/>
+                    </a:gradFill>
+                  </a:tcPr>
+                </a:tc>
+                <a:tc>
+                  <a:txBody>
+                    <a:bodyPr/>
+                    <a:lstStyle/>
+                    <a:p>
+                      <a:pPr>
+                        <a:buNone/>
+                      </a:pPr>
+                      <a:r>
+                        <a:rPr lang="pl-PL" altLang="en-US"/>
+                        <a:t>4</a:t>
+                      </a:r>
+                      <a:endParaRPr lang="pl-PL" altLang="en-US"/>
+                    </a:p>
+                  </a:txBody>
+                  <a:tcPr/>
+                </a:tc>
+                <a:tc>
+                  <a:txBody>
+                    <a:bodyPr/>
+                    <a:lstStyle/>
+                    <a:p>
+                      <a:pPr>
+                        <a:buNone/>
+                      </a:pPr>
+                      <a:r>
+                        <a:rPr lang="pl-PL" altLang="en-US"/>
+                        <a:t>5</a:t>
+                      </a:r>
+                      <a:endParaRPr lang="pl-PL" altLang="en-US"/>
+                    </a:p>
+                  </a:txBody>
+                  <a:tcPr/>
+                </a:tc>
+              </a:tr>
+              <a:tr h="381000">
+                <a:tc>
+                  <a:txBody>
+                    <a:bodyPr/>
+                    <a:lstStyle/>
+                    <a:p>
+                      <a:pPr>
+                        <a:buNone/>
+                      </a:pPr>
+                      <a:r>
+                        <a:rPr lang="pl-PL" altLang="en-US"/>
+                        <a:t>wartości</a:t>
+                      </a:r>
+                      <a:endParaRPr lang="pl-PL" altLang="en-US"/>
+                    </a:p>
+                  </a:txBody>
+                  <a:tcPr/>
+                </a:tc>
+                <a:tc>
+                  <a:txBody>
+                    <a:bodyPr/>
+                    <a:lstStyle/>
+                    <a:p>
+                      <a:pPr>
+                        <a:buNone/>
+                      </a:pPr>
+                      <a:r>
+                        <a:rPr lang="pl-PL" altLang="en-US"/>
+                        <a:t>3</a:t>
+                      </a:r>
+                      <a:endParaRPr lang="pl-PL" altLang="en-US"/>
+                    </a:p>
+                  </a:txBody>
+                  <a:tcPr/>
+                </a:tc>
+                <a:tc>
+                  <a:txBody>
+                    <a:bodyPr/>
+                    <a:lstStyle/>
+                    <a:p>
+                      <a:pPr>
+                        <a:buNone/>
+                      </a:pPr>
+                      <a:r>
+                        <a:rPr lang="pl-PL" altLang="en-US"/>
+                        <a:t>1</a:t>
+                      </a:r>
+                      <a:endParaRPr lang="pl-PL" altLang="en-US"/>
+                    </a:p>
+                  </a:txBody>
+                  <a:tcPr/>
+                </a:tc>
+                <a:tc>
+                  <a:txBody>
+                    <a:bodyPr/>
+                    <a:lstStyle/>
+                    <a:p>
+                      <a:pPr>
+                        <a:buNone/>
+                      </a:pPr>
+                      <a:r>
+                        <a:rPr lang="pl-PL" altLang="en-US"/>
+                        <a:t>4</a:t>
+                      </a:r>
+                      <a:endParaRPr lang="pl-PL" altLang="en-US"/>
+                    </a:p>
+                  </a:txBody>
+                  <a:tcPr/>
+                </a:tc>
+                <a:tc>
+                  <a:txBody>
+                    <a:bodyPr/>
+                    <a:lstStyle/>
+                    <a:p>
+                      <a:pPr>
+                        <a:buNone/>
+                      </a:pPr>
+                      <a:r>
+                        <a:rPr lang="pl-PL" altLang="en-US"/>
+                        <a:t>5</a:t>
+                      </a:r>
+                      <a:endParaRPr lang="pl-PL" altLang="en-US"/>
+                    </a:p>
+                  </a:txBody>
+                  <a:tcPr>
+                    <a:gradFill>
+                      <a:gsLst>
+                        <a:gs pos="0">
+                          <a:srgbClr val="FBFB11"/>
+                        </a:gs>
+                        <a:gs pos="100000">
+                          <a:srgbClr val="838309"/>
+                        </a:gs>
+                      </a:gsLst>
+                      <a:lin ang="5400000" scaled="0"/>
+                    </a:gradFill>
+                  </a:tcPr>
+                </a:tc>
+                <a:tc>
+                  <a:txBody>
+                    <a:bodyPr/>
+                    <a:lstStyle/>
+                    <a:p>
+                      <a:pPr>
+                        <a:buNone/>
+                      </a:pPr>
+                      <a:r>
+                        <a:rPr lang="pl-PL" altLang="en-US"/>
+                        <a:t>2</a:t>
+                      </a:r>
+                      <a:endParaRPr lang="pl-PL" altLang="en-US"/>
+                    </a:p>
+                  </a:txBody>
+                  <a:tcPr/>
+                </a:tc>
+                <a:tc>
+                  <a:txBody>
+                    <a:bodyPr/>
+                    <a:lstStyle/>
+                    <a:p>
+                      <a:pPr>
+                        <a:buNone/>
+                      </a:pPr>
+                      <a:r>
+                        <a:rPr lang="pl-PL" altLang="en-US" dirty="0"/>
+                        <a:t>7</a:t>
+                      </a:r>
+                      <a:endParaRPr lang="pl-PL" altLang="en-US" dirty="0"/>
+                    </a:p>
+                  </a:txBody>
+                  <a:tcPr/>
+                </a:tc>
+              </a:tr>
+            </a:tbl>
+          </a:graphicData>
+        </a:graphic>
+      </p:graphicFrame>
+      <p:graphicFrame>
+        <p:nvGraphicFramePr>
+          <p:cNvPr id="6" name="Table 5"/>
+          <p:cNvGraphicFramePr/>
+          <p:nvPr/>
+        </p:nvGraphicFramePr>
+        <p:xfrm>
+          <a:off x="1668780" y="3883660"/>
+          <a:ext cx="9704705" cy="762000"/>
+        </p:xfrm>
+        <a:graphic>
+          <a:graphicData uri="http://schemas.openxmlformats.org/drawingml/2006/table">
+            <a:tbl>
+              <a:tblPr firstRow="1" bandRow="1">
+                <a:tableStyleId>{5C22544A-7EE6-4342-B048-85BDC9FD1C3A}</a:tableStyleId>
+              </a:tblPr>
+              <a:tblGrid>
+                <a:gridCol w="1212850"/>
+                <a:gridCol w="1213485"/>
+                <a:gridCol w="1212850"/>
+                <a:gridCol w="1213485"/>
+                <a:gridCol w="1212850"/>
+                <a:gridCol w="1212850"/>
+                <a:gridCol w="1213485"/>
+                <a:gridCol w="1212850"/>
+              </a:tblGrid>
+              <a:tr h="381000">
+                <a:tc>
+                  <a:txBody>
+                    <a:bodyPr/>
+                    <a:lstStyle/>
+                    <a:p>
+                      <a:pPr>
+                        <a:buNone/>
+                      </a:pPr>
+                      <a:r>
+                        <a:rPr lang="pl-PL" altLang="en-US"/>
+                        <a:t>indeksy</a:t>
+                      </a:r>
+                      <a:endParaRPr lang="pl-PL" altLang="en-US"/>
+                    </a:p>
+                  </a:txBody>
+                  <a:tcPr/>
+                </a:tc>
+                <a:tc>
+                  <a:txBody>
+                    <a:bodyPr/>
+                    <a:lstStyle/>
+                    <a:p>
+                      <a:pPr>
+                        <a:buNone/>
+                      </a:pPr>
+                      <a:r>
+                        <a:rPr lang="pl-PL" altLang="en-US"/>
+                        <a:t>0</a:t>
+                      </a:r>
+                      <a:endParaRPr lang="pl-PL" altLang="en-US"/>
+                    </a:p>
+                  </a:txBody>
+                  <a:tcPr/>
+                </a:tc>
+                <a:tc>
+                  <a:txBody>
+                    <a:bodyPr/>
+                    <a:lstStyle/>
+                    <a:p>
+                      <a:pPr>
+                        <a:buNone/>
+                      </a:pPr>
+                      <a:r>
+                        <a:rPr lang="pl-PL" altLang="en-US" dirty="0"/>
+                        <a:t>1</a:t>
+                      </a:r>
+                      <a:endParaRPr lang="pl-PL" altLang="en-US" dirty="0"/>
+                    </a:p>
+                  </a:txBody>
+                  <a:tcPr/>
+                </a:tc>
+                <a:tc>
+                  <a:txBody>
+                    <a:bodyPr/>
+                    <a:lstStyle/>
+                    <a:p>
+                      <a:pPr>
+                        <a:buNone/>
+                      </a:pPr>
+                      <a:r>
+                        <a:rPr lang="pl-PL" altLang="en-US"/>
+                        <a:t>2</a:t>
+                      </a:r>
+                      <a:endParaRPr lang="pl-PL" altLang="en-US"/>
+                    </a:p>
+                  </a:txBody>
+                  <a:tcPr/>
+                </a:tc>
+                <a:tc>
+                  <a:txBody>
+                    <a:bodyPr/>
+                    <a:lstStyle/>
+                    <a:p>
+                      <a:pPr>
+                        <a:buNone/>
+                      </a:pPr>
+                      <a:r>
+                        <a:rPr lang="pl-PL" altLang="en-US"/>
+                        <a:t>3</a:t>
+                      </a:r>
+                      <a:endParaRPr lang="pl-PL" altLang="en-US"/>
+                    </a:p>
+                  </a:txBody>
+                  <a:tcPr>
+                    <a:gradFill>
+                      <a:gsLst>
+                        <a:gs pos="0">
+                          <a:srgbClr val="FBFB11"/>
+                        </a:gs>
+                        <a:gs pos="100000">
+                          <a:srgbClr val="838309"/>
+                        </a:gs>
+                      </a:gsLst>
+                      <a:lin ang="5400000" scaled="0"/>
+                    </a:gradFill>
+                  </a:tcPr>
+                </a:tc>
+                <a:tc>
+                  <a:txBody>
+                    <a:bodyPr/>
+                    <a:lstStyle/>
+                    <a:p>
+                      <a:pPr>
+                        <a:buNone/>
+                      </a:pPr>
+                      <a:r>
+                        <a:rPr lang="pl-PL" altLang="en-US"/>
+                        <a:t>4</a:t>
+                      </a:r>
+                      <a:endParaRPr lang="pl-PL" altLang="en-US"/>
+                    </a:p>
+                  </a:txBody>
+                  <a:tcPr/>
+                </a:tc>
+                <a:tc>
+                  <a:txBody>
+                    <a:bodyPr/>
+                    <a:lstStyle/>
+                    <a:p>
+                      <a:pPr>
+                        <a:buNone/>
+                      </a:pPr>
+                      <a:r>
+                        <a:rPr lang="pl-PL" altLang="en-US" dirty="0"/>
+                        <a:t>5</a:t>
+                      </a:r>
+                      <a:endParaRPr lang="pl-PL" altLang="en-US" dirty="0"/>
+                    </a:p>
+                  </a:txBody>
+                  <a:tcPr/>
+                </a:tc>
+                <a:tc>
+                  <a:txBody>
+                    <a:bodyPr/>
+                    <a:lstStyle/>
+                    <a:p>
+                      <a:pPr>
+                        <a:buNone/>
+                      </a:pPr>
+                      <a:r>
+                        <a:rPr lang="pl-PL" altLang="en-US"/>
+                        <a:t>6</a:t>
+                      </a:r>
+                      <a:endParaRPr lang="pl-PL" altLang="en-US"/>
+                    </a:p>
+                  </a:txBody>
+                  <a:tcPr>
+                    <a:gradFill>
+                      <a:gsLst>
+                        <a:gs pos="0">
+                          <a:srgbClr val="007BD3"/>
+                        </a:gs>
+                        <a:gs pos="100000">
+                          <a:srgbClr val="034373"/>
+                        </a:gs>
+                      </a:gsLst>
+                      <a:lin ang="5400000" scaled="0"/>
+                    </a:gradFill>
+                  </a:tcPr>
+                </a:tc>
+              </a:tr>
+              <a:tr h="381000">
+                <a:tc>
+                  <a:txBody>
+                    <a:bodyPr/>
+                    <a:lstStyle/>
+                    <a:p>
+                      <a:pPr>
+                        <a:buNone/>
+                      </a:pPr>
+                      <a:r>
+                        <a:rPr lang="pl-PL" altLang="en-US"/>
+                        <a:t>wartości</a:t>
+                      </a:r>
+                      <a:endParaRPr lang="pl-PL" altLang="en-US"/>
+                    </a:p>
+                  </a:txBody>
+                  <a:tcPr/>
+                </a:tc>
+                <a:tc>
+                  <a:txBody>
+                    <a:bodyPr/>
+                    <a:lstStyle/>
+                    <a:p>
+                      <a:pPr>
+                        <a:buNone/>
+                      </a:pPr>
+                      <a:r>
+                        <a:rPr lang="pl-PL" altLang="en-US"/>
+                        <a:t>3</a:t>
+                      </a:r>
+                      <a:endParaRPr lang="pl-PL" altLang="en-US"/>
+                    </a:p>
+                  </a:txBody>
+                  <a:tcPr/>
+                </a:tc>
+                <a:tc>
+                  <a:txBody>
+                    <a:bodyPr/>
+                    <a:lstStyle/>
+                    <a:p>
+                      <a:pPr>
+                        <a:buNone/>
+                      </a:pPr>
+                      <a:r>
+                        <a:rPr lang="pl-PL" altLang="en-US"/>
+                        <a:t>1</a:t>
+                      </a:r>
+                      <a:endParaRPr lang="pl-PL" altLang="en-US"/>
+                    </a:p>
+                  </a:txBody>
+                  <a:tcPr/>
+                </a:tc>
+                <a:tc>
+                  <a:txBody>
+                    <a:bodyPr/>
+                    <a:lstStyle/>
+                    <a:p>
+                      <a:pPr>
+                        <a:buNone/>
+                      </a:pPr>
+                      <a:r>
+                        <a:rPr lang="pl-PL" altLang="en-US"/>
+                        <a:t>4</a:t>
+                      </a:r>
+                      <a:endParaRPr lang="pl-PL" altLang="en-US"/>
+                    </a:p>
+                  </a:txBody>
+                  <a:tcPr/>
+                </a:tc>
+                <a:tc>
+                  <a:txBody>
+                    <a:bodyPr/>
+                    <a:lstStyle/>
+                    <a:p>
+                      <a:pPr>
+                        <a:buNone/>
+                      </a:pPr>
+                      <a:r>
+                        <a:rPr lang="pl-PL" altLang="en-US"/>
+                        <a:t>5</a:t>
+                      </a:r>
+                      <a:endParaRPr lang="pl-PL" altLang="en-US"/>
+                    </a:p>
+                  </a:txBody>
+                  <a:tcPr>
+                    <a:gradFill>
+                      <a:gsLst>
+                        <a:gs pos="0">
+                          <a:srgbClr val="FBFB11"/>
+                        </a:gs>
+                        <a:gs pos="100000">
+                          <a:srgbClr val="838309"/>
+                        </a:gs>
+                      </a:gsLst>
+                      <a:lin ang="5400000" scaled="0"/>
+                    </a:gradFill>
+                  </a:tcPr>
+                </a:tc>
+                <a:tc>
+                  <a:txBody>
+                    <a:bodyPr/>
+                    <a:lstStyle/>
+                    <a:p>
+                      <a:pPr>
+                        <a:buNone/>
+                      </a:pPr>
+                      <a:r>
+                        <a:rPr lang="pl-PL" altLang="en-US"/>
+                        <a:t>2</a:t>
+                      </a:r>
+                      <a:endParaRPr lang="pl-PL" altLang="en-US"/>
+                    </a:p>
+                  </a:txBody>
+                  <a:tcPr/>
+                </a:tc>
+                <a:tc>
+                  <a:txBody>
+                    <a:bodyPr/>
+                    <a:lstStyle/>
+                    <a:p>
+                      <a:pPr>
+                        <a:buNone/>
+                      </a:pPr>
+                      <a:r>
+                        <a:rPr lang="pl-PL" altLang="en-US"/>
+                        <a:t>7</a:t>
+                      </a:r>
+                      <a:endParaRPr lang="pl-PL" altLang="en-US"/>
+                    </a:p>
+                  </a:txBody>
+                  <a:tcPr/>
+                </a:tc>
+                <a:tc>
+                  <a:txBody>
+                    <a:bodyPr/>
+                    <a:lstStyle/>
+                    <a:p>
+                      <a:pPr>
+                        <a:buNone/>
+                      </a:pPr>
+                      <a:r>
+                        <a:rPr lang="pl-PL" altLang="en-US" dirty="0"/>
+                        <a:t>5</a:t>
+                      </a:r>
+                      <a:endParaRPr lang="pl-PL" altLang="en-US" dirty="0"/>
+                    </a:p>
+                  </a:txBody>
+                  <a:tcPr>
+                    <a:gradFill>
+                      <a:gsLst>
+                        <a:gs pos="0">
+                          <a:srgbClr val="007BD3"/>
+                        </a:gs>
+                        <a:gs pos="100000">
+                          <a:srgbClr val="034373"/>
+                        </a:gs>
+                      </a:gsLst>
+                      <a:lin ang="5400000" scaled="0"/>
+                    </a:gradFill>
+                  </a:tcPr>
+                </a:tc>
+              </a:tr>
+            </a:tbl>
+          </a:graphicData>
+        </a:graphic>
+      </p:graphicFrame>
     </p:spTree>
   </p:cSld>
   <p:clrMapOvr>
@@ -14225,12 +14911,10 @@
           <a:lstStyle/>
           <a:p>
             <a:r>
-              <a:rPr lang="pl-PL" altLang="en-US">
-                <a:sym typeface="+mn-ea"/>
-              </a:rPr>
+              <a:rPr lang="pl-PL" altLang="en-US"/>
               <a:t>Przykłady</a:t>
             </a:r>
-            <a:endParaRPr lang="en-US"/>
+            <a:endParaRPr lang="pl-PL" altLang="en-US"/>
           </a:p>
         </p:txBody>
       </p:sp>
@@ -14241,15 +14925,10 @@
             <a:spLocks noGrp="1"/>
           </p:cNvSpPr>
           <p:nvPr>
-            <p:ph sz="half" idx="1"/>
+            <p:ph idx="1"/>
           </p:nvPr>
         </p:nvSpPr>
-        <p:spPr>
-          <a:xfrm>
-            <a:off x="288290" y="1207135"/>
-            <a:ext cx="10974705" cy="4953000"/>
-          </a:xfrm>
-        </p:spPr>
+        <p:spPr/>
         <p:txBody>
           <a:bodyPr/>
           <a:lstStyle/>
@@ -14258,10 +14937,8 @@
               <a:buNone/>
             </a:pPr>
             <a:r>
-              <a:rPr lang="pl-PL" altLang="en-US" dirty="0">
-                <a:sym typeface="+mn-ea"/>
-              </a:rPr>
-              <a:t>Szukana wartość: 5</a:t>
+              <a:rPr lang="pl-PL" altLang="en-US" dirty="0"/>
+              <a:t>Szukana wartość: 999</a:t>
             </a:r>
             <a:endParaRPr lang="pl-PL" altLang="en-US" dirty="0"/>
           </a:p>
@@ -14276,10 +14953,8 @@
               <a:buNone/>
             </a:pPr>
             <a:r>
-              <a:rPr lang="pl-PL" altLang="en-US" dirty="0">
-                <a:sym typeface="+mn-ea"/>
-              </a:rPr>
-              <a:t>Po zastosowaniu algorytmu</a:t>
+              <a:rPr lang="pl-PL" altLang="en-US" dirty="0"/>
+              <a:t>Po modyfikacji</a:t>
             </a:r>
             <a:endParaRPr lang="pl-PL" altLang="en-US" dirty="0"/>
           </a:p>
@@ -14294,31 +14969,22 @@
               <a:buNone/>
             </a:pPr>
             <a:r>
-              <a:rPr lang="pl-PL" altLang="en-US" dirty="0">
-                <a:sym typeface="+mn-ea"/>
-              </a:rPr>
-              <a:t>Wynik: 3</a:t>
+              <a:rPr lang="pl-PL" altLang="en-US" dirty="0"/>
+              <a:t>Wynik: -1 (nie znaleziono)</a:t>
             </a:r>
             <a:endParaRPr lang="pl-PL" altLang="en-US" dirty="0"/>
-          </a:p>
-          <a:p>
-            <a:endParaRPr lang="en-US" dirty="0"/>
           </a:p>
         </p:txBody>
       </p:sp>
       <p:graphicFrame>
         <p:nvGraphicFramePr>
-          <p:cNvPr id="5" name="Content Placeholder 4"/>
-          <p:cNvGraphicFramePr>
-            <a:graphicFrameLocks noGrp="1"/>
-          </p:cNvGraphicFramePr>
-          <p:nvPr>
-            <p:ph sz="half" idx="2"/>
-          </p:nvPr>
+          <p:cNvPr id="5" name="Table 4"/>
+          <p:cNvGraphicFramePr/>
+          <p:nvPr/>
         </p:nvGraphicFramePr>
         <p:xfrm>
-          <a:off x="1668780" y="2009775"/>
-          <a:ext cx="7343140" cy="762000"/>
+          <a:off x="1668780" y="2004060"/>
+          <a:ext cx="8529955" cy="762000"/>
         </p:xfrm>
         <a:graphic>
           <a:graphicData uri="http://schemas.openxmlformats.org/drawingml/2006/table">
@@ -14327,13 +14993,13 @@
                 <a:tableStyleId>{5C22544A-7EE6-4342-B048-85BDC9FD1C3A}</a:tableStyleId>
               </a:tblPr>
               <a:tblGrid>
-                <a:gridCol w="1049020"/>
-                <a:gridCol w="1049020"/>
-                <a:gridCol w="1049020"/>
-                <a:gridCol w="1049020"/>
-                <a:gridCol w="1049020"/>
-                <a:gridCol w="1049020"/>
-                <a:gridCol w="1049020"/>
+                <a:gridCol w="1218565"/>
+                <a:gridCol w="1218565"/>
+                <a:gridCol w="1218565"/>
+                <a:gridCol w="1218565"/>
+                <a:gridCol w="1218565"/>
+                <a:gridCol w="1218565"/>
+                <a:gridCol w="1218565"/>
               </a:tblGrid>
               <a:tr h="381000">
                 <a:tc>
@@ -14362,10 +15028,10 @@
                         <a:buNone/>
                       </a:pPr>
                       <a:r>
-                        <a:rPr lang="pl-PL" altLang="en-US" dirty="0"/>
+                        <a:rPr lang="pl-PL" altLang="en-US"/>
                         <a:t>0</a:t>
                       </a:r>
-                      <a:endParaRPr lang="pl-PL" altLang="en-US" dirty="0"/>
+                      <a:endParaRPr lang="pl-PL" altLang="en-US"/>
                     </a:p>
                   </a:txBody>
                   <a:tcPr/>
@@ -14419,19 +15085,7 @@
                       <a:endParaRPr lang="pl-PL" altLang="en-US"/>
                     </a:p>
                   </a:txBody>
-                  <a:tcPr>
-                    <a:gradFill>
-                      <a:gsLst>
-                        <a:gs pos="0">
-                          <a:srgbClr val="FBFB11"/>
-                        </a:gs>
-                        <a:gs pos="100000">
-                          <a:srgbClr val="838309"/>
-                        </a:gs>
-                      </a:gsLst>
-                      <a:lin ang="5400000" scaled="0"/>
-                    </a:gradFill>
-                  </a:tcPr>
+                  <a:tcPr/>
                 </a:tc>
                 <a:tc>
                   <a:txBody>
@@ -14552,19 +15206,7 @@
                       <a:endParaRPr lang="pl-PL" altLang="en-US"/>
                     </a:p>
                   </a:txBody>
-                  <a:tcPr>
-                    <a:gradFill>
-                      <a:gsLst>
-                        <a:gs pos="0">
-                          <a:srgbClr val="FBFB11"/>
-                        </a:gs>
-                        <a:gs pos="100000">
-                          <a:srgbClr val="838309"/>
-                        </a:gs>
-                      </a:gsLst>
-                      <a:lin ang="5400000" scaled="0"/>
-                    </a:gradFill>
-                  </a:tcPr>
+                  <a:tcPr/>
                 </a:tc>
                 <a:tc>
                   <a:txBody>
@@ -14592,10 +15234,10 @@
                         <a:buNone/>
                       </a:pPr>
                       <a:r>
-                        <a:rPr lang="pl-PL" altLang="en-US" dirty="0"/>
+                        <a:rPr lang="pl-PL" altLang="en-US"/>
                         <a:t>7</a:t>
                       </a:r>
-                      <a:endParaRPr lang="pl-PL" altLang="en-US" dirty="0"/>
+                      <a:endParaRPr lang="pl-PL" altLang="en-US"/>
                     </a:p>
                   </a:txBody>
                   <a:tcPr/>
@@ -14675,10 +15317,10 @@
                         <a:buNone/>
                       </a:pPr>
                       <a:r>
-                        <a:rPr lang="pl-PL" altLang="en-US" dirty="0"/>
+                        <a:rPr lang="pl-PL" altLang="en-US"/>
                         <a:t>1</a:t>
                       </a:r>
-                      <a:endParaRPr lang="pl-PL" altLang="en-US" dirty="0"/>
+                      <a:endParaRPr lang="pl-PL" altLang="en-US"/>
                     </a:p>
                   </a:txBody>
                   <a:tcPr/>
@@ -14715,19 +15357,7 @@
                       <a:endParaRPr lang="pl-PL" altLang="en-US"/>
                     </a:p>
                   </a:txBody>
-                  <a:tcPr>
-                    <a:gradFill>
-                      <a:gsLst>
-                        <a:gs pos="0">
-                          <a:srgbClr val="FBFB11"/>
-                        </a:gs>
-                        <a:gs pos="100000">
-                          <a:srgbClr val="838309"/>
-                        </a:gs>
-                      </a:gsLst>
-                      <a:lin ang="5400000" scaled="0"/>
-                    </a:gradFill>
-                  </a:tcPr>
+                  <a:tcPr/>
                 </a:tc>
                 <a:tc>
                   <a:txBody>
@@ -14755,10 +15385,10 @@
                         <a:buNone/>
                       </a:pPr>
                       <a:r>
-                        <a:rPr lang="pl-PL" altLang="en-US" dirty="0"/>
+                        <a:rPr lang="pl-PL" altLang="en-US"/>
                         <a:t>5</a:t>
                       </a:r>
-                      <a:endParaRPr lang="pl-PL" altLang="en-US" dirty="0"/>
+                      <a:endParaRPr lang="pl-PL" altLang="en-US"/>
                     </a:p>
                   </a:txBody>
                   <a:tcPr/>
@@ -14877,19 +15507,7 @@
                       <a:endParaRPr lang="pl-PL" altLang="en-US"/>
                     </a:p>
                   </a:txBody>
-                  <a:tcPr>
-                    <a:gradFill>
-                      <a:gsLst>
-                        <a:gs pos="0">
-                          <a:srgbClr val="FBFB11"/>
-                        </a:gs>
-                        <a:gs pos="100000">
-                          <a:srgbClr val="838309"/>
-                        </a:gs>
-                      </a:gsLst>
-                      <a:lin ang="5400000" scaled="0"/>
-                    </a:gradFill>
-                  </a:tcPr>
+                  <a:tcPr/>
                 </a:tc>
                 <a:tc>
                   <a:txBody>
@@ -14934,10 +15552,10 @@
                         <a:buNone/>
                       </a:pPr>
                       <a:r>
-                        <a:rPr lang="pl-PL" altLang="en-US" dirty="0"/>
+                        <a:rPr lang="pl-PL" altLang="en-US"/>
                         <a:t>5</a:t>
                       </a:r>
-                      <a:endParaRPr lang="pl-PL" altLang="en-US" dirty="0"/>
+                      <a:endParaRPr lang="pl-PL" altLang="en-US"/>
                     </a:p>
                   </a:txBody>
                   <a:tcPr>
@@ -14968,713 +15586,6 @@
 </file>
 
 <file path=ppt/slides/slide38.xml><?xml version="1.0" encoding="utf-8"?>
-<p:sld xmlns:a="http://schemas.openxmlformats.org/drawingml/2006/main" xmlns:r="http://schemas.openxmlformats.org/officeDocument/2006/relationships" xmlns:p="http://schemas.openxmlformats.org/presentationml/2006/main">
-  <p:cSld>
-    <p:spTree>
-      <p:nvGrpSpPr>
-        <p:cNvPr id="1" name=""/>
-        <p:cNvGrpSpPr/>
-        <p:nvPr/>
-      </p:nvGrpSpPr>
-      <p:grpSpPr>
-        <a:xfrm>
-          <a:off x="0" y="0"/>
-          <a:ext cx="0" cy="0"/>
-          <a:chOff x="0" y="0"/>
-          <a:chExt cx="0" cy="0"/>
-        </a:xfrm>
-      </p:grpSpPr>
-      <p:sp>
-        <p:nvSpPr>
-          <p:cNvPr id="2" name="Title 1"/>
-          <p:cNvSpPr>
-            <a:spLocks noGrp="1"/>
-          </p:cNvSpPr>
-          <p:nvPr>
-            <p:ph type="title"/>
-          </p:nvPr>
-        </p:nvSpPr>
-        <p:spPr/>
-        <p:txBody>
-          <a:bodyPr/>
-          <a:lstStyle/>
-          <a:p>
-            <a:r>
-              <a:rPr lang="pl-PL" altLang="en-US"/>
-              <a:t>Przykłady</a:t>
-            </a:r>
-            <a:endParaRPr lang="pl-PL" altLang="en-US"/>
-          </a:p>
-        </p:txBody>
-      </p:sp>
-      <p:sp>
-        <p:nvSpPr>
-          <p:cNvPr id="3" name="Content Placeholder 2"/>
-          <p:cNvSpPr>
-            <a:spLocks noGrp="1"/>
-          </p:cNvSpPr>
-          <p:nvPr>
-            <p:ph idx="1"/>
-          </p:nvPr>
-        </p:nvSpPr>
-        <p:spPr/>
-        <p:txBody>
-          <a:bodyPr/>
-          <a:lstStyle/>
-          <a:p>
-            <a:pPr marL="0" indent="0">
-              <a:buNone/>
-            </a:pPr>
-            <a:r>
-              <a:rPr lang="pl-PL" altLang="en-US" dirty="0"/>
-              <a:t>Szukana wartość: 999</a:t>
-            </a:r>
-            <a:endParaRPr lang="pl-PL" altLang="en-US" dirty="0"/>
-          </a:p>
-          <a:p>
-            <a:endParaRPr lang="pl-PL" altLang="en-US" dirty="0"/>
-          </a:p>
-          <a:p>
-            <a:endParaRPr lang="pl-PL" altLang="en-US" dirty="0"/>
-          </a:p>
-          <a:p>
-            <a:pPr marL="0" indent="0">
-              <a:buNone/>
-            </a:pPr>
-            <a:r>
-              <a:rPr lang="pl-PL" altLang="en-US" dirty="0"/>
-              <a:t>Po modyfikacji</a:t>
-            </a:r>
-            <a:endParaRPr lang="pl-PL" altLang="en-US" dirty="0"/>
-          </a:p>
-          <a:p>
-            <a:endParaRPr lang="pl-PL" altLang="en-US" dirty="0"/>
-          </a:p>
-          <a:p>
-            <a:endParaRPr lang="pl-PL" altLang="en-US" dirty="0"/>
-          </a:p>
-          <a:p>
-            <a:pPr marL="0" indent="0">
-              <a:buNone/>
-            </a:pPr>
-            <a:r>
-              <a:rPr lang="pl-PL" altLang="en-US" dirty="0"/>
-              <a:t>Wynik: -1 (nie znaleziono)</a:t>
-            </a:r>
-            <a:endParaRPr lang="pl-PL" altLang="en-US" dirty="0"/>
-          </a:p>
-        </p:txBody>
-      </p:sp>
-      <p:graphicFrame>
-        <p:nvGraphicFramePr>
-          <p:cNvPr id="5" name="Table 4"/>
-          <p:cNvGraphicFramePr/>
-          <p:nvPr/>
-        </p:nvGraphicFramePr>
-        <p:xfrm>
-          <a:off x="1668780" y="2004060"/>
-          <a:ext cx="8529955" cy="762000"/>
-        </p:xfrm>
-        <a:graphic>
-          <a:graphicData uri="http://schemas.openxmlformats.org/drawingml/2006/table">
-            <a:tbl>
-              <a:tblPr firstRow="1" bandRow="1">
-                <a:tableStyleId>{5C22544A-7EE6-4342-B048-85BDC9FD1C3A}</a:tableStyleId>
-              </a:tblPr>
-              <a:tblGrid>
-                <a:gridCol w="1218565"/>
-                <a:gridCol w="1218565"/>
-                <a:gridCol w="1218565"/>
-                <a:gridCol w="1218565"/>
-                <a:gridCol w="1218565"/>
-                <a:gridCol w="1218565"/>
-                <a:gridCol w="1218565"/>
-              </a:tblGrid>
-              <a:tr h="381000">
-                <a:tc>
-                  <a:txBody>
-                    <a:bodyPr/>
-                    <a:lstStyle/>
-                    <a:p>
-                      <a:pPr>
-                        <a:buNone/>
-                      </a:pPr>
-                      <a:r>
-                        <a:rPr lang="pl-PL" altLang="en-US"/>
-                        <a:t>indeksy</a:t>
-                      </a:r>
-                      <a:endParaRPr lang="pl-PL" altLang="en-US"/>
-                    </a:p>
-                  </a:txBody>
-                  <a:tcPr/>
-                </a:tc>
-                <a:tc>
-                  <a:txBody>
-                    <a:bodyPr/>
-                    <a:lstStyle/>
-                    <a:p>
-                      <a:pPr>
-                        <a:buNone/>
-                      </a:pPr>
-                      <a:r>
-                        <a:rPr lang="pl-PL" altLang="en-US"/>
-                        <a:t>0</a:t>
-                      </a:r>
-                      <a:endParaRPr lang="pl-PL" altLang="en-US"/>
-                    </a:p>
-                  </a:txBody>
-                  <a:tcPr/>
-                </a:tc>
-                <a:tc>
-                  <a:txBody>
-                    <a:bodyPr/>
-                    <a:lstStyle/>
-                    <a:p>
-                      <a:pPr>
-                        <a:buNone/>
-                      </a:pPr>
-                      <a:r>
-                        <a:rPr lang="pl-PL" altLang="en-US"/>
-                        <a:t>1</a:t>
-                      </a:r>
-                      <a:endParaRPr lang="pl-PL" altLang="en-US"/>
-                    </a:p>
-                  </a:txBody>
-                  <a:tcPr/>
-                </a:tc>
-                <a:tc>
-                  <a:txBody>
-                    <a:bodyPr/>
-                    <a:lstStyle/>
-                    <a:p>
-                      <a:pPr>
-                        <a:buNone/>
-                      </a:pPr>
-                      <a:r>
-                        <a:rPr lang="pl-PL" altLang="en-US"/>
-                        <a:t>2</a:t>
-                      </a:r>
-                      <a:endParaRPr lang="pl-PL" altLang="en-US"/>
-                    </a:p>
-                  </a:txBody>
-                  <a:tcPr/>
-                </a:tc>
-                <a:tc>
-                  <a:txBody>
-                    <a:bodyPr/>
-                    <a:lstStyle/>
-                    <a:p>
-                      <a:pPr>
-                        <a:buNone/>
-                      </a:pPr>
-                      <a:r>
-                        <a:rPr lang="pl-PL" altLang="en-US"/>
-                        <a:t>3</a:t>
-                      </a:r>
-                      <a:endParaRPr lang="pl-PL" altLang="en-US"/>
-                    </a:p>
-                  </a:txBody>
-                  <a:tcPr/>
-                </a:tc>
-                <a:tc>
-                  <a:txBody>
-                    <a:bodyPr/>
-                    <a:lstStyle/>
-                    <a:p>
-                      <a:pPr>
-                        <a:buNone/>
-                      </a:pPr>
-                      <a:r>
-                        <a:rPr lang="pl-PL" altLang="en-US"/>
-                        <a:t>4</a:t>
-                      </a:r>
-                      <a:endParaRPr lang="pl-PL" altLang="en-US"/>
-                    </a:p>
-                  </a:txBody>
-                  <a:tcPr/>
-                </a:tc>
-                <a:tc>
-                  <a:txBody>
-                    <a:bodyPr/>
-                    <a:lstStyle/>
-                    <a:p>
-                      <a:pPr>
-                        <a:buNone/>
-                      </a:pPr>
-                      <a:r>
-                        <a:rPr lang="pl-PL" altLang="en-US"/>
-                        <a:t>5</a:t>
-                      </a:r>
-                      <a:endParaRPr lang="pl-PL" altLang="en-US"/>
-                    </a:p>
-                  </a:txBody>
-                  <a:tcPr/>
-                </a:tc>
-              </a:tr>
-              <a:tr h="381000">
-                <a:tc>
-                  <a:txBody>
-                    <a:bodyPr/>
-                    <a:lstStyle/>
-                    <a:p>
-                      <a:pPr>
-                        <a:buNone/>
-                      </a:pPr>
-                      <a:r>
-                        <a:rPr lang="pl-PL" altLang="en-US"/>
-                        <a:t>wartości</a:t>
-                      </a:r>
-                      <a:endParaRPr lang="pl-PL" altLang="en-US"/>
-                    </a:p>
-                  </a:txBody>
-                  <a:tcPr/>
-                </a:tc>
-                <a:tc>
-                  <a:txBody>
-                    <a:bodyPr/>
-                    <a:lstStyle/>
-                    <a:p>
-                      <a:pPr>
-                        <a:buNone/>
-                      </a:pPr>
-                      <a:r>
-                        <a:rPr lang="pl-PL" altLang="en-US"/>
-                        <a:t>3</a:t>
-                      </a:r>
-                      <a:endParaRPr lang="pl-PL" altLang="en-US"/>
-                    </a:p>
-                  </a:txBody>
-                  <a:tcPr/>
-                </a:tc>
-                <a:tc>
-                  <a:txBody>
-                    <a:bodyPr/>
-                    <a:lstStyle/>
-                    <a:p>
-                      <a:pPr>
-                        <a:buNone/>
-                      </a:pPr>
-                      <a:r>
-                        <a:rPr lang="pl-PL" altLang="en-US"/>
-                        <a:t>1</a:t>
-                      </a:r>
-                      <a:endParaRPr lang="pl-PL" altLang="en-US"/>
-                    </a:p>
-                  </a:txBody>
-                  <a:tcPr/>
-                </a:tc>
-                <a:tc>
-                  <a:txBody>
-                    <a:bodyPr/>
-                    <a:lstStyle/>
-                    <a:p>
-                      <a:pPr>
-                        <a:buNone/>
-                      </a:pPr>
-                      <a:r>
-                        <a:rPr lang="pl-PL" altLang="en-US"/>
-                        <a:t>4</a:t>
-                      </a:r>
-                      <a:endParaRPr lang="pl-PL" altLang="en-US"/>
-                    </a:p>
-                  </a:txBody>
-                  <a:tcPr/>
-                </a:tc>
-                <a:tc>
-                  <a:txBody>
-                    <a:bodyPr/>
-                    <a:lstStyle/>
-                    <a:p>
-                      <a:pPr>
-                        <a:buNone/>
-                      </a:pPr>
-                      <a:r>
-                        <a:rPr lang="pl-PL" altLang="en-US"/>
-                        <a:t>5</a:t>
-                      </a:r>
-                      <a:endParaRPr lang="pl-PL" altLang="en-US"/>
-                    </a:p>
-                  </a:txBody>
-                  <a:tcPr/>
-                </a:tc>
-                <a:tc>
-                  <a:txBody>
-                    <a:bodyPr/>
-                    <a:lstStyle/>
-                    <a:p>
-                      <a:pPr>
-                        <a:buNone/>
-                      </a:pPr>
-                      <a:r>
-                        <a:rPr lang="pl-PL" altLang="en-US"/>
-                        <a:t>2</a:t>
-                      </a:r>
-                      <a:endParaRPr lang="pl-PL" altLang="en-US"/>
-                    </a:p>
-                  </a:txBody>
-                  <a:tcPr/>
-                </a:tc>
-                <a:tc>
-                  <a:txBody>
-                    <a:bodyPr/>
-                    <a:lstStyle/>
-                    <a:p>
-                      <a:pPr>
-                        <a:buNone/>
-                      </a:pPr>
-                      <a:r>
-                        <a:rPr lang="pl-PL" altLang="en-US"/>
-                        <a:t>7</a:t>
-                      </a:r>
-                      <a:endParaRPr lang="pl-PL" altLang="en-US"/>
-                    </a:p>
-                  </a:txBody>
-                  <a:tcPr/>
-                </a:tc>
-              </a:tr>
-            </a:tbl>
-          </a:graphicData>
-        </a:graphic>
-      </p:graphicFrame>
-      <p:graphicFrame>
-        <p:nvGraphicFramePr>
-          <p:cNvPr id="6" name="Table 5"/>
-          <p:cNvGraphicFramePr/>
-          <p:nvPr/>
-        </p:nvGraphicFramePr>
-        <p:xfrm>
-          <a:off x="1668780" y="3883660"/>
-          <a:ext cx="9704705" cy="762000"/>
-        </p:xfrm>
-        <a:graphic>
-          <a:graphicData uri="http://schemas.openxmlformats.org/drawingml/2006/table">
-            <a:tbl>
-              <a:tblPr firstRow="1" bandRow="1">
-                <a:tableStyleId>{5C22544A-7EE6-4342-B048-85BDC9FD1C3A}</a:tableStyleId>
-              </a:tblPr>
-              <a:tblGrid>
-                <a:gridCol w="1212850"/>
-                <a:gridCol w="1213485"/>
-                <a:gridCol w="1212850"/>
-                <a:gridCol w="1213485"/>
-                <a:gridCol w="1212850"/>
-                <a:gridCol w="1212850"/>
-                <a:gridCol w="1213485"/>
-                <a:gridCol w="1212850"/>
-              </a:tblGrid>
-              <a:tr h="381000">
-                <a:tc>
-                  <a:txBody>
-                    <a:bodyPr/>
-                    <a:lstStyle/>
-                    <a:p>
-                      <a:pPr>
-                        <a:buNone/>
-                      </a:pPr>
-                      <a:r>
-                        <a:rPr lang="pl-PL" altLang="en-US"/>
-                        <a:t>indeksy</a:t>
-                      </a:r>
-                      <a:endParaRPr lang="pl-PL" altLang="en-US"/>
-                    </a:p>
-                  </a:txBody>
-                  <a:tcPr/>
-                </a:tc>
-                <a:tc>
-                  <a:txBody>
-                    <a:bodyPr/>
-                    <a:lstStyle/>
-                    <a:p>
-                      <a:pPr>
-                        <a:buNone/>
-                      </a:pPr>
-                      <a:r>
-                        <a:rPr lang="pl-PL" altLang="en-US"/>
-                        <a:t>0</a:t>
-                      </a:r>
-                      <a:endParaRPr lang="pl-PL" altLang="en-US"/>
-                    </a:p>
-                  </a:txBody>
-                  <a:tcPr/>
-                </a:tc>
-                <a:tc>
-                  <a:txBody>
-                    <a:bodyPr/>
-                    <a:lstStyle/>
-                    <a:p>
-                      <a:pPr>
-                        <a:buNone/>
-                      </a:pPr>
-                      <a:r>
-                        <a:rPr lang="pl-PL" altLang="en-US"/>
-                        <a:t>1</a:t>
-                      </a:r>
-                      <a:endParaRPr lang="pl-PL" altLang="en-US"/>
-                    </a:p>
-                  </a:txBody>
-                  <a:tcPr/>
-                </a:tc>
-                <a:tc>
-                  <a:txBody>
-                    <a:bodyPr/>
-                    <a:lstStyle/>
-                    <a:p>
-                      <a:pPr>
-                        <a:buNone/>
-                      </a:pPr>
-                      <a:r>
-                        <a:rPr lang="pl-PL" altLang="en-US"/>
-                        <a:t>2</a:t>
-                      </a:r>
-                      <a:endParaRPr lang="pl-PL" altLang="en-US"/>
-                    </a:p>
-                  </a:txBody>
-                  <a:tcPr/>
-                </a:tc>
-                <a:tc>
-                  <a:txBody>
-                    <a:bodyPr/>
-                    <a:lstStyle/>
-                    <a:p>
-                      <a:pPr>
-                        <a:buNone/>
-                      </a:pPr>
-                      <a:r>
-                        <a:rPr lang="pl-PL" altLang="en-US"/>
-                        <a:t>3</a:t>
-                      </a:r>
-                      <a:endParaRPr lang="pl-PL" altLang="en-US"/>
-                    </a:p>
-                  </a:txBody>
-                  <a:tcPr/>
-                </a:tc>
-                <a:tc>
-                  <a:txBody>
-                    <a:bodyPr/>
-                    <a:lstStyle/>
-                    <a:p>
-                      <a:pPr>
-                        <a:buNone/>
-                      </a:pPr>
-                      <a:r>
-                        <a:rPr lang="pl-PL" altLang="en-US"/>
-                        <a:t>4</a:t>
-                      </a:r>
-                      <a:endParaRPr lang="pl-PL" altLang="en-US"/>
-                    </a:p>
-                  </a:txBody>
-                  <a:tcPr/>
-                </a:tc>
-                <a:tc>
-                  <a:txBody>
-                    <a:bodyPr/>
-                    <a:lstStyle/>
-                    <a:p>
-                      <a:pPr>
-                        <a:buNone/>
-                      </a:pPr>
-                      <a:r>
-                        <a:rPr lang="pl-PL" altLang="en-US"/>
-                        <a:t>5</a:t>
-                      </a:r>
-                      <a:endParaRPr lang="pl-PL" altLang="en-US"/>
-                    </a:p>
-                  </a:txBody>
-                  <a:tcPr/>
-                </a:tc>
-                <a:tc>
-                  <a:txBody>
-                    <a:bodyPr/>
-                    <a:lstStyle/>
-                    <a:p>
-                      <a:pPr>
-                        <a:buNone/>
-                      </a:pPr>
-                      <a:r>
-                        <a:rPr lang="pl-PL" altLang="en-US"/>
-                        <a:t>6</a:t>
-                      </a:r>
-                      <a:endParaRPr lang="pl-PL" altLang="en-US"/>
-                    </a:p>
-                  </a:txBody>
-                  <a:tcPr>
-                    <a:gradFill>
-                      <a:gsLst>
-                        <a:gs pos="0">
-                          <a:srgbClr val="007BD3"/>
-                        </a:gs>
-                        <a:gs pos="100000">
-                          <a:srgbClr val="034373"/>
-                        </a:gs>
-                      </a:gsLst>
-                      <a:lin ang="5400000" scaled="0"/>
-                    </a:gradFill>
-                  </a:tcPr>
-                </a:tc>
-              </a:tr>
-              <a:tr h="381000">
-                <a:tc>
-                  <a:txBody>
-                    <a:bodyPr/>
-                    <a:lstStyle/>
-                    <a:p>
-                      <a:pPr>
-                        <a:buNone/>
-                      </a:pPr>
-                      <a:r>
-                        <a:rPr lang="pl-PL" altLang="en-US"/>
-                        <a:t>wartości</a:t>
-                      </a:r>
-                      <a:endParaRPr lang="pl-PL" altLang="en-US"/>
-                    </a:p>
-                  </a:txBody>
-                  <a:tcPr/>
-                </a:tc>
-                <a:tc>
-                  <a:txBody>
-                    <a:bodyPr/>
-                    <a:lstStyle/>
-                    <a:p>
-                      <a:pPr>
-                        <a:buNone/>
-                      </a:pPr>
-                      <a:r>
-                        <a:rPr lang="pl-PL" altLang="en-US"/>
-                        <a:t>3</a:t>
-                      </a:r>
-                      <a:endParaRPr lang="pl-PL" altLang="en-US"/>
-                    </a:p>
-                  </a:txBody>
-                  <a:tcPr/>
-                </a:tc>
-                <a:tc>
-                  <a:txBody>
-                    <a:bodyPr/>
-                    <a:lstStyle/>
-                    <a:p>
-                      <a:pPr>
-                        <a:buNone/>
-                      </a:pPr>
-                      <a:r>
-                        <a:rPr lang="pl-PL" altLang="en-US"/>
-                        <a:t>1</a:t>
-                      </a:r>
-                      <a:endParaRPr lang="pl-PL" altLang="en-US"/>
-                    </a:p>
-                  </a:txBody>
-                  <a:tcPr/>
-                </a:tc>
-                <a:tc>
-                  <a:txBody>
-                    <a:bodyPr/>
-                    <a:lstStyle/>
-                    <a:p>
-                      <a:pPr>
-                        <a:buNone/>
-                      </a:pPr>
-                      <a:r>
-                        <a:rPr lang="pl-PL" altLang="en-US"/>
-                        <a:t>4</a:t>
-                      </a:r>
-                      <a:endParaRPr lang="pl-PL" altLang="en-US"/>
-                    </a:p>
-                  </a:txBody>
-                  <a:tcPr/>
-                </a:tc>
-                <a:tc>
-                  <a:txBody>
-                    <a:bodyPr/>
-                    <a:lstStyle/>
-                    <a:p>
-                      <a:pPr>
-                        <a:buNone/>
-                      </a:pPr>
-                      <a:r>
-                        <a:rPr lang="pl-PL" altLang="en-US"/>
-                        <a:t>5</a:t>
-                      </a:r>
-                      <a:endParaRPr lang="pl-PL" altLang="en-US"/>
-                    </a:p>
-                  </a:txBody>
-                  <a:tcPr/>
-                </a:tc>
-                <a:tc>
-                  <a:txBody>
-                    <a:bodyPr/>
-                    <a:lstStyle/>
-                    <a:p>
-                      <a:pPr>
-                        <a:buNone/>
-                      </a:pPr>
-                      <a:r>
-                        <a:rPr lang="pl-PL" altLang="en-US"/>
-                        <a:t>2</a:t>
-                      </a:r>
-                      <a:endParaRPr lang="pl-PL" altLang="en-US"/>
-                    </a:p>
-                  </a:txBody>
-                  <a:tcPr/>
-                </a:tc>
-                <a:tc>
-                  <a:txBody>
-                    <a:bodyPr/>
-                    <a:lstStyle/>
-                    <a:p>
-                      <a:pPr>
-                        <a:buNone/>
-                      </a:pPr>
-                      <a:r>
-                        <a:rPr lang="pl-PL" altLang="en-US"/>
-                        <a:t>7</a:t>
-                      </a:r>
-                      <a:endParaRPr lang="pl-PL" altLang="en-US"/>
-                    </a:p>
-                  </a:txBody>
-                  <a:tcPr/>
-                </a:tc>
-                <a:tc>
-                  <a:txBody>
-                    <a:bodyPr/>
-                    <a:lstStyle/>
-                    <a:p>
-                      <a:pPr>
-                        <a:buNone/>
-                      </a:pPr>
-                      <a:r>
-                        <a:rPr lang="pl-PL" altLang="en-US"/>
-                        <a:t>5</a:t>
-                      </a:r>
-                      <a:endParaRPr lang="pl-PL" altLang="en-US"/>
-                    </a:p>
-                  </a:txBody>
-                  <a:tcPr>
-                    <a:gradFill>
-                      <a:gsLst>
-                        <a:gs pos="0">
-                          <a:srgbClr val="007BD3"/>
-                        </a:gs>
-                        <a:gs pos="100000">
-                          <a:srgbClr val="034373"/>
-                        </a:gs>
-                      </a:gsLst>
-                      <a:lin ang="5400000" scaled="0"/>
-                    </a:gradFill>
-                  </a:tcPr>
-                </a:tc>
-              </a:tr>
-            </a:tbl>
-          </a:graphicData>
-        </a:graphic>
-      </p:graphicFrame>
-    </p:spTree>
-  </p:cSld>
-  <p:clrMapOvr>
-    <a:masterClrMapping/>
-  </p:clrMapOvr>
-</p:sld>
-</file>
-
-<file path=ppt/slides/slide39.xml><?xml version="1.0" encoding="utf-8"?>
 <p:sld xmlns:a="http://schemas.openxmlformats.org/drawingml/2006/main" xmlns:r="http://schemas.openxmlformats.org/officeDocument/2006/relationships" xmlns:p="http://schemas.openxmlformats.org/presentationml/2006/main">
   <p:cSld>
     <p:spTree>
@@ -15778,6 +15689,115 @@
               </a:solidFill>
               <a:effectLst/>
             </a:endParaRPr>
+          </a:p>
+        </p:txBody>
+      </p:sp>
+    </p:spTree>
+  </p:cSld>
+  <p:clrMapOvr>
+    <a:masterClrMapping/>
+  </p:clrMapOvr>
+</p:sld>
+</file>
+
+<file path=ppt/slides/slide39.xml><?xml version="1.0" encoding="utf-8"?>
+<p:sld xmlns:a="http://schemas.openxmlformats.org/drawingml/2006/main" xmlns:r="http://schemas.openxmlformats.org/officeDocument/2006/relationships" xmlns:p="http://schemas.openxmlformats.org/presentationml/2006/main">
+  <p:cSld>
+    <p:spTree>
+      <p:nvGrpSpPr>
+        <p:cNvPr id="1" name=""/>
+        <p:cNvGrpSpPr/>
+        <p:nvPr/>
+      </p:nvGrpSpPr>
+      <p:grpSpPr>
+        <a:xfrm>
+          <a:off x="0" y="0"/>
+          <a:ext cx="0" cy="0"/>
+          <a:chOff x="0" y="0"/>
+          <a:chExt cx="0" cy="0"/>
+        </a:xfrm>
+      </p:grpSpPr>
+      <p:sp>
+        <p:nvSpPr>
+          <p:cNvPr id="2" name="Title 1"/>
+          <p:cNvSpPr>
+            <a:spLocks noGrp="1"/>
+          </p:cNvSpPr>
+          <p:nvPr>
+            <p:ph type="title"/>
+          </p:nvPr>
+        </p:nvSpPr>
+        <p:spPr/>
+        <p:txBody>
+          <a:bodyPr/>
+          <a:lstStyle/>
+          <a:p>
+            <a:r>
+              <a:rPr lang="pl-PL" altLang="en-US" dirty="0"/>
+              <a:t>Problem</a:t>
+            </a:r>
+            <a:endParaRPr lang="pl-PL" altLang="en-US" dirty="0"/>
+          </a:p>
+        </p:txBody>
+      </p:sp>
+      <p:sp>
+        <p:nvSpPr>
+          <p:cNvPr id="3" name="Content Placeholder 2"/>
+          <p:cNvSpPr>
+            <a:spLocks noGrp="1"/>
+          </p:cNvSpPr>
+          <p:nvPr>
+            <p:ph idx="1"/>
+          </p:nvPr>
+        </p:nvSpPr>
+        <p:spPr>
+          <a:xfrm>
+            <a:off x="609599" y="1635852"/>
+            <a:ext cx="11336323" cy="4491897"/>
+          </a:xfrm>
+        </p:spPr>
+        <p:txBody>
+          <a:bodyPr/>
+          <a:lstStyle/>
+          <a:p>
+            <a:pPr marL="0" indent="0">
+              <a:buNone/>
+            </a:pPr>
+            <a:r>
+              <a:rPr lang="pl-PL" altLang="en-US" sz="2800" dirty="0"/>
+              <a:t>Tworzysz grę komputerową, w której bohater posiada parametr HP oraz parametr MANA. </a:t>
+            </a:r>
+            <a:endParaRPr lang="pl-PL" altLang="en-US" sz="2800" dirty="0"/>
+          </a:p>
+          <a:p>
+            <a:pPr marL="0" indent="0">
+              <a:buNone/>
+            </a:pPr>
+            <a:br>
+              <a:rPr lang="pl-PL" altLang="en-US" sz="2800" dirty="0"/>
+            </a:br>
+            <a:r>
+              <a:rPr lang="pl-PL" altLang="en-US" sz="2800" dirty="0"/>
+              <a:t>Istnieją trzy obszary A, B oraz C. Za każdym razem, kiedy bohater porusza się między obszarami wartość HP oraz MANA podnosi się lub obniża. Jeśli wartość któregoś parametru spadnie do 0, bohater ginie. </a:t>
+            </a:r>
+            <a:br>
+              <a:rPr lang="pl-PL" altLang="en-US" sz="2800" dirty="0"/>
+            </a:br>
+            <a:endParaRPr lang="pl-PL" altLang="en-US" sz="2800" dirty="0"/>
+          </a:p>
+          <a:p>
+            <a:pPr marL="0" indent="0">
+              <a:buNone/>
+            </a:pPr>
+            <a:r>
+              <a:rPr lang="pl-PL" altLang="en-US" sz="2800" b="1" dirty="0"/>
+              <a:t>Problem</a:t>
+            </a:r>
+            <a:r>
+              <a:rPr lang="pl-PL" altLang="en-US" sz="2800" dirty="0"/>
+              <a:t>: ile maksymalnie obszarów może odwiedzić bohater zanim zginie? Zacznij od dowolnego obszaru.</a:t>
+            </a:r>
+            <a:endParaRPr lang="pl-PL" altLang="en-US" sz="2800" dirty="0"/>
           </a:p>
         </p:txBody>
       </p:sp>
@@ -15904,115 +15924,6 @@
           <a:p>
             <a:r>
               <a:rPr lang="pl-PL" altLang="en-US" dirty="0"/>
-              <a:t>Problem</a:t>
-            </a:r>
-            <a:endParaRPr lang="pl-PL" altLang="en-US" dirty="0"/>
-          </a:p>
-        </p:txBody>
-      </p:sp>
-      <p:sp>
-        <p:nvSpPr>
-          <p:cNvPr id="3" name="Content Placeholder 2"/>
-          <p:cNvSpPr>
-            <a:spLocks noGrp="1"/>
-          </p:cNvSpPr>
-          <p:nvPr>
-            <p:ph idx="1"/>
-          </p:nvPr>
-        </p:nvSpPr>
-        <p:spPr>
-          <a:xfrm>
-            <a:off x="609599" y="1635852"/>
-            <a:ext cx="11336323" cy="4491897"/>
-          </a:xfrm>
-        </p:spPr>
-        <p:txBody>
-          <a:bodyPr/>
-          <a:lstStyle/>
-          <a:p>
-            <a:pPr marL="0" indent="0">
-              <a:buNone/>
-            </a:pPr>
-            <a:r>
-              <a:rPr lang="pl-PL" altLang="en-US" sz="2800" dirty="0"/>
-              <a:t>Tworzysz grę komputerową, w której bohater posiada parametr HP oraz parametr MANA. </a:t>
-            </a:r>
-            <a:endParaRPr lang="pl-PL" altLang="en-US" sz="2800" dirty="0"/>
-          </a:p>
-          <a:p>
-            <a:pPr marL="0" indent="0">
-              <a:buNone/>
-            </a:pPr>
-            <a:br>
-              <a:rPr lang="pl-PL" altLang="en-US" sz="2800" dirty="0"/>
-            </a:br>
-            <a:r>
-              <a:rPr lang="pl-PL" altLang="en-US" sz="2800" dirty="0"/>
-              <a:t>Istnieją trzy obszary X, Y oraz Z. Za każdym razem, kiedy bohater porusza się między obszarami wartość HP oraz MANA podnosi się lub obniża. Jeśli wartość któregoś parametru spadnie do 0, bohater ginie. </a:t>
-            </a:r>
-            <a:br>
-              <a:rPr lang="pl-PL" altLang="en-US" sz="2800" dirty="0"/>
-            </a:br>
-            <a:endParaRPr lang="pl-PL" altLang="en-US" sz="2800" dirty="0"/>
-          </a:p>
-          <a:p>
-            <a:pPr marL="0" indent="0">
-              <a:buNone/>
-            </a:pPr>
-            <a:r>
-              <a:rPr lang="pl-PL" altLang="en-US" sz="2800" b="1" dirty="0"/>
-              <a:t>Problem</a:t>
-            </a:r>
-            <a:r>
-              <a:rPr lang="pl-PL" altLang="en-US" sz="2800" dirty="0"/>
-              <a:t>: ile maksymalnie obszarów może odwiedzić bohater zanim zginie? Zacznij od dowolnego obszaru.</a:t>
-            </a:r>
-            <a:endParaRPr lang="pl-PL" altLang="en-US" sz="2800" dirty="0"/>
-          </a:p>
-        </p:txBody>
-      </p:sp>
-    </p:spTree>
-  </p:cSld>
-  <p:clrMapOvr>
-    <a:masterClrMapping/>
-  </p:clrMapOvr>
-</p:sld>
-</file>
-
-<file path=ppt/slides/slide41.xml><?xml version="1.0" encoding="utf-8"?>
-<p:sld xmlns:a="http://schemas.openxmlformats.org/drawingml/2006/main" xmlns:r="http://schemas.openxmlformats.org/officeDocument/2006/relationships" xmlns:p="http://schemas.openxmlformats.org/presentationml/2006/main">
-  <p:cSld>
-    <p:spTree>
-      <p:nvGrpSpPr>
-        <p:cNvPr id="1" name=""/>
-        <p:cNvGrpSpPr/>
-        <p:nvPr/>
-      </p:nvGrpSpPr>
-      <p:grpSpPr>
-        <a:xfrm>
-          <a:off x="0" y="0"/>
-          <a:ext cx="0" cy="0"/>
-          <a:chOff x="0" y="0"/>
-          <a:chExt cx="0" cy="0"/>
-        </a:xfrm>
-      </p:grpSpPr>
-      <p:sp>
-        <p:nvSpPr>
-          <p:cNvPr id="2" name="Title 1"/>
-          <p:cNvSpPr>
-            <a:spLocks noGrp="1"/>
-          </p:cNvSpPr>
-          <p:nvPr>
-            <p:ph type="title"/>
-          </p:nvPr>
-        </p:nvSpPr>
-        <p:spPr/>
-        <p:txBody>
-          <a:bodyPr/>
-          <a:lstStyle/>
-          <a:p>
-            <a:r>
-              <a:rPr lang="pl-PL" altLang="en-US" dirty="0"/>
               <a:t>Przykład</a:t>
             </a:r>
             <a:endParaRPr lang="pl-PL" altLang="en-US" dirty="0"/>
@@ -16123,7 +16034,7 @@
                   <a:schemeClr val="bg1"/>
                 </a:solidFill>
               </a:rPr>
-              <a:t> X (3, 2) : </a:t>
+              <a:t> </a:t>
             </a:r>
             <a:r>
               <a:rPr lang="pl-PL" altLang="en-US" sz="2200" dirty="0">
@@ -16131,7 +16042,7 @@
                   <a:schemeClr val="bg1"/>
                 </a:solidFill>
               </a:rPr>
-              <a:t>jeśli trafisz do Obszaru </a:t>
+              <a:t>A</a:t>
             </a:r>
             <a:r>
               <a:rPr lang="en-US" altLang="en-US" sz="2200" dirty="0">
@@ -16139,7 +16050,23 @@
                   <a:schemeClr val="bg1"/>
                 </a:solidFill>
               </a:rPr>
-              <a:t>X, </a:t>
+              <a:t> (3, 2) : </a:t>
+            </a:r>
+            <a:r>
+              <a:rPr lang="pl-PL" altLang="en-US" sz="2200" dirty="0">
+                <a:solidFill>
+                  <a:schemeClr val="bg1"/>
+                </a:solidFill>
+              </a:rPr>
+              <a:t>jeśli trafisz do Obszaru A</a:t>
+            </a:r>
+            <a:r>
+              <a:rPr lang="en-US" altLang="en-US" sz="2200" dirty="0">
+                <a:solidFill>
+                  <a:schemeClr val="bg1"/>
+                </a:solidFill>
+              </a:rPr>
+              <a:t>, </a:t>
             </a:r>
             <a:r>
               <a:rPr lang="pl-PL" altLang="en-US" sz="2200" dirty="0">
@@ -16239,7 +16166,7 @@
                   <a:schemeClr val="bg1"/>
                 </a:solidFill>
               </a:rPr>
-              <a:t> Y (-5, -10) : </a:t>
+              <a:t> </a:t>
             </a:r>
             <a:r>
               <a:rPr lang="pl-PL" altLang="en-US" sz="2200" dirty="0">
@@ -16247,7 +16174,7 @@
                   <a:schemeClr val="bg1"/>
                 </a:solidFill>
               </a:rPr>
-              <a:t>jeśli trafisz do Obszaru </a:t>
+              <a:t>B</a:t>
             </a:r>
             <a:r>
               <a:rPr lang="en-US" altLang="en-US" sz="2200" dirty="0">
@@ -16255,7 +16182,23 @@
                   <a:schemeClr val="bg1"/>
                 </a:solidFill>
               </a:rPr>
-              <a:t>Y, </a:t>
+              <a:t> (-5, -10) : </a:t>
+            </a:r>
+            <a:r>
+              <a:rPr lang="pl-PL" altLang="en-US" sz="2200" dirty="0">
+                <a:solidFill>
+                  <a:schemeClr val="bg1"/>
+                </a:solidFill>
+              </a:rPr>
+              <a:t>jeśli trafisz do Obszaru B</a:t>
+            </a:r>
+            <a:r>
+              <a:rPr lang="en-US" altLang="en-US" sz="2200" dirty="0">
+                <a:solidFill>
+                  <a:schemeClr val="bg1"/>
+                </a:solidFill>
+              </a:rPr>
+              <a:t>, </a:t>
             </a:r>
             <a:r>
               <a:rPr lang="pl-PL" altLang="en-US" sz="2200" dirty="0">
@@ -16339,7 +16282,7 @@
                   <a:schemeClr val="bg1"/>
                 </a:solidFill>
               </a:rPr>
-              <a:t> Z (-20, 5) : </a:t>
+              <a:t> </a:t>
             </a:r>
             <a:r>
               <a:rPr lang="pl-PL" altLang="en-US" sz="2200" dirty="0">
@@ -16347,7 +16290,7 @@
                   <a:schemeClr val="bg1"/>
                 </a:solidFill>
               </a:rPr>
-              <a:t>jeśli trafisz do Obszaru </a:t>
+              <a:t>C</a:t>
             </a:r>
             <a:r>
               <a:rPr lang="en-US" altLang="en-US" sz="2200" dirty="0">
@@ -16355,7 +16298,23 @@
                   <a:schemeClr val="bg1"/>
                 </a:solidFill>
               </a:rPr>
-              <a:t>Z, </a:t>
+              <a:t> (-20, 5) : </a:t>
+            </a:r>
+            <a:r>
+              <a:rPr lang="pl-PL" altLang="en-US" sz="2200" dirty="0">
+                <a:solidFill>
+                  <a:schemeClr val="bg1"/>
+                </a:solidFill>
+              </a:rPr>
+              <a:t>jeśli trafisz do Obszaru C</a:t>
+            </a:r>
+            <a:r>
+              <a:rPr lang="en-US" altLang="en-US" sz="2200" dirty="0">
+                <a:solidFill>
+                  <a:schemeClr val="bg1"/>
+                </a:solidFill>
+              </a:rPr>
+              <a:t>, </a:t>
             </a:r>
             <a:r>
               <a:rPr lang="pl-PL" altLang="en-US" sz="2200" dirty="0">
@@ -16486,14 +16445,78 @@
               <a:buNone/>
             </a:pPr>
             <a:r>
+              <a:rPr lang="pl-PL" altLang="en-US" sz="2200" dirty="0">
+                <a:solidFill>
+                  <a:schemeClr val="bg1"/>
+                </a:solidFill>
+              </a:rPr>
+              <a:t>A</a:t>
+            </a:r>
+            <a:r>
               <a:rPr lang="en-US" altLang="en-US" sz="2200" dirty="0">
                 <a:solidFill>
                   <a:schemeClr val="bg1"/>
                 </a:solidFill>
               </a:rPr>
-              <a:t>X -&gt; Z -&gt; X -&gt; Y -&gt; X</a:t>
-            </a:r>
-            <a:endParaRPr lang="pl-PL" altLang="en-US" sz="2200" dirty="0">
+              <a:t> -&gt; </a:t>
+            </a:r>
+            <a:r>
+              <a:rPr lang="pl-PL" altLang="en-US" sz="2200" dirty="0">
+                <a:solidFill>
+                  <a:schemeClr val="bg1"/>
+                </a:solidFill>
+              </a:rPr>
+              <a:t>C</a:t>
+            </a:r>
+            <a:r>
+              <a:rPr lang="en-US" altLang="en-US" sz="2200" dirty="0">
+                <a:solidFill>
+                  <a:schemeClr val="bg1"/>
+                </a:solidFill>
+              </a:rPr>
+              <a:t> -&gt; </a:t>
+            </a:r>
+            <a:r>
+              <a:rPr lang="pl-PL" altLang="en-US" sz="2200" dirty="0">
+                <a:solidFill>
+                  <a:schemeClr val="bg1"/>
+                </a:solidFill>
+              </a:rPr>
+              <a:t>A</a:t>
+            </a:r>
+            <a:r>
+              <a:rPr lang="en-US" altLang="en-US" sz="2200" dirty="0">
+                <a:solidFill>
+                  <a:schemeClr val="bg1"/>
+                </a:solidFill>
+              </a:rPr>
+              <a:t> -&gt; </a:t>
+            </a:r>
+            <a:r>
+              <a:rPr lang="pl-PL" altLang="en-US" sz="2200" dirty="0">
+                <a:solidFill>
+                  <a:schemeClr val="bg1"/>
+                </a:solidFill>
+              </a:rPr>
+              <a:t>B</a:t>
+            </a:r>
+            <a:r>
+              <a:rPr lang="en-US" altLang="en-US" sz="2200" dirty="0">
+                <a:solidFill>
+                  <a:schemeClr val="bg1"/>
+                </a:solidFill>
+              </a:rPr>
+              <a:t> -&gt; </a:t>
+            </a:r>
+            <a:r>
+              <a:rPr lang="pl-PL" sz="2200" dirty="0">
+                <a:solidFill>
+                  <a:schemeClr val="bg1"/>
+                </a:solidFill>
+              </a:rPr>
+              <a:t>A</a:t>
+            </a:r>
+            <a:endParaRPr lang="pl-PL" sz="2200" dirty="0">
               <a:solidFill>
                 <a:schemeClr val="bg1"/>
               </a:solidFill>
@@ -16509,7 +16532,7 @@
 </p:sld>
 </file>
 
-<file path=ppt/slides/slide42.xml><?xml version="1.0" encoding="utf-8"?>
+<file path=ppt/slides/slide41.xml><?xml version="1.0" encoding="utf-8"?>
 <p:sld xmlns:a="http://schemas.openxmlformats.org/drawingml/2006/main" xmlns:r="http://schemas.openxmlformats.org/officeDocument/2006/relationships" xmlns:p="http://schemas.openxmlformats.org/presentationml/2006/main">
   <p:cSld>
     <p:spTree>
@@ -16638,7 +16661,7 @@
 </p:sld>
 </file>
 
-<file path=ppt/slides/slide43.xml><?xml version="1.0" encoding="utf-8"?>
+<file path=ppt/slides/slide42.xml><?xml version="1.0" encoding="utf-8"?>
 <p:sld xmlns:a="http://schemas.openxmlformats.org/drawingml/2006/main" xmlns:r="http://schemas.openxmlformats.org/officeDocument/2006/relationships" xmlns:p="http://schemas.openxmlformats.org/presentationml/2006/main">
   <p:cSld>
     <p:spTree>

--- a/Prezentacja_algorytmy_optymalizacja.pptx
+++ b/Prezentacja_algorytmy_optymalizacja.pptx
@@ -9598,7 +9598,7 @@
               <a:rPr lang="pl-PL" altLang="en-US" sz="3200">
                 <a:sym typeface="+mn-ea"/>
               </a:rPr>
-              <a:t> Spisujemy wartość w wiersza wyżej</a:t>
+              <a:t> Spisujemy wartość z wiersza wyżej</a:t>
             </a:r>
             <a:endParaRPr lang="pl-PL" altLang="en-US" sz="3200"/>
           </a:p>
@@ -15553,7 +15553,7 @@
                       </a:pPr>
                       <a:r>
                         <a:rPr lang="pl-PL" altLang="en-US"/>
-                        <a:t>5</a:t>
+                        <a:t>999</a:t>
                       </a:r>
                       <a:endParaRPr lang="pl-PL" altLang="en-US"/>
                     </a:p>
